--- a/JDS6/JDS6.pptx
+++ b/JDS6/JDS6.pptx
@@ -35,13 +35,21 @@
     <p:sldId id="292" r:id="rId29"/>
     <p:sldId id="258" r:id="rId30"/>
     <p:sldId id="259" r:id="rId31"/>
-    <p:sldId id="260" r:id="rId32"/>
-    <p:sldId id="261" r:id="rId33"/>
-    <p:sldId id="262" r:id="rId34"/>
-    <p:sldId id="263" r:id="rId35"/>
-    <p:sldId id="264" r:id="rId36"/>
-    <p:sldId id="265" r:id="rId37"/>
-    <p:sldId id="266" r:id="rId38"/>
+    <p:sldId id="293" r:id="rId32"/>
+    <p:sldId id="294" r:id="rId33"/>
+    <p:sldId id="295" r:id="rId34"/>
+    <p:sldId id="296" r:id="rId35"/>
+    <p:sldId id="299" r:id="rId36"/>
+    <p:sldId id="301" r:id="rId37"/>
+    <p:sldId id="300" r:id="rId38"/>
+    <p:sldId id="302" r:id="rId39"/>
+    <p:sldId id="260" r:id="rId40"/>
+    <p:sldId id="261" r:id="rId41"/>
+    <p:sldId id="262" r:id="rId42"/>
+    <p:sldId id="263" r:id="rId43"/>
+    <p:sldId id="264" r:id="rId44"/>
+    <p:sldId id="265" r:id="rId45"/>
+    <p:sldId id="266" r:id="rId46"/>
   </p:sldIdLst>
   <p:sldSz cx="9144000" cy="6858000" type="screen4x3"/>
   <p:notesSz cx="6858000" cy="9144000"/>
@@ -324,7 +332,7 @@
           <a:p>
             <a:fld id="{530820CF-B880-4189-942D-D702A7CBA730}" type="datetimeFigureOut">
               <a:rPr lang="zh-CN" altLang="en-US" smtClean="0"/>
-              <a:t>2018/10/9</a:t>
+              <a:t>2018/10/13</a:t>
             </a:fld>
             <a:endParaRPr lang="zh-CN" altLang="en-US"/>
           </a:p>
@@ -489,7 +497,7 @@
           <a:p>
             <a:fld id="{530820CF-B880-4189-942D-D702A7CBA730}" type="datetimeFigureOut">
               <a:rPr lang="zh-CN" altLang="en-US" smtClean="0"/>
-              <a:t>2018/10/9</a:t>
+              <a:t>2018/10/13</a:t>
             </a:fld>
             <a:endParaRPr lang="zh-CN" altLang="en-US"/>
           </a:p>
@@ -664,7 +672,7 @@
           <a:p>
             <a:fld id="{530820CF-B880-4189-942D-D702A7CBA730}" type="datetimeFigureOut">
               <a:rPr lang="zh-CN" altLang="en-US" smtClean="0"/>
-              <a:t>2018/10/9</a:t>
+              <a:t>2018/10/13</a:t>
             </a:fld>
             <a:endParaRPr lang="zh-CN" altLang="en-US"/>
           </a:p>
@@ -829,7 +837,7 @@
           <a:p>
             <a:fld id="{530820CF-B880-4189-942D-D702A7CBA730}" type="datetimeFigureOut">
               <a:rPr lang="zh-CN" altLang="en-US" smtClean="0"/>
-              <a:t>2018/10/9</a:t>
+              <a:t>2018/10/13</a:t>
             </a:fld>
             <a:endParaRPr lang="zh-CN" altLang="en-US"/>
           </a:p>
@@ -1070,7 +1078,7 @@
           <a:p>
             <a:fld id="{530820CF-B880-4189-942D-D702A7CBA730}" type="datetimeFigureOut">
               <a:rPr lang="zh-CN" altLang="en-US" smtClean="0"/>
-              <a:t>2018/10/9</a:t>
+              <a:t>2018/10/13</a:t>
             </a:fld>
             <a:endParaRPr lang="zh-CN" altLang="en-US"/>
           </a:p>
@@ -1353,7 +1361,7 @@
           <a:p>
             <a:fld id="{530820CF-B880-4189-942D-D702A7CBA730}" type="datetimeFigureOut">
               <a:rPr lang="zh-CN" altLang="en-US" smtClean="0"/>
-              <a:t>2018/10/9</a:t>
+              <a:t>2018/10/13</a:t>
             </a:fld>
             <a:endParaRPr lang="zh-CN" altLang="en-US"/>
           </a:p>
@@ -1770,7 +1778,7 @@
           <a:p>
             <a:fld id="{530820CF-B880-4189-942D-D702A7CBA730}" type="datetimeFigureOut">
               <a:rPr lang="zh-CN" altLang="en-US" smtClean="0"/>
-              <a:t>2018/10/9</a:t>
+              <a:t>2018/10/13</a:t>
             </a:fld>
             <a:endParaRPr lang="zh-CN" altLang="en-US"/>
           </a:p>
@@ -1883,7 +1891,7 @@
           <a:p>
             <a:fld id="{530820CF-B880-4189-942D-D702A7CBA730}" type="datetimeFigureOut">
               <a:rPr lang="zh-CN" altLang="en-US" smtClean="0"/>
-              <a:t>2018/10/9</a:t>
+              <a:t>2018/10/13</a:t>
             </a:fld>
             <a:endParaRPr lang="zh-CN" altLang="en-US"/>
           </a:p>
@@ -1973,7 +1981,7 @@
           <a:p>
             <a:fld id="{530820CF-B880-4189-942D-D702A7CBA730}" type="datetimeFigureOut">
               <a:rPr lang="zh-CN" altLang="en-US" smtClean="0"/>
-              <a:t>2018/10/9</a:t>
+              <a:t>2018/10/13</a:t>
             </a:fld>
             <a:endParaRPr lang="zh-CN" altLang="en-US"/>
           </a:p>
@@ -2245,7 +2253,7 @@
           <a:p>
             <a:fld id="{530820CF-B880-4189-942D-D702A7CBA730}" type="datetimeFigureOut">
               <a:rPr lang="zh-CN" altLang="en-US" smtClean="0"/>
-              <a:t>2018/10/9</a:t>
+              <a:t>2018/10/13</a:t>
             </a:fld>
             <a:endParaRPr lang="zh-CN" altLang="en-US"/>
           </a:p>
@@ -2493,7 +2501,7 @@
           <a:p>
             <a:fld id="{530820CF-B880-4189-942D-D702A7CBA730}" type="datetimeFigureOut">
               <a:rPr lang="zh-CN" altLang="en-US" smtClean="0"/>
-              <a:t>2018/10/9</a:t>
+              <a:t>2018/10/13</a:t>
             </a:fld>
             <a:endParaRPr lang="zh-CN" altLang="en-US"/>
           </a:p>
@@ -2701,7 +2709,7 @@
           <a:p>
             <a:fld id="{530820CF-B880-4189-942D-D702A7CBA730}" type="datetimeFigureOut">
               <a:rPr lang="zh-CN" altLang="en-US" smtClean="0"/>
-              <a:t>2018/10/9</a:t>
+              <a:t>2018/10/13</a:t>
             </a:fld>
             <a:endParaRPr lang="zh-CN" altLang="en-US"/>
           </a:p>
@@ -37027,6 +37035,820 @@
           <a:chExt cx="0" cy="0"/>
         </a:xfrm>
       </p:grpSpPr>
+      <p:sp>
+        <p:nvSpPr>
+          <p:cNvPr id="2" name="圆角矩形 1"/>
+          <p:cNvSpPr/>
+          <p:nvPr/>
+        </p:nvSpPr>
+        <p:spPr>
+          <a:xfrm>
+            <a:off x="251520" y="260648"/>
+            <a:ext cx="2736304" cy="504056"/>
+          </a:xfrm>
+          <a:prstGeom prst="roundRect">
+            <a:avLst/>
+          </a:prstGeom>
+        </p:spPr>
+        <p:style>
+          <a:lnRef idx="2">
+            <a:schemeClr val="accent1">
+              <a:shade val="50000"/>
+            </a:schemeClr>
+          </a:lnRef>
+          <a:fillRef idx="1">
+            <a:schemeClr val="accent1"/>
+          </a:fillRef>
+          <a:effectRef idx="0">
+            <a:schemeClr val="accent1"/>
+          </a:effectRef>
+          <a:fontRef idx="minor">
+            <a:schemeClr val="lt1"/>
+          </a:fontRef>
+        </p:style>
+        <p:txBody>
+          <a:bodyPr rtlCol="0" anchor="ctr"/>
+          <a:lstStyle/>
+          <a:p>
+            <a:pPr algn="ctr"/>
+            <a:r>
+              <a:rPr lang="zh-CN" altLang="en-US" dirty="0" smtClean="0"/>
+              <a:t>寻找第 </a:t>
+            </a:r>
+            <a:r>
+              <a:rPr lang="en-US" altLang="zh-CN" dirty="0" smtClean="0"/>
+              <a:t>k </a:t>
+            </a:r>
+            <a:r>
+              <a:rPr lang="zh-CN" altLang="en-US" dirty="0" smtClean="0"/>
+              <a:t>个最</a:t>
+            </a:r>
+            <a:r>
+              <a:rPr lang="zh-CN" altLang="en-US" dirty="0" smtClean="0">
+                <a:solidFill>
+                  <a:schemeClr val="accent6"/>
+                </a:solidFill>
+              </a:rPr>
+              <a:t>小</a:t>
+            </a:r>
+            <a:r>
+              <a:rPr lang="zh-CN" altLang="en-US" dirty="0" smtClean="0"/>
+              <a:t>值</a:t>
+            </a:r>
+            <a:endParaRPr lang="zh-CN" altLang="en-US" dirty="0"/>
+          </a:p>
+        </p:txBody>
+      </p:sp>
+      <p:sp>
+        <p:nvSpPr>
+          <p:cNvPr id="3" name="矩形 2"/>
+          <p:cNvSpPr/>
+          <p:nvPr/>
+        </p:nvSpPr>
+        <p:spPr>
+          <a:xfrm>
+            <a:off x="2483768" y="2492896"/>
+            <a:ext cx="576064" cy="432048"/>
+          </a:xfrm>
+          <a:prstGeom prst="rect">
+            <a:avLst/>
+          </a:prstGeom>
+        </p:spPr>
+        <p:style>
+          <a:lnRef idx="2">
+            <a:schemeClr val="accent1">
+              <a:shade val="50000"/>
+            </a:schemeClr>
+          </a:lnRef>
+          <a:fillRef idx="1">
+            <a:schemeClr val="accent1"/>
+          </a:fillRef>
+          <a:effectRef idx="0">
+            <a:schemeClr val="accent1"/>
+          </a:effectRef>
+          <a:fontRef idx="minor">
+            <a:schemeClr val="lt1"/>
+          </a:fontRef>
+        </p:style>
+        <p:txBody>
+          <a:bodyPr rtlCol="0" anchor="ctr"/>
+          <a:lstStyle/>
+          <a:p>
+            <a:pPr algn="ctr"/>
+            <a:r>
+              <a:rPr lang="en-US" altLang="zh-CN" dirty="0" smtClean="0"/>
+              <a:t>10</a:t>
+            </a:r>
+            <a:endParaRPr lang="zh-CN" altLang="en-US" dirty="0"/>
+          </a:p>
+        </p:txBody>
+      </p:sp>
+      <p:sp>
+        <p:nvSpPr>
+          <p:cNvPr id="4" name="矩形 3"/>
+          <p:cNvSpPr/>
+          <p:nvPr/>
+        </p:nvSpPr>
+        <p:spPr>
+          <a:xfrm>
+            <a:off x="3059832" y="2492896"/>
+            <a:ext cx="576064" cy="432048"/>
+          </a:xfrm>
+          <a:prstGeom prst="rect">
+            <a:avLst/>
+          </a:prstGeom>
+        </p:spPr>
+        <p:style>
+          <a:lnRef idx="2">
+            <a:schemeClr val="accent1">
+              <a:shade val="50000"/>
+            </a:schemeClr>
+          </a:lnRef>
+          <a:fillRef idx="1">
+            <a:schemeClr val="accent1"/>
+          </a:fillRef>
+          <a:effectRef idx="0">
+            <a:schemeClr val="accent1"/>
+          </a:effectRef>
+          <a:fontRef idx="minor">
+            <a:schemeClr val="lt1"/>
+          </a:fontRef>
+        </p:style>
+        <p:txBody>
+          <a:bodyPr rtlCol="0" anchor="ctr"/>
+          <a:lstStyle/>
+          <a:p>
+            <a:pPr algn="ctr"/>
+            <a:r>
+              <a:rPr lang="en-US" altLang="zh-CN" dirty="0" smtClean="0"/>
+              <a:t>4</a:t>
+            </a:r>
+            <a:endParaRPr lang="zh-CN" altLang="en-US" dirty="0"/>
+          </a:p>
+        </p:txBody>
+      </p:sp>
+      <p:sp>
+        <p:nvSpPr>
+          <p:cNvPr id="7" name="矩形 6"/>
+          <p:cNvSpPr/>
+          <p:nvPr/>
+        </p:nvSpPr>
+        <p:spPr>
+          <a:xfrm>
+            <a:off x="3635896" y="2492896"/>
+            <a:ext cx="576064" cy="432048"/>
+          </a:xfrm>
+          <a:prstGeom prst="rect">
+            <a:avLst/>
+          </a:prstGeom>
+        </p:spPr>
+        <p:style>
+          <a:lnRef idx="2">
+            <a:schemeClr val="accent1">
+              <a:shade val="50000"/>
+            </a:schemeClr>
+          </a:lnRef>
+          <a:fillRef idx="1">
+            <a:schemeClr val="accent1"/>
+          </a:fillRef>
+          <a:effectRef idx="0">
+            <a:schemeClr val="accent1"/>
+          </a:effectRef>
+          <a:fontRef idx="minor">
+            <a:schemeClr val="lt1"/>
+          </a:fontRef>
+        </p:style>
+        <p:txBody>
+          <a:bodyPr rtlCol="0" anchor="ctr"/>
+          <a:lstStyle/>
+          <a:p>
+            <a:pPr algn="ctr"/>
+            <a:r>
+              <a:rPr lang="en-US" altLang="zh-CN" dirty="0" smtClean="0"/>
+              <a:t>5</a:t>
+            </a:r>
+            <a:endParaRPr lang="zh-CN" altLang="en-US" dirty="0"/>
+          </a:p>
+        </p:txBody>
+      </p:sp>
+      <p:sp>
+        <p:nvSpPr>
+          <p:cNvPr id="8" name="矩形 7"/>
+          <p:cNvSpPr/>
+          <p:nvPr/>
+        </p:nvSpPr>
+        <p:spPr>
+          <a:xfrm>
+            <a:off x="4211960" y="2492896"/>
+            <a:ext cx="576064" cy="432048"/>
+          </a:xfrm>
+          <a:prstGeom prst="rect">
+            <a:avLst/>
+          </a:prstGeom>
+        </p:spPr>
+        <p:style>
+          <a:lnRef idx="2">
+            <a:schemeClr val="accent1">
+              <a:shade val="50000"/>
+            </a:schemeClr>
+          </a:lnRef>
+          <a:fillRef idx="1">
+            <a:schemeClr val="accent1"/>
+          </a:fillRef>
+          <a:effectRef idx="0">
+            <a:schemeClr val="accent1"/>
+          </a:effectRef>
+          <a:fontRef idx="minor">
+            <a:schemeClr val="lt1"/>
+          </a:fontRef>
+        </p:style>
+        <p:txBody>
+          <a:bodyPr rtlCol="0" anchor="ctr"/>
+          <a:lstStyle/>
+          <a:p>
+            <a:pPr algn="ctr"/>
+            <a:r>
+              <a:rPr lang="en-US" altLang="zh-CN" dirty="0" smtClean="0"/>
+              <a:t>7</a:t>
+            </a:r>
+            <a:endParaRPr lang="zh-CN" altLang="en-US" dirty="0"/>
+          </a:p>
+        </p:txBody>
+      </p:sp>
+      <p:sp>
+        <p:nvSpPr>
+          <p:cNvPr id="9" name="矩形 8"/>
+          <p:cNvSpPr/>
+          <p:nvPr/>
+        </p:nvSpPr>
+        <p:spPr>
+          <a:xfrm>
+            <a:off x="4788024" y="2492896"/>
+            <a:ext cx="576064" cy="432048"/>
+          </a:xfrm>
+          <a:prstGeom prst="rect">
+            <a:avLst/>
+          </a:prstGeom>
+        </p:spPr>
+        <p:style>
+          <a:lnRef idx="2">
+            <a:schemeClr val="accent1">
+              <a:shade val="50000"/>
+            </a:schemeClr>
+          </a:lnRef>
+          <a:fillRef idx="1">
+            <a:schemeClr val="accent1"/>
+          </a:fillRef>
+          <a:effectRef idx="0">
+            <a:schemeClr val="accent1"/>
+          </a:effectRef>
+          <a:fontRef idx="minor">
+            <a:schemeClr val="lt1"/>
+          </a:fontRef>
+        </p:style>
+        <p:txBody>
+          <a:bodyPr rtlCol="0" anchor="ctr"/>
+          <a:lstStyle/>
+          <a:p>
+            <a:pPr algn="ctr"/>
+            <a:r>
+              <a:rPr lang="en-US" altLang="zh-CN" dirty="0" smtClean="0"/>
+              <a:t>3</a:t>
+            </a:r>
+            <a:endParaRPr lang="zh-CN" altLang="en-US" dirty="0"/>
+          </a:p>
+        </p:txBody>
+      </p:sp>
+      <p:sp>
+        <p:nvSpPr>
+          <p:cNvPr id="10" name="矩形 9"/>
+          <p:cNvSpPr/>
+          <p:nvPr/>
+        </p:nvSpPr>
+        <p:spPr>
+          <a:xfrm>
+            <a:off x="5364088" y="2492896"/>
+            <a:ext cx="576064" cy="432048"/>
+          </a:xfrm>
+          <a:prstGeom prst="rect">
+            <a:avLst/>
+          </a:prstGeom>
+        </p:spPr>
+        <p:style>
+          <a:lnRef idx="2">
+            <a:schemeClr val="accent1">
+              <a:shade val="50000"/>
+            </a:schemeClr>
+          </a:lnRef>
+          <a:fillRef idx="1">
+            <a:schemeClr val="accent1"/>
+          </a:fillRef>
+          <a:effectRef idx="0">
+            <a:schemeClr val="accent1"/>
+          </a:effectRef>
+          <a:fontRef idx="minor">
+            <a:schemeClr val="lt1"/>
+          </a:fontRef>
+        </p:style>
+        <p:txBody>
+          <a:bodyPr rtlCol="0" anchor="ctr"/>
+          <a:lstStyle/>
+          <a:p>
+            <a:pPr algn="ctr"/>
+            <a:r>
+              <a:rPr lang="en-US" altLang="zh-CN" dirty="0" smtClean="0"/>
+              <a:t>9</a:t>
+            </a:r>
+            <a:endParaRPr lang="zh-CN" altLang="en-US" dirty="0"/>
+          </a:p>
+        </p:txBody>
+      </p:sp>
+      <p:sp>
+        <p:nvSpPr>
+          <p:cNvPr id="11" name="矩形 10"/>
+          <p:cNvSpPr/>
+          <p:nvPr/>
+        </p:nvSpPr>
+        <p:spPr>
+          <a:xfrm>
+            <a:off x="5940152" y="2492896"/>
+            <a:ext cx="576064" cy="432048"/>
+          </a:xfrm>
+          <a:prstGeom prst="rect">
+            <a:avLst/>
+          </a:prstGeom>
+        </p:spPr>
+        <p:style>
+          <a:lnRef idx="2">
+            <a:schemeClr val="accent1">
+              <a:shade val="50000"/>
+            </a:schemeClr>
+          </a:lnRef>
+          <a:fillRef idx="1">
+            <a:schemeClr val="accent1"/>
+          </a:fillRef>
+          <a:effectRef idx="0">
+            <a:schemeClr val="accent1"/>
+          </a:effectRef>
+          <a:fontRef idx="minor">
+            <a:schemeClr val="lt1"/>
+          </a:fontRef>
+        </p:style>
+        <p:txBody>
+          <a:bodyPr rtlCol="0" anchor="ctr"/>
+          <a:lstStyle/>
+          <a:p>
+            <a:pPr algn="ctr"/>
+            <a:r>
+              <a:rPr lang="en-US" altLang="zh-CN" dirty="0" smtClean="0"/>
+              <a:t>8</a:t>
+            </a:r>
+            <a:endParaRPr lang="zh-CN" altLang="en-US" dirty="0"/>
+          </a:p>
+        </p:txBody>
+      </p:sp>
+      <p:sp>
+        <p:nvSpPr>
+          <p:cNvPr id="13" name="矩形 12"/>
+          <p:cNvSpPr/>
+          <p:nvPr/>
+        </p:nvSpPr>
+        <p:spPr>
+          <a:xfrm>
+            <a:off x="3635896" y="332656"/>
+            <a:ext cx="1152128" cy="432048"/>
+          </a:xfrm>
+          <a:prstGeom prst="rect">
+            <a:avLst/>
+          </a:prstGeom>
+        </p:spPr>
+        <p:style>
+          <a:lnRef idx="2">
+            <a:schemeClr val="accent1">
+              <a:shade val="50000"/>
+            </a:schemeClr>
+          </a:lnRef>
+          <a:fillRef idx="1">
+            <a:schemeClr val="accent1"/>
+          </a:fillRef>
+          <a:effectRef idx="0">
+            <a:schemeClr val="accent1"/>
+          </a:effectRef>
+          <a:fontRef idx="minor">
+            <a:schemeClr val="lt1"/>
+          </a:fontRef>
+        </p:style>
+        <p:txBody>
+          <a:bodyPr rtlCol="0" anchor="ctr"/>
+          <a:lstStyle/>
+          <a:p>
+            <a:pPr algn="ctr"/>
+            <a:r>
+              <a:rPr lang="en-US" altLang="zh-CN" dirty="0" smtClean="0"/>
+              <a:t>k == 4</a:t>
+            </a:r>
+            <a:endParaRPr lang="zh-CN" altLang="en-US" dirty="0"/>
+          </a:p>
+        </p:txBody>
+      </p:sp>
+      <p:sp>
+        <p:nvSpPr>
+          <p:cNvPr id="14" name="下箭头 13"/>
+          <p:cNvSpPr/>
+          <p:nvPr/>
+        </p:nvSpPr>
+        <p:spPr>
+          <a:xfrm>
+            <a:off x="3905267" y="3068960"/>
+            <a:ext cx="1152128" cy="720080"/>
+          </a:xfrm>
+          <a:prstGeom prst="downArrow">
+            <a:avLst/>
+          </a:prstGeom>
+        </p:spPr>
+        <p:style>
+          <a:lnRef idx="2">
+            <a:schemeClr val="accent1">
+              <a:shade val="50000"/>
+            </a:schemeClr>
+          </a:lnRef>
+          <a:fillRef idx="1">
+            <a:schemeClr val="accent1"/>
+          </a:fillRef>
+          <a:effectRef idx="0">
+            <a:schemeClr val="accent1"/>
+          </a:effectRef>
+          <a:fontRef idx="minor">
+            <a:schemeClr val="lt1"/>
+          </a:fontRef>
+        </p:style>
+        <p:txBody>
+          <a:bodyPr rtlCol="0" anchor="ctr"/>
+          <a:lstStyle/>
+          <a:p>
+            <a:pPr algn="ctr"/>
+            <a:r>
+              <a:rPr lang="en-US" altLang="zh-CN" dirty="0" smtClean="0"/>
+              <a:t>sort</a:t>
+            </a:r>
+            <a:endParaRPr lang="zh-CN" altLang="en-US" dirty="0"/>
+          </a:p>
+        </p:txBody>
+      </p:sp>
+      <p:sp>
+        <p:nvSpPr>
+          <p:cNvPr id="15" name="矩形 14"/>
+          <p:cNvSpPr/>
+          <p:nvPr/>
+        </p:nvSpPr>
+        <p:spPr>
+          <a:xfrm>
+            <a:off x="2483768" y="3933056"/>
+            <a:ext cx="576064" cy="432048"/>
+          </a:xfrm>
+          <a:prstGeom prst="rect">
+            <a:avLst/>
+          </a:prstGeom>
+        </p:spPr>
+        <p:style>
+          <a:lnRef idx="2">
+            <a:schemeClr val="accent1">
+              <a:shade val="50000"/>
+            </a:schemeClr>
+          </a:lnRef>
+          <a:fillRef idx="1">
+            <a:schemeClr val="accent1"/>
+          </a:fillRef>
+          <a:effectRef idx="0">
+            <a:schemeClr val="accent1"/>
+          </a:effectRef>
+          <a:fontRef idx="minor">
+            <a:schemeClr val="lt1"/>
+          </a:fontRef>
+        </p:style>
+        <p:txBody>
+          <a:bodyPr rtlCol="0" anchor="ctr"/>
+          <a:lstStyle/>
+          <a:p>
+            <a:pPr algn="ctr"/>
+            <a:r>
+              <a:rPr lang="en-US" altLang="zh-CN" dirty="0"/>
+              <a:t>3</a:t>
+            </a:r>
+            <a:endParaRPr lang="zh-CN" altLang="en-US" dirty="0"/>
+          </a:p>
+        </p:txBody>
+      </p:sp>
+      <p:sp>
+        <p:nvSpPr>
+          <p:cNvPr id="16" name="矩形 15"/>
+          <p:cNvSpPr/>
+          <p:nvPr/>
+        </p:nvSpPr>
+        <p:spPr>
+          <a:xfrm>
+            <a:off x="3059832" y="3933056"/>
+            <a:ext cx="576064" cy="432048"/>
+          </a:xfrm>
+          <a:prstGeom prst="rect">
+            <a:avLst/>
+          </a:prstGeom>
+        </p:spPr>
+        <p:style>
+          <a:lnRef idx="2">
+            <a:schemeClr val="accent1">
+              <a:shade val="50000"/>
+            </a:schemeClr>
+          </a:lnRef>
+          <a:fillRef idx="1">
+            <a:schemeClr val="accent1"/>
+          </a:fillRef>
+          <a:effectRef idx="0">
+            <a:schemeClr val="accent1"/>
+          </a:effectRef>
+          <a:fontRef idx="minor">
+            <a:schemeClr val="lt1"/>
+          </a:fontRef>
+        </p:style>
+        <p:txBody>
+          <a:bodyPr rtlCol="0" anchor="ctr"/>
+          <a:lstStyle/>
+          <a:p>
+            <a:pPr algn="ctr"/>
+            <a:r>
+              <a:rPr lang="en-US" altLang="zh-CN" dirty="0" smtClean="0"/>
+              <a:t>4</a:t>
+            </a:r>
+            <a:endParaRPr lang="zh-CN" altLang="en-US" dirty="0"/>
+          </a:p>
+        </p:txBody>
+      </p:sp>
+      <p:sp>
+        <p:nvSpPr>
+          <p:cNvPr id="17" name="矩形 16"/>
+          <p:cNvSpPr/>
+          <p:nvPr/>
+        </p:nvSpPr>
+        <p:spPr>
+          <a:xfrm>
+            <a:off x="3635896" y="3933056"/>
+            <a:ext cx="576064" cy="432048"/>
+          </a:xfrm>
+          <a:prstGeom prst="rect">
+            <a:avLst/>
+          </a:prstGeom>
+        </p:spPr>
+        <p:style>
+          <a:lnRef idx="2">
+            <a:schemeClr val="accent1">
+              <a:shade val="50000"/>
+            </a:schemeClr>
+          </a:lnRef>
+          <a:fillRef idx="1">
+            <a:schemeClr val="accent1"/>
+          </a:fillRef>
+          <a:effectRef idx="0">
+            <a:schemeClr val="accent1"/>
+          </a:effectRef>
+          <a:fontRef idx="minor">
+            <a:schemeClr val="lt1"/>
+          </a:fontRef>
+        </p:style>
+        <p:txBody>
+          <a:bodyPr rtlCol="0" anchor="ctr"/>
+          <a:lstStyle/>
+          <a:p>
+            <a:pPr algn="ctr"/>
+            <a:r>
+              <a:rPr lang="en-US" altLang="zh-CN" dirty="0" smtClean="0"/>
+              <a:t>5</a:t>
+            </a:r>
+            <a:endParaRPr lang="zh-CN" altLang="en-US" dirty="0"/>
+          </a:p>
+        </p:txBody>
+      </p:sp>
+      <p:sp>
+        <p:nvSpPr>
+          <p:cNvPr id="18" name="矩形 17"/>
+          <p:cNvSpPr/>
+          <p:nvPr/>
+        </p:nvSpPr>
+        <p:spPr>
+          <a:xfrm>
+            <a:off x="4211960" y="3933056"/>
+            <a:ext cx="576064" cy="432048"/>
+          </a:xfrm>
+          <a:prstGeom prst="rect">
+            <a:avLst/>
+          </a:prstGeom>
+          <a:solidFill>
+            <a:srgbClr val="00B050"/>
+          </a:solidFill>
+        </p:spPr>
+        <p:style>
+          <a:lnRef idx="2">
+            <a:schemeClr val="accent1">
+              <a:shade val="50000"/>
+            </a:schemeClr>
+          </a:lnRef>
+          <a:fillRef idx="1">
+            <a:schemeClr val="accent1"/>
+          </a:fillRef>
+          <a:effectRef idx="0">
+            <a:schemeClr val="accent1"/>
+          </a:effectRef>
+          <a:fontRef idx="minor">
+            <a:schemeClr val="lt1"/>
+          </a:fontRef>
+        </p:style>
+        <p:txBody>
+          <a:bodyPr rtlCol="0" anchor="ctr"/>
+          <a:lstStyle/>
+          <a:p>
+            <a:pPr algn="ctr"/>
+            <a:r>
+              <a:rPr lang="en-US" altLang="zh-CN" dirty="0" smtClean="0"/>
+              <a:t>7</a:t>
+            </a:r>
+            <a:endParaRPr lang="zh-CN" altLang="en-US" dirty="0"/>
+          </a:p>
+        </p:txBody>
+      </p:sp>
+      <p:sp>
+        <p:nvSpPr>
+          <p:cNvPr id="19" name="矩形 18"/>
+          <p:cNvSpPr/>
+          <p:nvPr/>
+        </p:nvSpPr>
+        <p:spPr>
+          <a:xfrm>
+            <a:off x="4788024" y="3933056"/>
+            <a:ext cx="576064" cy="432048"/>
+          </a:xfrm>
+          <a:prstGeom prst="rect">
+            <a:avLst/>
+          </a:prstGeom>
+        </p:spPr>
+        <p:style>
+          <a:lnRef idx="2">
+            <a:schemeClr val="accent1">
+              <a:shade val="50000"/>
+            </a:schemeClr>
+          </a:lnRef>
+          <a:fillRef idx="1">
+            <a:schemeClr val="accent1"/>
+          </a:fillRef>
+          <a:effectRef idx="0">
+            <a:schemeClr val="accent1"/>
+          </a:effectRef>
+          <a:fontRef idx="minor">
+            <a:schemeClr val="lt1"/>
+          </a:fontRef>
+        </p:style>
+        <p:txBody>
+          <a:bodyPr rtlCol="0" anchor="ctr"/>
+          <a:lstStyle/>
+          <a:p>
+            <a:pPr algn="ctr"/>
+            <a:r>
+              <a:rPr lang="en-US" altLang="zh-CN" dirty="0" smtClean="0"/>
+              <a:t>8</a:t>
+            </a:r>
+            <a:endParaRPr lang="zh-CN" altLang="en-US" dirty="0"/>
+          </a:p>
+        </p:txBody>
+      </p:sp>
+      <p:sp>
+        <p:nvSpPr>
+          <p:cNvPr id="20" name="矩形 19"/>
+          <p:cNvSpPr/>
+          <p:nvPr/>
+        </p:nvSpPr>
+        <p:spPr>
+          <a:xfrm>
+            <a:off x="5364088" y="3933056"/>
+            <a:ext cx="576064" cy="432048"/>
+          </a:xfrm>
+          <a:prstGeom prst="rect">
+            <a:avLst/>
+          </a:prstGeom>
+        </p:spPr>
+        <p:style>
+          <a:lnRef idx="2">
+            <a:schemeClr val="accent1">
+              <a:shade val="50000"/>
+            </a:schemeClr>
+          </a:lnRef>
+          <a:fillRef idx="1">
+            <a:schemeClr val="accent1"/>
+          </a:fillRef>
+          <a:effectRef idx="0">
+            <a:schemeClr val="accent1"/>
+          </a:effectRef>
+          <a:fontRef idx="minor">
+            <a:schemeClr val="lt1"/>
+          </a:fontRef>
+        </p:style>
+        <p:txBody>
+          <a:bodyPr rtlCol="0" anchor="ctr"/>
+          <a:lstStyle/>
+          <a:p>
+            <a:pPr algn="ctr"/>
+            <a:r>
+              <a:rPr lang="en-US" altLang="zh-CN" dirty="0" smtClean="0"/>
+              <a:t>9</a:t>
+            </a:r>
+            <a:endParaRPr lang="zh-CN" altLang="en-US" dirty="0"/>
+          </a:p>
+        </p:txBody>
+      </p:sp>
+      <p:sp>
+        <p:nvSpPr>
+          <p:cNvPr id="21" name="矩形 20"/>
+          <p:cNvSpPr/>
+          <p:nvPr/>
+        </p:nvSpPr>
+        <p:spPr>
+          <a:xfrm>
+            <a:off x="5940152" y="3933056"/>
+            <a:ext cx="576064" cy="432048"/>
+          </a:xfrm>
+          <a:prstGeom prst="rect">
+            <a:avLst/>
+          </a:prstGeom>
+        </p:spPr>
+        <p:style>
+          <a:lnRef idx="2">
+            <a:schemeClr val="accent1">
+              <a:shade val="50000"/>
+            </a:schemeClr>
+          </a:lnRef>
+          <a:fillRef idx="1">
+            <a:schemeClr val="accent1"/>
+          </a:fillRef>
+          <a:effectRef idx="0">
+            <a:schemeClr val="accent1"/>
+          </a:effectRef>
+          <a:fontRef idx="minor">
+            <a:schemeClr val="lt1"/>
+          </a:fontRef>
+        </p:style>
+        <p:txBody>
+          <a:bodyPr rtlCol="0" anchor="ctr"/>
+          <a:lstStyle/>
+          <a:p>
+            <a:pPr algn="ctr"/>
+            <a:r>
+              <a:rPr lang="en-US" altLang="zh-CN" dirty="0" smtClean="0"/>
+              <a:t>10</a:t>
+            </a:r>
+            <a:endParaRPr lang="zh-CN" altLang="en-US" dirty="0"/>
+          </a:p>
+        </p:txBody>
+      </p:sp>
+      <p:sp>
+        <p:nvSpPr>
+          <p:cNvPr id="22" name="圆角矩形 21"/>
+          <p:cNvSpPr/>
+          <p:nvPr/>
+        </p:nvSpPr>
+        <p:spPr>
+          <a:xfrm>
+            <a:off x="683568" y="1023222"/>
+            <a:ext cx="2088232" cy="504056"/>
+          </a:xfrm>
+          <a:prstGeom prst="roundRect">
+            <a:avLst/>
+          </a:prstGeom>
+        </p:spPr>
+        <p:style>
+          <a:lnRef idx="2">
+            <a:schemeClr val="accent1">
+              <a:shade val="50000"/>
+            </a:schemeClr>
+          </a:lnRef>
+          <a:fillRef idx="1">
+            <a:schemeClr val="accent1"/>
+          </a:fillRef>
+          <a:effectRef idx="0">
+            <a:schemeClr val="accent1"/>
+          </a:effectRef>
+          <a:fontRef idx="minor">
+            <a:schemeClr val="lt1"/>
+          </a:fontRef>
+        </p:style>
+        <p:txBody>
+          <a:bodyPr rtlCol="0" anchor="ctr"/>
+          <a:lstStyle/>
+          <a:p>
+            <a:pPr algn="ctr"/>
+            <a:r>
+              <a:rPr lang="en-US" altLang="zh-CN" dirty="0" smtClean="0"/>
+              <a:t>1A: O(N^2)</a:t>
+            </a:r>
+          </a:p>
+        </p:txBody>
+      </p:sp>
     </p:spTree>
     <p:extLst>
       <p:ext uri="{BB962C8B-B14F-4D97-AF65-F5344CB8AC3E}">
@@ -37057,10 +37879,1521 @@
           <a:chExt cx="0" cy="0"/>
         </a:xfrm>
       </p:grpSpPr>
+      <p:sp>
+        <p:nvSpPr>
+          <p:cNvPr id="2" name="圆角矩形 1"/>
+          <p:cNvSpPr/>
+          <p:nvPr/>
+        </p:nvSpPr>
+        <p:spPr>
+          <a:xfrm>
+            <a:off x="251520" y="260648"/>
+            <a:ext cx="2736304" cy="504056"/>
+          </a:xfrm>
+          <a:prstGeom prst="roundRect">
+            <a:avLst/>
+          </a:prstGeom>
+        </p:spPr>
+        <p:style>
+          <a:lnRef idx="2">
+            <a:schemeClr val="accent1">
+              <a:shade val="50000"/>
+            </a:schemeClr>
+          </a:lnRef>
+          <a:fillRef idx="1">
+            <a:schemeClr val="accent1"/>
+          </a:fillRef>
+          <a:effectRef idx="0">
+            <a:schemeClr val="accent1"/>
+          </a:effectRef>
+          <a:fontRef idx="minor">
+            <a:schemeClr val="lt1"/>
+          </a:fontRef>
+        </p:style>
+        <p:txBody>
+          <a:bodyPr rtlCol="0" anchor="ctr"/>
+          <a:lstStyle/>
+          <a:p>
+            <a:pPr algn="ctr"/>
+            <a:r>
+              <a:rPr lang="zh-CN" altLang="en-US" dirty="0" smtClean="0"/>
+              <a:t>寻找第 </a:t>
+            </a:r>
+            <a:r>
+              <a:rPr lang="en-US" altLang="zh-CN" dirty="0" smtClean="0"/>
+              <a:t>k </a:t>
+            </a:r>
+            <a:r>
+              <a:rPr lang="zh-CN" altLang="en-US" dirty="0" smtClean="0"/>
+              <a:t>个最</a:t>
+            </a:r>
+            <a:r>
+              <a:rPr lang="zh-CN" altLang="en-US" dirty="0">
+                <a:solidFill>
+                  <a:schemeClr val="accent6"/>
+                </a:solidFill>
+              </a:rPr>
+              <a:t>大</a:t>
+            </a:r>
+            <a:r>
+              <a:rPr lang="zh-CN" altLang="en-US" dirty="0" smtClean="0"/>
+              <a:t>值</a:t>
+            </a:r>
+            <a:endParaRPr lang="zh-CN" altLang="en-US" dirty="0"/>
+          </a:p>
+        </p:txBody>
+      </p:sp>
+      <p:sp>
+        <p:nvSpPr>
+          <p:cNvPr id="3" name="矩形 2"/>
+          <p:cNvSpPr/>
+          <p:nvPr/>
+        </p:nvSpPr>
+        <p:spPr>
+          <a:xfrm>
+            <a:off x="2483768" y="1844824"/>
+            <a:ext cx="576064" cy="432048"/>
+          </a:xfrm>
+          <a:prstGeom prst="rect">
+            <a:avLst/>
+          </a:prstGeom>
+        </p:spPr>
+        <p:style>
+          <a:lnRef idx="2">
+            <a:schemeClr val="accent1">
+              <a:shade val="50000"/>
+            </a:schemeClr>
+          </a:lnRef>
+          <a:fillRef idx="1">
+            <a:schemeClr val="accent1"/>
+          </a:fillRef>
+          <a:effectRef idx="0">
+            <a:schemeClr val="accent1"/>
+          </a:effectRef>
+          <a:fontRef idx="minor">
+            <a:schemeClr val="lt1"/>
+          </a:fontRef>
+        </p:style>
+        <p:txBody>
+          <a:bodyPr rtlCol="0" anchor="ctr"/>
+          <a:lstStyle/>
+          <a:p>
+            <a:pPr algn="ctr"/>
+            <a:r>
+              <a:rPr lang="en-US" altLang="zh-CN" dirty="0" smtClean="0"/>
+              <a:t>10</a:t>
+            </a:r>
+            <a:endParaRPr lang="zh-CN" altLang="en-US" dirty="0"/>
+          </a:p>
+        </p:txBody>
+      </p:sp>
+      <p:sp>
+        <p:nvSpPr>
+          <p:cNvPr id="4" name="矩形 3"/>
+          <p:cNvSpPr/>
+          <p:nvPr/>
+        </p:nvSpPr>
+        <p:spPr>
+          <a:xfrm>
+            <a:off x="3059832" y="1844824"/>
+            <a:ext cx="576064" cy="432048"/>
+          </a:xfrm>
+          <a:prstGeom prst="rect">
+            <a:avLst/>
+          </a:prstGeom>
+        </p:spPr>
+        <p:style>
+          <a:lnRef idx="2">
+            <a:schemeClr val="accent1">
+              <a:shade val="50000"/>
+            </a:schemeClr>
+          </a:lnRef>
+          <a:fillRef idx="1">
+            <a:schemeClr val="accent1"/>
+          </a:fillRef>
+          <a:effectRef idx="0">
+            <a:schemeClr val="accent1"/>
+          </a:effectRef>
+          <a:fontRef idx="minor">
+            <a:schemeClr val="lt1"/>
+          </a:fontRef>
+        </p:style>
+        <p:txBody>
+          <a:bodyPr rtlCol="0" anchor="ctr"/>
+          <a:lstStyle/>
+          <a:p>
+            <a:pPr algn="ctr"/>
+            <a:r>
+              <a:rPr lang="en-US" altLang="zh-CN" dirty="0" smtClean="0"/>
+              <a:t>4</a:t>
+            </a:r>
+            <a:endParaRPr lang="zh-CN" altLang="en-US" dirty="0"/>
+          </a:p>
+        </p:txBody>
+      </p:sp>
+      <p:sp>
+        <p:nvSpPr>
+          <p:cNvPr id="7" name="矩形 6"/>
+          <p:cNvSpPr/>
+          <p:nvPr/>
+        </p:nvSpPr>
+        <p:spPr>
+          <a:xfrm>
+            <a:off x="3635896" y="1844824"/>
+            <a:ext cx="576064" cy="432048"/>
+          </a:xfrm>
+          <a:prstGeom prst="rect">
+            <a:avLst/>
+          </a:prstGeom>
+        </p:spPr>
+        <p:style>
+          <a:lnRef idx="2">
+            <a:schemeClr val="accent1">
+              <a:shade val="50000"/>
+            </a:schemeClr>
+          </a:lnRef>
+          <a:fillRef idx="1">
+            <a:schemeClr val="accent1"/>
+          </a:fillRef>
+          <a:effectRef idx="0">
+            <a:schemeClr val="accent1"/>
+          </a:effectRef>
+          <a:fontRef idx="minor">
+            <a:schemeClr val="lt1"/>
+          </a:fontRef>
+        </p:style>
+        <p:txBody>
+          <a:bodyPr rtlCol="0" anchor="ctr"/>
+          <a:lstStyle/>
+          <a:p>
+            <a:pPr algn="ctr"/>
+            <a:r>
+              <a:rPr lang="en-US" altLang="zh-CN" dirty="0" smtClean="0"/>
+              <a:t>5</a:t>
+            </a:r>
+            <a:endParaRPr lang="zh-CN" altLang="en-US" dirty="0"/>
+          </a:p>
+        </p:txBody>
+      </p:sp>
+      <p:sp>
+        <p:nvSpPr>
+          <p:cNvPr id="8" name="矩形 7"/>
+          <p:cNvSpPr/>
+          <p:nvPr/>
+        </p:nvSpPr>
+        <p:spPr>
+          <a:xfrm>
+            <a:off x="4211960" y="1844824"/>
+            <a:ext cx="576064" cy="432048"/>
+          </a:xfrm>
+          <a:prstGeom prst="rect">
+            <a:avLst/>
+          </a:prstGeom>
+        </p:spPr>
+        <p:style>
+          <a:lnRef idx="2">
+            <a:schemeClr val="accent1">
+              <a:shade val="50000"/>
+            </a:schemeClr>
+          </a:lnRef>
+          <a:fillRef idx="1">
+            <a:schemeClr val="accent1"/>
+          </a:fillRef>
+          <a:effectRef idx="0">
+            <a:schemeClr val="accent1"/>
+          </a:effectRef>
+          <a:fontRef idx="minor">
+            <a:schemeClr val="lt1"/>
+          </a:fontRef>
+        </p:style>
+        <p:txBody>
+          <a:bodyPr rtlCol="0" anchor="ctr"/>
+          <a:lstStyle/>
+          <a:p>
+            <a:pPr algn="ctr"/>
+            <a:r>
+              <a:rPr lang="en-US" altLang="zh-CN" dirty="0" smtClean="0"/>
+              <a:t>7</a:t>
+            </a:r>
+            <a:endParaRPr lang="zh-CN" altLang="en-US" dirty="0"/>
+          </a:p>
+        </p:txBody>
+      </p:sp>
+      <p:sp>
+        <p:nvSpPr>
+          <p:cNvPr id="9" name="矩形 8"/>
+          <p:cNvSpPr/>
+          <p:nvPr/>
+        </p:nvSpPr>
+        <p:spPr>
+          <a:xfrm>
+            <a:off x="4788024" y="1844824"/>
+            <a:ext cx="576064" cy="432048"/>
+          </a:xfrm>
+          <a:prstGeom prst="rect">
+            <a:avLst/>
+          </a:prstGeom>
+        </p:spPr>
+        <p:style>
+          <a:lnRef idx="2">
+            <a:schemeClr val="accent1">
+              <a:shade val="50000"/>
+            </a:schemeClr>
+          </a:lnRef>
+          <a:fillRef idx="1">
+            <a:schemeClr val="accent1"/>
+          </a:fillRef>
+          <a:effectRef idx="0">
+            <a:schemeClr val="accent1"/>
+          </a:effectRef>
+          <a:fontRef idx="minor">
+            <a:schemeClr val="lt1"/>
+          </a:fontRef>
+        </p:style>
+        <p:txBody>
+          <a:bodyPr rtlCol="0" anchor="ctr"/>
+          <a:lstStyle/>
+          <a:p>
+            <a:pPr algn="ctr"/>
+            <a:r>
+              <a:rPr lang="en-US" altLang="zh-CN" dirty="0" smtClean="0"/>
+              <a:t>3</a:t>
+            </a:r>
+            <a:endParaRPr lang="zh-CN" altLang="en-US" dirty="0"/>
+          </a:p>
+        </p:txBody>
+      </p:sp>
+      <p:sp>
+        <p:nvSpPr>
+          <p:cNvPr id="10" name="矩形 9"/>
+          <p:cNvSpPr/>
+          <p:nvPr/>
+        </p:nvSpPr>
+        <p:spPr>
+          <a:xfrm>
+            <a:off x="5364088" y="1844824"/>
+            <a:ext cx="576064" cy="432048"/>
+          </a:xfrm>
+          <a:prstGeom prst="rect">
+            <a:avLst/>
+          </a:prstGeom>
+        </p:spPr>
+        <p:style>
+          <a:lnRef idx="2">
+            <a:schemeClr val="accent1">
+              <a:shade val="50000"/>
+            </a:schemeClr>
+          </a:lnRef>
+          <a:fillRef idx="1">
+            <a:schemeClr val="accent1"/>
+          </a:fillRef>
+          <a:effectRef idx="0">
+            <a:schemeClr val="accent1"/>
+          </a:effectRef>
+          <a:fontRef idx="minor">
+            <a:schemeClr val="lt1"/>
+          </a:fontRef>
+        </p:style>
+        <p:txBody>
+          <a:bodyPr rtlCol="0" anchor="ctr"/>
+          <a:lstStyle/>
+          <a:p>
+            <a:pPr algn="ctr"/>
+            <a:r>
+              <a:rPr lang="en-US" altLang="zh-CN" dirty="0" smtClean="0"/>
+              <a:t>9</a:t>
+            </a:r>
+            <a:endParaRPr lang="zh-CN" altLang="en-US" dirty="0"/>
+          </a:p>
+        </p:txBody>
+      </p:sp>
+      <p:sp>
+        <p:nvSpPr>
+          <p:cNvPr id="11" name="矩形 10"/>
+          <p:cNvSpPr/>
+          <p:nvPr/>
+        </p:nvSpPr>
+        <p:spPr>
+          <a:xfrm>
+            <a:off x="5940152" y="1844824"/>
+            <a:ext cx="576064" cy="432048"/>
+          </a:xfrm>
+          <a:prstGeom prst="rect">
+            <a:avLst/>
+          </a:prstGeom>
+        </p:spPr>
+        <p:style>
+          <a:lnRef idx="2">
+            <a:schemeClr val="accent1">
+              <a:shade val="50000"/>
+            </a:schemeClr>
+          </a:lnRef>
+          <a:fillRef idx="1">
+            <a:schemeClr val="accent1"/>
+          </a:fillRef>
+          <a:effectRef idx="0">
+            <a:schemeClr val="accent1"/>
+          </a:effectRef>
+          <a:fontRef idx="minor">
+            <a:schemeClr val="lt1"/>
+          </a:fontRef>
+        </p:style>
+        <p:txBody>
+          <a:bodyPr rtlCol="0" anchor="ctr"/>
+          <a:lstStyle/>
+          <a:p>
+            <a:pPr algn="ctr"/>
+            <a:r>
+              <a:rPr lang="en-US" altLang="zh-CN" dirty="0" smtClean="0"/>
+              <a:t>8</a:t>
+            </a:r>
+            <a:endParaRPr lang="zh-CN" altLang="en-US" dirty="0"/>
+          </a:p>
+        </p:txBody>
+      </p:sp>
+      <p:sp>
+        <p:nvSpPr>
+          <p:cNvPr id="13" name="矩形 12"/>
+          <p:cNvSpPr/>
+          <p:nvPr/>
+        </p:nvSpPr>
+        <p:spPr>
+          <a:xfrm>
+            <a:off x="3635896" y="332656"/>
+            <a:ext cx="1152128" cy="432048"/>
+          </a:xfrm>
+          <a:prstGeom prst="rect">
+            <a:avLst/>
+          </a:prstGeom>
+        </p:spPr>
+        <p:style>
+          <a:lnRef idx="2">
+            <a:schemeClr val="accent1">
+              <a:shade val="50000"/>
+            </a:schemeClr>
+          </a:lnRef>
+          <a:fillRef idx="1">
+            <a:schemeClr val="accent1"/>
+          </a:fillRef>
+          <a:effectRef idx="0">
+            <a:schemeClr val="accent1"/>
+          </a:effectRef>
+          <a:fontRef idx="minor">
+            <a:schemeClr val="lt1"/>
+          </a:fontRef>
+        </p:style>
+        <p:txBody>
+          <a:bodyPr rtlCol="0" anchor="ctr"/>
+          <a:lstStyle/>
+          <a:p>
+            <a:pPr algn="ctr"/>
+            <a:r>
+              <a:rPr lang="en-US" altLang="zh-CN" dirty="0" smtClean="0"/>
+              <a:t>k == 4</a:t>
+            </a:r>
+            <a:endParaRPr lang="zh-CN" altLang="en-US" dirty="0"/>
+          </a:p>
+        </p:txBody>
+      </p:sp>
+      <p:sp>
+        <p:nvSpPr>
+          <p:cNvPr id="22" name="圆角矩形 21"/>
+          <p:cNvSpPr/>
+          <p:nvPr/>
+        </p:nvSpPr>
+        <p:spPr>
+          <a:xfrm>
+            <a:off x="683568" y="1023222"/>
+            <a:ext cx="2088232" cy="504056"/>
+          </a:xfrm>
+          <a:prstGeom prst="roundRect">
+            <a:avLst/>
+          </a:prstGeom>
+        </p:spPr>
+        <p:style>
+          <a:lnRef idx="2">
+            <a:schemeClr val="accent1">
+              <a:shade val="50000"/>
+            </a:schemeClr>
+          </a:lnRef>
+          <a:fillRef idx="1">
+            <a:schemeClr val="accent1"/>
+          </a:fillRef>
+          <a:effectRef idx="0">
+            <a:schemeClr val="accent1"/>
+          </a:effectRef>
+          <a:fontRef idx="minor">
+            <a:schemeClr val="lt1"/>
+          </a:fontRef>
+        </p:style>
+        <p:txBody>
+          <a:bodyPr rtlCol="0" anchor="ctr"/>
+          <a:lstStyle/>
+          <a:p>
+            <a:pPr algn="ctr"/>
+            <a:r>
+              <a:rPr lang="en-US" altLang="zh-CN" dirty="0" smtClean="0"/>
+              <a:t>1B: O(N^2)</a:t>
+            </a:r>
+          </a:p>
+        </p:txBody>
+      </p:sp>
+      <p:sp>
+        <p:nvSpPr>
+          <p:cNvPr id="23" name="矩形 22"/>
+          <p:cNvSpPr/>
+          <p:nvPr/>
+        </p:nvSpPr>
+        <p:spPr>
+          <a:xfrm>
+            <a:off x="4211960" y="2852936"/>
+            <a:ext cx="576064" cy="432048"/>
+          </a:xfrm>
+          <a:prstGeom prst="rect">
+            <a:avLst/>
+          </a:prstGeom>
+        </p:spPr>
+        <p:style>
+          <a:lnRef idx="2">
+            <a:schemeClr val="accent1">
+              <a:shade val="50000"/>
+            </a:schemeClr>
+          </a:lnRef>
+          <a:fillRef idx="1">
+            <a:schemeClr val="accent1"/>
+          </a:fillRef>
+          <a:effectRef idx="0">
+            <a:schemeClr val="accent1"/>
+          </a:effectRef>
+          <a:fontRef idx="minor">
+            <a:schemeClr val="lt1"/>
+          </a:fontRef>
+        </p:style>
+        <p:txBody>
+          <a:bodyPr rtlCol="0" anchor="ctr"/>
+          <a:lstStyle/>
+          <a:p>
+            <a:pPr algn="ctr"/>
+            <a:r>
+              <a:rPr lang="en-US" altLang="zh-CN" dirty="0"/>
+              <a:t>4</a:t>
+            </a:r>
+            <a:endParaRPr lang="zh-CN" altLang="en-US" dirty="0"/>
+          </a:p>
+        </p:txBody>
+      </p:sp>
+      <p:sp>
+        <p:nvSpPr>
+          <p:cNvPr id="24" name="矩形 23"/>
+          <p:cNvSpPr/>
+          <p:nvPr/>
+        </p:nvSpPr>
+        <p:spPr>
+          <a:xfrm>
+            <a:off x="3635896" y="2852936"/>
+            <a:ext cx="576064" cy="432048"/>
+          </a:xfrm>
+          <a:prstGeom prst="rect">
+            <a:avLst/>
+          </a:prstGeom>
+        </p:spPr>
+        <p:style>
+          <a:lnRef idx="2">
+            <a:schemeClr val="accent1">
+              <a:shade val="50000"/>
+            </a:schemeClr>
+          </a:lnRef>
+          <a:fillRef idx="1">
+            <a:schemeClr val="accent1"/>
+          </a:fillRef>
+          <a:effectRef idx="0">
+            <a:schemeClr val="accent1"/>
+          </a:effectRef>
+          <a:fontRef idx="minor">
+            <a:schemeClr val="lt1"/>
+          </a:fontRef>
+        </p:style>
+        <p:txBody>
+          <a:bodyPr rtlCol="0" anchor="ctr"/>
+          <a:lstStyle/>
+          <a:p>
+            <a:pPr algn="ctr"/>
+            <a:r>
+              <a:rPr lang="en-US" altLang="zh-CN" dirty="0" smtClean="0"/>
+              <a:t>5</a:t>
+            </a:r>
+            <a:endParaRPr lang="zh-CN" altLang="en-US" dirty="0"/>
+          </a:p>
+        </p:txBody>
+      </p:sp>
+      <p:sp>
+        <p:nvSpPr>
+          <p:cNvPr id="25" name="矩形 24"/>
+          <p:cNvSpPr/>
+          <p:nvPr/>
+        </p:nvSpPr>
+        <p:spPr>
+          <a:xfrm>
+            <a:off x="3059832" y="2852936"/>
+            <a:ext cx="576064" cy="432048"/>
+          </a:xfrm>
+          <a:prstGeom prst="rect">
+            <a:avLst/>
+          </a:prstGeom>
+        </p:spPr>
+        <p:style>
+          <a:lnRef idx="2">
+            <a:schemeClr val="accent1">
+              <a:shade val="50000"/>
+            </a:schemeClr>
+          </a:lnRef>
+          <a:fillRef idx="1">
+            <a:schemeClr val="accent1"/>
+          </a:fillRef>
+          <a:effectRef idx="0">
+            <a:schemeClr val="accent1"/>
+          </a:effectRef>
+          <a:fontRef idx="minor">
+            <a:schemeClr val="lt1"/>
+          </a:fontRef>
+        </p:style>
+        <p:txBody>
+          <a:bodyPr rtlCol="0" anchor="ctr"/>
+          <a:lstStyle/>
+          <a:p>
+            <a:pPr algn="ctr"/>
+            <a:r>
+              <a:rPr lang="en-US" altLang="zh-CN" dirty="0"/>
+              <a:t>7</a:t>
+            </a:r>
+            <a:endParaRPr lang="zh-CN" altLang="en-US" dirty="0"/>
+          </a:p>
+        </p:txBody>
+      </p:sp>
+      <p:sp>
+        <p:nvSpPr>
+          <p:cNvPr id="26" name="矩形 25"/>
+          <p:cNvSpPr/>
+          <p:nvPr/>
+        </p:nvSpPr>
+        <p:spPr>
+          <a:xfrm>
+            <a:off x="2483768" y="2852936"/>
+            <a:ext cx="576064" cy="432048"/>
+          </a:xfrm>
+          <a:prstGeom prst="rect">
+            <a:avLst/>
+          </a:prstGeom>
+        </p:spPr>
+        <p:style>
+          <a:lnRef idx="2">
+            <a:schemeClr val="accent1">
+              <a:shade val="50000"/>
+            </a:schemeClr>
+          </a:lnRef>
+          <a:fillRef idx="1">
+            <a:schemeClr val="accent1"/>
+          </a:fillRef>
+          <a:effectRef idx="0">
+            <a:schemeClr val="accent1"/>
+          </a:effectRef>
+          <a:fontRef idx="minor">
+            <a:schemeClr val="lt1"/>
+          </a:fontRef>
+        </p:style>
+        <p:txBody>
+          <a:bodyPr rtlCol="0" anchor="ctr"/>
+          <a:lstStyle/>
+          <a:p>
+            <a:pPr algn="ctr"/>
+            <a:r>
+              <a:rPr lang="en-US" altLang="zh-CN" dirty="0" smtClean="0"/>
+              <a:t>10</a:t>
+            </a:r>
+            <a:endParaRPr lang="zh-CN" altLang="en-US" dirty="0"/>
+          </a:p>
+        </p:txBody>
+      </p:sp>
+      <p:sp>
+        <p:nvSpPr>
+          <p:cNvPr id="12" name="下箭头 11"/>
+          <p:cNvSpPr/>
+          <p:nvPr/>
+        </p:nvSpPr>
+        <p:spPr>
+          <a:xfrm>
+            <a:off x="4499992" y="3356992"/>
+            <a:ext cx="288032" cy="360040"/>
+          </a:xfrm>
+          <a:prstGeom prst="downArrow">
+            <a:avLst/>
+          </a:prstGeom>
+        </p:spPr>
+        <p:style>
+          <a:lnRef idx="2">
+            <a:schemeClr val="accent1">
+              <a:shade val="50000"/>
+            </a:schemeClr>
+          </a:lnRef>
+          <a:fillRef idx="1">
+            <a:schemeClr val="accent1"/>
+          </a:fillRef>
+          <a:effectRef idx="0">
+            <a:schemeClr val="accent1"/>
+          </a:effectRef>
+          <a:fontRef idx="minor">
+            <a:schemeClr val="lt1"/>
+          </a:fontRef>
+        </p:style>
+        <p:txBody>
+          <a:bodyPr rtlCol="0" anchor="ctr"/>
+          <a:lstStyle/>
+          <a:p>
+            <a:pPr algn="ctr"/>
+            <a:endParaRPr lang="zh-CN" altLang="en-US"/>
+          </a:p>
+        </p:txBody>
+      </p:sp>
+      <p:sp>
+        <p:nvSpPr>
+          <p:cNvPr id="40" name="圆角矩形 39"/>
+          <p:cNvSpPr/>
+          <p:nvPr/>
+        </p:nvSpPr>
+        <p:spPr>
+          <a:xfrm>
+            <a:off x="395536" y="2384884"/>
+            <a:ext cx="1728192" cy="360040"/>
+          </a:xfrm>
+          <a:prstGeom prst="roundRect">
+            <a:avLst/>
+          </a:prstGeom>
+        </p:spPr>
+        <p:style>
+          <a:lnRef idx="2">
+            <a:schemeClr val="accent1">
+              <a:shade val="50000"/>
+            </a:schemeClr>
+          </a:lnRef>
+          <a:fillRef idx="1">
+            <a:schemeClr val="accent1"/>
+          </a:fillRef>
+          <a:effectRef idx="0">
+            <a:schemeClr val="accent1"/>
+          </a:effectRef>
+          <a:fontRef idx="minor">
+            <a:schemeClr val="lt1"/>
+          </a:fontRef>
+        </p:style>
+        <p:txBody>
+          <a:bodyPr rtlCol="0" anchor="ctr"/>
+          <a:lstStyle/>
+          <a:p>
+            <a:pPr algn="ctr"/>
+            <a:r>
+              <a:rPr lang="en-US" altLang="zh-CN" dirty="0" smtClean="0"/>
+              <a:t>sort k elements</a:t>
+            </a:r>
+            <a:endParaRPr lang="zh-CN" altLang="en-US" dirty="0"/>
+          </a:p>
+        </p:txBody>
+      </p:sp>
+      <p:sp>
+        <p:nvSpPr>
+          <p:cNvPr id="41" name="圆角矩形 40"/>
+          <p:cNvSpPr/>
+          <p:nvPr/>
+        </p:nvSpPr>
+        <p:spPr>
+          <a:xfrm>
+            <a:off x="6012160" y="4088498"/>
+            <a:ext cx="1728192" cy="1140702"/>
+          </a:xfrm>
+          <a:prstGeom prst="roundRect">
+            <a:avLst/>
+          </a:prstGeom>
+        </p:spPr>
+        <p:style>
+          <a:lnRef idx="2">
+            <a:schemeClr val="accent1">
+              <a:shade val="50000"/>
+            </a:schemeClr>
+          </a:lnRef>
+          <a:fillRef idx="1">
+            <a:schemeClr val="accent1"/>
+          </a:fillRef>
+          <a:effectRef idx="0">
+            <a:schemeClr val="accent1"/>
+          </a:effectRef>
+          <a:fontRef idx="minor">
+            <a:schemeClr val="lt1"/>
+          </a:fontRef>
+        </p:style>
+        <p:txBody>
+          <a:bodyPr rtlCol="0" anchor="ctr"/>
+          <a:lstStyle/>
+          <a:p>
+            <a:pPr algn="ctr"/>
+            <a:r>
+              <a:rPr lang="en-US" altLang="zh-CN" dirty="0" smtClean="0"/>
+              <a:t>compare rest of elements</a:t>
+            </a:r>
+          </a:p>
+          <a:p>
+            <a:pPr algn="ctr"/>
+            <a:r>
+              <a:rPr lang="en-US" altLang="zh-CN" dirty="0" smtClean="0"/>
+              <a:t>&amp;</a:t>
+            </a:r>
+          </a:p>
+          <a:p>
+            <a:pPr algn="ctr"/>
+            <a:r>
+              <a:rPr lang="en-US" altLang="zh-CN" dirty="0" smtClean="0"/>
+              <a:t>sort or move</a:t>
+            </a:r>
+            <a:endParaRPr lang="zh-CN" altLang="en-US" dirty="0"/>
+          </a:p>
+        </p:txBody>
+      </p:sp>
+      <p:cxnSp>
+        <p:nvCxnSpPr>
+          <p:cNvPr id="43" name="直接箭头连接符 42"/>
+          <p:cNvCxnSpPr>
+            <a:stCxn id="9" idx="2"/>
+            <a:endCxn id="23" idx="0"/>
+          </p:cNvCxnSpPr>
+          <p:nvPr/>
+        </p:nvCxnSpPr>
+        <p:spPr>
+          <a:xfrm flipH="1">
+            <a:off x="4499992" y="2276872"/>
+            <a:ext cx="576064" cy="576064"/>
+          </a:xfrm>
+          <a:prstGeom prst="straightConnector1">
+            <a:avLst/>
+          </a:prstGeom>
+          <a:ln>
+            <a:tailEnd type="arrow"/>
+          </a:ln>
+        </p:spPr>
+        <p:style>
+          <a:lnRef idx="1">
+            <a:schemeClr val="accent1"/>
+          </a:lnRef>
+          <a:fillRef idx="0">
+            <a:schemeClr val="accent1"/>
+          </a:fillRef>
+          <a:effectRef idx="0">
+            <a:schemeClr val="accent1"/>
+          </a:effectRef>
+          <a:fontRef idx="minor">
+            <a:schemeClr val="tx1"/>
+          </a:fontRef>
+        </p:style>
+      </p:cxnSp>
+      <p:cxnSp>
+        <p:nvCxnSpPr>
+          <p:cNvPr id="45" name="曲线连接符 44"/>
+          <p:cNvCxnSpPr>
+            <a:stCxn id="10" idx="2"/>
+            <a:endCxn id="46" idx="3"/>
+          </p:cNvCxnSpPr>
+          <p:nvPr/>
+        </p:nvCxnSpPr>
+        <p:spPr>
+          <a:xfrm rot="5400000">
+            <a:off x="4355976" y="2708920"/>
+            <a:ext cx="1728192" cy="864096"/>
+          </a:xfrm>
+          <a:prstGeom prst="curvedConnector2">
+            <a:avLst/>
+          </a:prstGeom>
+          <a:ln>
+            <a:tailEnd type="arrow"/>
+          </a:ln>
+        </p:spPr>
+        <p:style>
+          <a:lnRef idx="1">
+            <a:schemeClr val="accent1"/>
+          </a:lnRef>
+          <a:fillRef idx="0">
+            <a:schemeClr val="accent1"/>
+          </a:fillRef>
+          <a:effectRef idx="0">
+            <a:schemeClr val="accent1"/>
+          </a:effectRef>
+          <a:fontRef idx="minor">
+            <a:schemeClr val="tx1"/>
+          </a:fontRef>
+        </p:style>
+      </p:cxnSp>
+      <p:sp>
+        <p:nvSpPr>
+          <p:cNvPr id="46" name="矩形 45"/>
+          <p:cNvSpPr/>
+          <p:nvPr/>
+        </p:nvSpPr>
+        <p:spPr>
+          <a:xfrm>
+            <a:off x="4211960" y="3789040"/>
+            <a:ext cx="576064" cy="432048"/>
+          </a:xfrm>
+          <a:prstGeom prst="rect">
+            <a:avLst/>
+          </a:prstGeom>
+        </p:spPr>
+        <p:style>
+          <a:lnRef idx="2">
+            <a:schemeClr val="accent1">
+              <a:shade val="50000"/>
+            </a:schemeClr>
+          </a:lnRef>
+          <a:fillRef idx="1">
+            <a:schemeClr val="accent1"/>
+          </a:fillRef>
+          <a:effectRef idx="0">
+            <a:schemeClr val="accent1"/>
+          </a:effectRef>
+          <a:fontRef idx="minor">
+            <a:schemeClr val="lt1"/>
+          </a:fontRef>
+        </p:style>
+        <p:txBody>
+          <a:bodyPr rtlCol="0" anchor="ctr"/>
+          <a:lstStyle/>
+          <a:p>
+            <a:pPr algn="ctr"/>
+            <a:r>
+              <a:rPr lang="en-US" altLang="zh-CN" dirty="0" smtClean="0"/>
+              <a:t>5</a:t>
+            </a:r>
+            <a:endParaRPr lang="zh-CN" altLang="en-US" dirty="0"/>
+          </a:p>
+        </p:txBody>
+      </p:sp>
+      <p:sp>
+        <p:nvSpPr>
+          <p:cNvPr id="47" name="矩形 46"/>
+          <p:cNvSpPr/>
+          <p:nvPr/>
+        </p:nvSpPr>
+        <p:spPr>
+          <a:xfrm>
+            <a:off x="3635896" y="3789040"/>
+            <a:ext cx="576064" cy="432048"/>
+          </a:xfrm>
+          <a:prstGeom prst="rect">
+            <a:avLst/>
+          </a:prstGeom>
+        </p:spPr>
+        <p:style>
+          <a:lnRef idx="2">
+            <a:schemeClr val="accent1">
+              <a:shade val="50000"/>
+            </a:schemeClr>
+          </a:lnRef>
+          <a:fillRef idx="1">
+            <a:schemeClr val="accent1"/>
+          </a:fillRef>
+          <a:effectRef idx="0">
+            <a:schemeClr val="accent1"/>
+          </a:effectRef>
+          <a:fontRef idx="minor">
+            <a:schemeClr val="lt1"/>
+          </a:fontRef>
+        </p:style>
+        <p:txBody>
+          <a:bodyPr rtlCol="0" anchor="ctr"/>
+          <a:lstStyle/>
+          <a:p>
+            <a:pPr algn="ctr"/>
+            <a:r>
+              <a:rPr lang="en-US" altLang="zh-CN" dirty="0" smtClean="0"/>
+              <a:t>7</a:t>
+            </a:r>
+            <a:endParaRPr lang="zh-CN" altLang="en-US" dirty="0"/>
+          </a:p>
+        </p:txBody>
+      </p:sp>
+      <p:sp>
+        <p:nvSpPr>
+          <p:cNvPr id="48" name="矩形 47"/>
+          <p:cNvSpPr/>
+          <p:nvPr/>
+        </p:nvSpPr>
+        <p:spPr>
+          <a:xfrm>
+            <a:off x="3059832" y="3789040"/>
+            <a:ext cx="576064" cy="432048"/>
+          </a:xfrm>
+          <a:prstGeom prst="rect">
+            <a:avLst/>
+          </a:prstGeom>
+          <a:solidFill>
+            <a:schemeClr val="accent6"/>
+          </a:solidFill>
+        </p:spPr>
+        <p:style>
+          <a:lnRef idx="2">
+            <a:schemeClr val="accent1">
+              <a:shade val="50000"/>
+            </a:schemeClr>
+          </a:lnRef>
+          <a:fillRef idx="1">
+            <a:schemeClr val="accent1"/>
+          </a:fillRef>
+          <a:effectRef idx="0">
+            <a:schemeClr val="accent1"/>
+          </a:effectRef>
+          <a:fontRef idx="minor">
+            <a:schemeClr val="lt1"/>
+          </a:fontRef>
+        </p:style>
+        <p:txBody>
+          <a:bodyPr rtlCol="0" anchor="ctr"/>
+          <a:lstStyle/>
+          <a:p>
+            <a:pPr algn="ctr"/>
+            <a:r>
+              <a:rPr lang="en-US" altLang="zh-CN" dirty="0" smtClean="0"/>
+              <a:t>9</a:t>
+            </a:r>
+            <a:endParaRPr lang="zh-CN" altLang="en-US" dirty="0"/>
+          </a:p>
+        </p:txBody>
+      </p:sp>
+      <p:sp>
+        <p:nvSpPr>
+          <p:cNvPr id="49" name="矩形 48"/>
+          <p:cNvSpPr/>
+          <p:nvPr/>
+        </p:nvSpPr>
+        <p:spPr>
+          <a:xfrm>
+            <a:off x="2483768" y="3789040"/>
+            <a:ext cx="576064" cy="432048"/>
+          </a:xfrm>
+          <a:prstGeom prst="rect">
+            <a:avLst/>
+          </a:prstGeom>
+        </p:spPr>
+        <p:style>
+          <a:lnRef idx="2">
+            <a:schemeClr val="accent1">
+              <a:shade val="50000"/>
+            </a:schemeClr>
+          </a:lnRef>
+          <a:fillRef idx="1">
+            <a:schemeClr val="accent1"/>
+          </a:fillRef>
+          <a:effectRef idx="0">
+            <a:schemeClr val="accent1"/>
+          </a:effectRef>
+          <a:fontRef idx="minor">
+            <a:schemeClr val="lt1"/>
+          </a:fontRef>
+        </p:style>
+        <p:txBody>
+          <a:bodyPr rtlCol="0" anchor="ctr"/>
+          <a:lstStyle/>
+          <a:p>
+            <a:pPr algn="ctr"/>
+            <a:r>
+              <a:rPr lang="en-US" altLang="zh-CN" dirty="0" smtClean="0"/>
+              <a:t>10</a:t>
+            </a:r>
+            <a:endParaRPr lang="zh-CN" altLang="en-US" dirty="0"/>
+          </a:p>
+        </p:txBody>
+      </p:sp>
+      <p:sp>
+        <p:nvSpPr>
+          <p:cNvPr id="50" name="矩形 49"/>
+          <p:cNvSpPr/>
+          <p:nvPr/>
+        </p:nvSpPr>
+        <p:spPr>
+          <a:xfrm>
+            <a:off x="4211960" y="4725144"/>
+            <a:ext cx="576064" cy="432048"/>
+          </a:xfrm>
+          <a:prstGeom prst="rect">
+            <a:avLst/>
+          </a:prstGeom>
+        </p:spPr>
+        <p:style>
+          <a:lnRef idx="2">
+            <a:schemeClr val="accent1">
+              <a:shade val="50000"/>
+            </a:schemeClr>
+          </a:lnRef>
+          <a:fillRef idx="1">
+            <a:schemeClr val="accent1"/>
+          </a:fillRef>
+          <a:effectRef idx="0">
+            <a:schemeClr val="accent1"/>
+          </a:effectRef>
+          <a:fontRef idx="minor">
+            <a:schemeClr val="lt1"/>
+          </a:fontRef>
+        </p:style>
+        <p:txBody>
+          <a:bodyPr rtlCol="0" anchor="ctr"/>
+          <a:lstStyle/>
+          <a:p>
+            <a:pPr algn="ctr"/>
+            <a:r>
+              <a:rPr lang="en-US" altLang="zh-CN" dirty="0" smtClean="0"/>
+              <a:t>7</a:t>
+            </a:r>
+            <a:endParaRPr lang="zh-CN" altLang="en-US" dirty="0"/>
+          </a:p>
+        </p:txBody>
+      </p:sp>
+      <p:sp>
+        <p:nvSpPr>
+          <p:cNvPr id="51" name="矩形 50"/>
+          <p:cNvSpPr/>
+          <p:nvPr/>
+        </p:nvSpPr>
+        <p:spPr>
+          <a:xfrm>
+            <a:off x="3635896" y="4725144"/>
+            <a:ext cx="576064" cy="432048"/>
+          </a:xfrm>
+          <a:prstGeom prst="rect">
+            <a:avLst/>
+          </a:prstGeom>
+          <a:solidFill>
+            <a:schemeClr val="accent6"/>
+          </a:solidFill>
+        </p:spPr>
+        <p:style>
+          <a:lnRef idx="2">
+            <a:schemeClr val="accent1">
+              <a:shade val="50000"/>
+            </a:schemeClr>
+          </a:lnRef>
+          <a:fillRef idx="1">
+            <a:schemeClr val="accent1"/>
+          </a:fillRef>
+          <a:effectRef idx="0">
+            <a:schemeClr val="accent1"/>
+          </a:effectRef>
+          <a:fontRef idx="minor">
+            <a:schemeClr val="lt1"/>
+          </a:fontRef>
+        </p:style>
+        <p:txBody>
+          <a:bodyPr rtlCol="0" anchor="ctr"/>
+          <a:lstStyle/>
+          <a:p>
+            <a:pPr algn="ctr"/>
+            <a:r>
+              <a:rPr lang="en-US" altLang="zh-CN" dirty="0" smtClean="0"/>
+              <a:t>8</a:t>
+            </a:r>
+            <a:endParaRPr lang="zh-CN" altLang="en-US" dirty="0"/>
+          </a:p>
+        </p:txBody>
+      </p:sp>
+      <p:sp>
+        <p:nvSpPr>
+          <p:cNvPr id="52" name="矩形 51"/>
+          <p:cNvSpPr/>
+          <p:nvPr/>
+        </p:nvSpPr>
+        <p:spPr>
+          <a:xfrm>
+            <a:off x="3059832" y="4725144"/>
+            <a:ext cx="576064" cy="432048"/>
+          </a:xfrm>
+          <a:prstGeom prst="rect">
+            <a:avLst/>
+          </a:prstGeom>
+          <a:solidFill>
+            <a:schemeClr val="accent1"/>
+          </a:solidFill>
+        </p:spPr>
+        <p:style>
+          <a:lnRef idx="2">
+            <a:schemeClr val="accent1">
+              <a:shade val="50000"/>
+            </a:schemeClr>
+          </a:lnRef>
+          <a:fillRef idx="1">
+            <a:schemeClr val="accent1"/>
+          </a:fillRef>
+          <a:effectRef idx="0">
+            <a:schemeClr val="accent1"/>
+          </a:effectRef>
+          <a:fontRef idx="minor">
+            <a:schemeClr val="lt1"/>
+          </a:fontRef>
+        </p:style>
+        <p:txBody>
+          <a:bodyPr rtlCol="0" anchor="ctr"/>
+          <a:lstStyle/>
+          <a:p>
+            <a:pPr algn="ctr"/>
+            <a:r>
+              <a:rPr lang="en-US" altLang="zh-CN" dirty="0" smtClean="0"/>
+              <a:t>9</a:t>
+            </a:r>
+            <a:endParaRPr lang="zh-CN" altLang="en-US" dirty="0"/>
+          </a:p>
+        </p:txBody>
+      </p:sp>
+      <p:sp>
+        <p:nvSpPr>
+          <p:cNvPr id="53" name="矩形 52"/>
+          <p:cNvSpPr/>
+          <p:nvPr/>
+        </p:nvSpPr>
+        <p:spPr>
+          <a:xfrm>
+            <a:off x="2483768" y="4725144"/>
+            <a:ext cx="576064" cy="432048"/>
+          </a:xfrm>
+          <a:prstGeom prst="rect">
+            <a:avLst/>
+          </a:prstGeom>
+        </p:spPr>
+        <p:style>
+          <a:lnRef idx="2">
+            <a:schemeClr val="accent1">
+              <a:shade val="50000"/>
+            </a:schemeClr>
+          </a:lnRef>
+          <a:fillRef idx="1">
+            <a:schemeClr val="accent1"/>
+          </a:fillRef>
+          <a:effectRef idx="0">
+            <a:schemeClr val="accent1"/>
+          </a:effectRef>
+          <a:fontRef idx="minor">
+            <a:schemeClr val="lt1"/>
+          </a:fontRef>
+        </p:style>
+        <p:txBody>
+          <a:bodyPr rtlCol="0" anchor="ctr"/>
+          <a:lstStyle/>
+          <a:p>
+            <a:pPr algn="ctr"/>
+            <a:r>
+              <a:rPr lang="en-US" altLang="zh-CN" dirty="0" smtClean="0"/>
+              <a:t>10</a:t>
+            </a:r>
+            <a:endParaRPr lang="zh-CN" altLang="en-US" dirty="0"/>
+          </a:p>
+        </p:txBody>
+      </p:sp>
+      <p:sp>
+        <p:nvSpPr>
+          <p:cNvPr id="54" name="下箭头 53"/>
+          <p:cNvSpPr/>
+          <p:nvPr/>
+        </p:nvSpPr>
+        <p:spPr>
+          <a:xfrm>
+            <a:off x="4499992" y="4293096"/>
+            <a:ext cx="288032" cy="360040"/>
+          </a:xfrm>
+          <a:prstGeom prst="downArrow">
+            <a:avLst/>
+          </a:prstGeom>
+        </p:spPr>
+        <p:style>
+          <a:lnRef idx="2">
+            <a:schemeClr val="accent1">
+              <a:shade val="50000"/>
+            </a:schemeClr>
+          </a:lnRef>
+          <a:fillRef idx="1">
+            <a:schemeClr val="accent1"/>
+          </a:fillRef>
+          <a:effectRef idx="0">
+            <a:schemeClr val="accent1"/>
+          </a:effectRef>
+          <a:fontRef idx="minor">
+            <a:schemeClr val="lt1"/>
+          </a:fontRef>
+        </p:style>
+        <p:txBody>
+          <a:bodyPr rtlCol="0" anchor="ctr"/>
+          <a:lstStyle/>
+          <a:p>
+            <a:pPr algn="ctr"/>
+            <a:endParaRPr lang="zh-CN" altLang="en-US"/>
+          </a:p>
+        </p:txBody>
+      </p:sp>
+      <p:cxnSp>
+        <p:nvCxnSpPr>
+          <p:cNvPr id="57" name="曲线连接符 56"/>
+          <p:cNvCxnSpPr>
+            <a:stCxn id="11" idx="2"/>
+            <a:endCxn id="50" idx="3"/>
+          </p:cNvCxnSpPr>
+          <p:nvPr/>
+        </p:nvCxnSpPr>
+        <p:spPr>
+          <a:xfrm rot="5400000">
+            <a:off x="4175956" y="2888940"/>
+            <a:ext cx="2664296" cy="1440160"/>
+          </a:xfrm>
+          <a:prstGeom prst="curvedConnector2">
+            <a:avLst/>
+          </a:prstGeom>
+          <a:ln>
+            <a:tailEnd type="arrow"/>
+          </a:ln>
+        </p:spPr>
+        <p:style>
+          <a:lnRef idx="1">
+            <a:schemeClr val="accent1"/>
+          </a:lnRef>
+          <a:fillRef idx="0">
+            <a:schemeClr val="accent1"/>
+          </a:fillRef>
+          <a:effectRef idx="0">
+            <a:schemeClr val="accent1"/>
+          </a:effectRef>
+          <a:fontRef idx="minor">
+            <a:schemeClr val="tx1"/>
+          </a:fontRef>
+        </p:style>
+      </p:cxnSp>
+      <p:sp>
+        <p:nvSpPr>
+          <p:cNvPr id="58" name="矩形 57"/>
+          <p:cNvSpPr/>
+          <p:nvPr/>
+        </p:nvSpPr>
+        <p:spPr>
+          <a:xfrm>
+            <a:off x="4211960" y="5733256"/>
+            <a:ext cx="576064" cy="432048"/>
+          </a:xfrm>
+          <a:prstGeom prst="rect">
+            <a:avLst/>
+          </a:prstGeom>
+          <a:solidFill>
+            <a:srgbClr val="00B050"/>
+          </a:solidFill>
+        </p:spPr>
+        <p:style>
+          <a:lnRef idx="2">
+            <a:schemeClr val="accent1">
+              <a:shade val="50000"/>
+            </a:schemeClr>
+          </a:lnRef>
+          <a:fillRef idx="1">
+            <a:schemeClr val="accent1"/>
+          </a:fillRef>
+          <a:effectRef idx="0">
+            <a:schemeClr val="accent1"/>
+          </a:effectRef>
+          <a:fontRef idx="minor">
+            <a:schemeClr val="lt1"/>
+          </a:fontRef>
+        </p:style>
+        <p:txBody>
+          <a:bodyPr rtlCol="0" anchor="ctr"/>
+          <a:lstStyle/>
+          <a:p>
+            <a:pPr algn="ctr"/>
+            <a:r>
+              <a:rPr lang="en-US" altLang="zh-CN" dirty="0" smtClean="0"/>
+              <a:t>7</a:t>
+            </a:r>
+            <a:endParaRPr lang="zh-CN" altLang="en-US" dirty="0"/>
+          </a:p>
+        </p:txBody>
+      </p:sp>
+      <p:sp>
+        <p:nvSpPr>
+          <p:cNvPr id="59" name="矩形 58"/>
+          <p:cNvSpPr/>
+          <p:nvPr/>
+        </p:nvSpPr>
+        <p:spPr>
+          <a:xfrm>
+            <a:off x="3635896" y="5733256"/>
+            <a:ext cx="576064" cy="432048"/>
+          </a:xfrm>
+          <a:prstGeom prst="rect">
+            <a:avLst/>
+          </a:prstGeom>
+          <a:solidFill>
+            <a:schemeClr val="accent1"/>
+          </a:solidFill>
+        </p:spPr>
+        <p:style>
+          <a:lnRef idx="2">
+            <a:schemeClr val="accent1">
+              <a:shade val="50000"/>
+            </a:schemeClr>
+          </a:lnRef>
+          <a:fillRef idx="1">
+            <a:schemeClr val="accent1"/>
+          </a:fillRef>
+          <a:effectRef idx="0">
+            <a:schemeClr val="accent1"/>
+          </a:effectRef>
+          <a:fontRef idx="minor">
+            <a:schemeClr val="lt1"/>
+          </a:fontRef>
+        </p:style>
+        <p:txBody>
+          <a:bodyPr rtlCol="0" anchor="ctr"/>
+          <a:lstStyle/>
+          <a:p>
+            <a:pPr algn="ctr"/>
+            <a:r>
+              <a:rPr lang="en-US" altLang="zh-CN" dirty="0" smtClean="0"/>
+              <a:t>8</a:t>
+            </a:r>
+            <a:endParaRPr lang="zh-CN" altLang="en-US" dirty="0"/>
+          </a:p>
+        </p:txBody>
+      </p:sp>
+      <p:sp>
+        <p:nvSpPr>
+          <p:cNvPr id="60" name="矩形 59"/>
+          <p:cNvSpPr/>
+          <p:nvPr/>
+        </p:nvSpPr>
+        <p:spPr>
+          <a:xfrm>
+            <a:off x="3059832" y="5733256"/>
+            <a:ext cx="576064" cy="432048"/>
+          </a:xfrm>
+          <a:prstGeom prst="rect">
+            <a:avLst/>
+          </a:prstGeom>
+          <a:solidFill>
+            <a:schemeClr val="accent1"/>
+          </a:solidFill>
+        </p:spPr>
+        <p:style>
+          <a:lnRef idx="2">
+            <a:schemeClr val="accent1">
+              <a:shade val="50000"/>
+            </a:schemeClr>
+          </a:lnRef>
+          <a:fillRef idx="1">
+            <a:schemeClr val="accent1"/>
+          </a:fillRef>
+          <a:effectRef idx="0">
+            <a:schemeClr val="accent1"/>
+          </a:effectRef>
+          <a:fontRef idx="minor">
+            <a:schemeClr val="lt1"/>
+          </a:fontRef>
+        </p:style>
+        <p:txBody>
+          <a:bodyPr rtlCol="0" anchor="ctr"/>
+          <a:lstStyle/>
+          <a:p>
+            <a:pPr algn="ctr"/>
+            <a:r>
+              <a:rPr lang="en-US" altLang="zh-CN" dirty="0" smtClean="0"/>
+              <a:t>9</a:t>
+            </a:r>
+            <a:endParaRPr lang="zh-CN" altLang="en-US" dirty="0"/>
+          </a:p>
+        </p:txBody>
+      </p:sp>
+      <p:sp>
+        <p:nvSpPr>
+          <p:cNvPr id="61" name="矩形 60"/>
+          <p:cNvSpPr/>
+          <p:nvPr/>
+        </p:nvSpPr>
+        <p:spPr>
+          <a:xfrm>
+            <a:off x="2483768" y="5733256"/>
+            <a:ext cx="576064" cy="432048"/>
+          </a:xfrm>
+          <a:prstGeom prst="rect">
+            <a:avLst/>
+          </a:prstGeom>
+        </p:spPr>
+        <p:style>
+          <a:lnRef idx="2">
+            <a:schemeClr val="accent1">
+              <a:shade val="50000"/>
+            </a:schemeClr>
+          </a:lnRef>
+          <a:fillRef idx="1">
+            <a:schemeClr val="accent1"/>
+          </a:fillRef>
+          <a:effectRef idx="0">
+            <a:schemeClr val="accent1"/>
+          </a:effectRef>
+          <a:fontRef idx="minor">
+            <a:schemeClr val="lt1"/>
+          </a:fontRef>
+        </p:style>
+        <p:txBody>
+          <a:bodyPr rtlCol="0" anchor="ctr"/>
+          <a:lstStyle/>
+          <a:p>
+            <a:pPr algn="ctr"/>
+            <a:r>
+              <a:rPr lang="en-US" altLang="zh-CN" dirty="0" smtClean="0"/>
+              <a:t>10</a:t>
+            </a:r>
+            <a:endParaRPr lang="zh-CN" altLang="en-US" dirty="0"/>
+          </a:p>
+        </p:txBody>
+      </p:sp>
+      <p:sp>
+        <p:nvSpPr>
+          <p:cNvPr id="62" name="下箭头 61"/>
+          <p:cNvSpPr/>
+          <p:nvPr/>
+        </p:nvSpPr>
+        <p:spPr>
+          <a:xfrm>
+            <a:off x="4499992" y="5301208"/>
+            <a:ext cx="288032" cy="360040"/>
+          </a:xfrm>
+          <a:prstGeom prst="downArrow">
+            <a:avLst/>
+          </a:prstGeom>
+        </p:spPr>
+        <p:style>
+          <a:lnRef idx="2">
+            <a:schemeClr val="accent1">
+              <a:shade val="50000"/>
+            </a:schemeClr>
+          </a:lnRef>
+          <a:fillRef idx="1">
+            <a:schemeClr val="accent1"/>
+          </a:fillRef>
+          <a:effectRef idx="0">
+            <a:schemeClr val="accent1"/>
+          </a:effectRef>
+          <a:fontRef idx="minor">
+            <a:schemeClr val="lt1"/>
+          </a:fontRef>
+        </p:style>
+        <p:txBody>
+          <a:bodyPr rtlCol="0" anchor="ctr"/>
+          <a:lstStyle/>
+          <a:p>
+            <a:pPr algn="ctr"/>
+            <a:endParaRPr lang="zh-CN" altLang="en-US"/>
+          </a:p>
+        </p:txBody>
+      </p:sp>
     </p:spTree>
     <p:extLst>
       <p:ext uri="{BB962C8B-B14F-4D97-AF65-F5344CB8AC3E}">
-        <p14:creationId xmlns:p14="http://schemas.microsoft.com/office/powerpoint/2010/main" val="2301525059"/>
+        <p14:creationId xmlns:p14="http://schemas.microsoft.com/office/powerpoint/2010/main" val="748510871"/>
       </p:ext>
     </p:extLst>
   </p:cSld>
@@ -37087,10 +39420,653 @@
           <a:chExt cx="0" cy="0"/>
         </a:xfrm>
       </p:grpSpPr>
+      <p:sp>
+        <p:nvSpPr>
+          <p:cNvPr id="2" name="圆角矩形 1"/>
+          <p:cNvSpPr/>
+          <p:nvPr/>
+        </p:nvSpPr>
+        <p:spPr>
+          <a:xfrm>
+            <a:off x="251520" y="260648"/>
+            <a:ext cx="2736304" cy="504056"/>
+          </a:xfrm>
+          <a:prstGeom prst="roundRect">
+            <a:avLst/>
+          </a:prstGeom>
+        </p:spPr>
+        <p:style>
+          <a:lnRef idx="2">
+            <a:schemeClr val="accent1">
+              <a:shade val="50000"/>
+            </a:schemeClr>
+          </a:lnRef>
+          <a:fillRef idx="1">
+            <a:schemeClr val="accent1"/>
+          </a:fillRef>
+          <a:effectRef idx="0">
+            <a:schemeClr val="accent1"/>
+          </a:effectRef>
+          <a:fontRef idx="minor">
+            <a:schemeClr val="lt1"/>
+          </a:fontRef>
+        </p:style>
+        <p:txBody>
+          <a:bodyPr rtlCol="0" anchor="ctr"/>
+          <a:lstStyle/>
+          <a:p>
+            <a:pPr algn="ctr"/>
+            <a:r>
+              <a:rPr lang="zh-CN" altLang="en-US" dirty="0" smtClean="0"/>
+              <a:t>寻找第 </a:t>
+            </a:r>
+            <a:r>
+              <a:rPr lang="en-US" altLang="zh-CN" dirty="0" smtClean="0"/>
+              <a:t>k </a:t>
+            </a:r>
+            <a:r>
+              <a:rPr lang="zh-CN" altLang="en-US" dirty="0" smtClean="0"/>
+              <a:t>个最</a:t>
+            </a:r>
+            <a:r>
+              <a:rPr lang="zh-CN" altLang="en-US" dirty="0" smtClean="0">
+                <a:solidFill>
+                  <a:schemeClr val="accent6"/>
+                </a:solidFill>
+              </a:rPr>
+              <a:t>小</a:t>
+            </a:r>
+            <a:r>
+              <a:rPr lang="zh-CN" altLang="en-US" dirty="0" smtClean="0"/>
+              <a:t>值</a:t>
+            </a:r>
+            <a:endParaRPr lang="zh-CN" altLang="en-US" dirty="0"/>
+          </a:p>
+        </p:txBody>
+      </p:sp>
+      <p:sp>
+        <p:nvSpPr>
+          <p:cNvPr id="3" name="矩形 2"/>
+          <p:cNvSpPr/>
+          <p:nvPr/>
+        </p:nvSpPr>
+        <p:spPr>
+          <a:xfrm>
+            <a:off x="2483768" y="2492896"/>
+            <a:ext cx="576064" cy="432048"/>
+          </a:xfrm>
+          <a:prstGeom prst="rect">
+            <a:avLst/>
+          </a:prstGeom>
+        </p:spPr>
+        <p:style>
+          <a:lnRef idx="2">
+            <a:schemeClr val="accent1">
+              <a:shade val="50000"/>
+            </a:schemeClr>
+          </a:lnRef>
+          <a:fillRef idx="1">
+            <a:schemeClr val="accent1"/>
+          </a:fillRef>
+          <a:effectRef idx="0">
+            <a:schemeClr val="accent1"/>
+          </a:effectRef>
+          <a:fontRef idx="minor">
+            <a:schemeClr val="lt1"/>
+          </a:fontRef>
+        </p:style>
+        <p:txBody>
+          <a:bodyPr rtlCol="0" anchor="ctr"/>
+          <a:lstStyle/>
+          <a:p>
+            <a:pPr algn="ctr"/>
+            <a:r>
+              <a:rPr lang="en-US" altLang="zh-CN" dirty="0" smtClean="0"/>
+              <a:t>10</a:t>
+            </a:r>
+            <a:endParaRPr lang="zh-CN" altLang="en-US" dirty="0"/>
+          </a:p>
+        </p:txBody>
+      </p:sp>
+      <p:sp>
+        <p:nvSpPr>
+          <p:cNvPr id="4" name="矩形 3"/>
+          <p:cNvSpPr/>
+          <p:nvPr/>
+        </p:nvSpPr>
+        <p:spPr>
+          <a:xfrm>
+            <a:off x="3059832" y="2492896"/>
+            <a:ext cx="576064" cy="432048"/>
+          </a:xfrm>
+          <a:prstGeom prst="rect">
+            <a:avLst/>
+          </a:prstGeom>
+        </p:spPr>
+        <p:style>
+          <a:lnRef idx="2">
+            <a:schemeClr val="accent1">
+              <a:shade val="50000"/>
+            </a:schemeClr>
+          </a:lnRef>
+          <a:fillRef idx="1">
+            <a:schemeClr val="accent1"/>
+          </a:fillRef>
+          <a:effectRef idx="0">
+            <a:schemeClr val="accent1"/>
+          </a:effectRef>
+          <a:fontRef idx="minor">
+            <a:schemeClr val="lt1"/>
+          </a:fontRef>
+        </p:style>
+        <p:txBody>
+          <a:bodyPr rtlCol="0" anchor="ctr"/>
+          <a:lstStyle/>
+          <a:p>
+            <a:pPr algn="ctr"/>
+            <a:r>
+              <a:rPr lang="en-US" altLang="zh-CN" dirty="0" smtClean="0"/>
+              <a:t>4</a:t>
+            </a:r>
+            <a:endParaRPr lang="zh-CN" altLang="en-US" dirty="0"/>
+          </a:p>
+        </p:txBody>
+      </p:sp>
+      <p:sp>
+        <p:nvSpPr>
+          <p:cNvPr id="7" name="矩形 6"/>
+          <p:cNvSpPr/>
+          <p:nvPr/>
+        </p:nvSpPr>
+        <p:spPr>
+          <a:xfrm>
+            <a:off x="3635896" y="2492896"/>
+            <a:ext cx="576064" cy="432048"/>
+          </a:xfrm>
+          <a:prstGeom prst="rect">
+            <a:avLst/>
+          </a:prstGeom>
+        </p:spPr>
+        <p:style>
+          <a:lnRef idx="2">
+            <a:schemeClr val="accent1">
+              <a:shade val="50000"/>
+            </a:schemeClr>
+          </a:lnRef>
+          <a:fillRef idx="1">
+            <a:schemeClr val="accent1"/>
+          </a:fillRef>
+          <a:effectRef idx="0">
+            <a:schemeClr val="accent1"/>
+          </a:effectRef>
+          <a:fontRef idx="minor">
+            <a:schemeClr val="lt1"/>
+          </a:fontRef>
+        </p:style>
+        <p:txBody>
+          <a:bodyPr rtlCol="0" anchor="ctr"/>
+          <a:lstStyle/>
+          <a:p>
+            <a:pPr algn="ctr"/>
+            <a:r>
+              <a:rPr lang="en-US" altLang="zh-CN" dirty="0" smtClean="0"/>
+              <a:t>5</a:t>
+            </a:r>
+            <a:endParaRPr lang="zh-CN" altLang="en-US" dirty="0"/>
+          </a:p>
+        </p:txBody>
+      </p:sp>
+      <p:sp>
+        <p:nvSpPr>
+          <p:cNvPr id="8" name="矩形 7"/>
+          <p:cNvSpPr/>
+          <p:nvPr/>
+        </p:nvSpPr>
+        <p:spPr>
+          <a:xfrm>
+            <a:off x="4211960" y="2492896"/>
+            <a:ext cx="576064" cy="432048"/>
+          </a:xfrm>
+          <a:prstGeom prst="rect">
+            <a:avLst/>
+          </a:prstGeom>
+        </p:spPr>
+        <p:style>
+          <a:lnRef idx="2">
+            <a:schemeClr val="accent1">
+              <a:shade val="50000"/>
+            </a:schemeClr>
+          </a:lnRef>
+          <a:fillRef idx="1">
+            <a:schemeClr val="accent1"/>
+          </a:fillRef>
+          <a:effectRef idx="0">
+            <a:schemeClr val="accent1"/>
+          </a:effectRef>
+          <a:fontRef idx="minor">
+            <a:schemeClr val="lt1"/>
+          </a:fontRef>
+        </p:style>
+        <p:txBody>
+          <a:bodyPr rtlCol="0" anchor="ctr"/>
+          <a:lstStyle/>
+          <a:p>
+            <a:pPr algn="ctr"/>
+            <a:r>
+              <a:rPr lang="en-US" altLang="zh-CN" dirty="0" smtClean="0"/>
+              <a:t>7</a:t>
+            </a:r>
+            <a:endParaRPr lang="zh-CN" altLang="en-US" dirty="0"/>
+          </a:p>
+        </p:txBody>
+      </p:sp>
+      <p:sp>
+        <p:nvSpPr>
+          <p:cNvPr id="9" name="矩形 8"/>
+          <p:cNvSpPr/>
+          <p:nvPr/>
+        </p:nvSpPr>
+        <p:spPr>
+          <a:xfrm>
+            <a:off x="4788024" y="2492896"/>
+            <a:ext cx="576064" cy="432048"/>
+          </a:xfrm>
+          <a:prstGeom prst="rect">
+            <a:avLst/>
+          </a:prstGeom>
+        </p:spPr>
+        <p:style>
+          <a:lnRef idx="2">
+            <a:schemeClr val="accent1">
+              <a:shade val="50000"/>
+            </a:schemeClr>
+          </a:lnRef>
+          <a:fillRef idx="1">
+            <a:schemeClr val="accent1"/>
+          </a:fillRef>
+          <a:effectRef idx="0">
+            <a:schemeClr val="accent1"/>
+          </a:effectRef>
+          <a:fontRef idx="minor">
+            <a:schemeClr val="lt1"/>
+          </a:fontRef>
+        </p:style>
+        <p:txBody>
+          <a:bodyPr rtlCol="0" anchor="ctr"/>
+          <a:lstStyle/>
+          <a:p>
+            <a:pPr algn="ctr"/>
+            <a:r>
+              <a:rPr lang="en-US" altLang="zh-CN" dirty="0" smtClean="0"/>
+              <a:t>3</a:t>
+            </a:r>
+            <a:endParaRPr lang="zh-CN" altLang="en-US" dirty="0"/>
+          </a:p>
+        </p:txBody>
+      </p:sp>
+      <p:sp>
+        <p:nvSpPr>
+          <p:cNvPr id="10" name="矩形 9"/>
+          <p:cNvSpPr/>
+          <p:nvPr/>
+        </p:nvSpPr>
+        <p:spPr>
+          <a:xfrm>
+            <a:off x="5364088" y="2492896"/>
+            <a:ext cx="576064" cy="432048"/>
+          </a:xfrm>
+          <a:prstGeom prst="rect">
+            <a:avLst/>
+          </a:prstGeom>
+        </p:spPr>
+        <p:style>
+          <a:lnRef idx="2">
+            <a:schemeClr val="accent1">
+              <a:shade val="50000"/>
+            </a:schemeClr>
+          </a:lnRef>
+          <a:fillRef idx="1">
+            <a:schemeClr val="accent1"/>
+          </a:fillRef>
+          <a:effectRef idx="0">
+            <a:schemeClr val="accent1"/>
+          </a:effectRef>
+          <a:fontRef idx="minor">
+            <a:schemeClr val="lt1"/>
+          </a:fontRef>
+        </p:style>
+        <p:txBody>
+          <a:bodyPr rtlCol="0" anchor="ctr"/>
+          <a:lstStyle/>
+          <a:p>
+            <a:pPr algn="ctr"/>
+            <a:r>
+              <a:rPr lang="en-US" altLang="zh-CN" dirty="0" smtClean="0"/>
+              <a:t>9</a:t>
+            </a:r>
+            <a:endParaRPr lang="zh-CN" altLang="en-US" dirty="0"/>
+          </a:p>
+        </p:txBody>
+      </p:sp>
+      <p:sp>
+        <p:nvSpPr>
+          <p:cNvPr id="11" name="矩形 10"/>
+          <p:cNvSpPr/>
+          <p:nvPr/>
+        </p:nvSpPr>
+        <p:spPr>
+          <a:xfrm>
+            <a:off x="5940152" y="2492896"/>
+            <a:ext cx="576064" cy="432048"/>
+          </a:xfrm>
+          <a:prstGeom prst="rect">
+            <a:avLst/>
+          </a:prstGeom>
+        </p:spPr>
+        <p:style>
+          <a:lnRef idx="2">
+            <a:schemeClr val="accent1">
+              <a:shade val="50000"/>
+            </a:schemeClr>
+          </a:lnRef>
+          <a:fillRef idx="1">
+            <a:schemeClr val="accent1"/>
+          </a:fillRef>
+          <a:effectRef idx="0">
+            <a:schemeClr val="accent1"/>
+          </a:effectRef>
+          <a:fontRef idx="minor">
+            <a:schemeClr val="lt1"/>
+          </a:fontRef>
+        </p:style>
+        <p:txBody>
+          <a:bodyPr rtlCol="0" anchor="ctr"/>
+          <a:lstStyle/>
+          <a:p>
+            <a:pPr algn="ctr"/>
+            <a:r>
+              <a:rPr lang="en-US" altLang="zh-CN" dirty="0" smtClean="0"/>
+              <a:t>8</a:t>
+            </a:r>
+            <a:endParaRPr lang="zh-CN" altLang="en-US" dirty="0"/>
+          </a:p>
+        </p:txBody>
+      </p:sp>
+      <p:sp>
+        <p:nvSpPr>
+          <p:cNvPr id="13" name="矩形 12"/>
+          <p:cNvSpPr/>
+          <p:nvPr/>
+        </p:nvSpPr>
+        <p:spPr>
+          <a:xfrm>
+            <a:off x="3635896" y="332656"/>
+            <a:ext cx="1152128" cy="432048"/>
+          </a:xfrm>
+          <a:prstGeom prst="rect">
+            <a:avLst/>
+          </a:prstGeom>
+        </p:spPr>
+        <p:style>
+          <a:lnRef idx="2">
+            <a:schemeClr val="accent1">
+              <a:shade val="50000"/>
+            </a:schemeClr>
+          </a:lnRef>
+          <a:fillRef idx="1">
+            <a:schemeClr val="accent1"/>
+          </a:fillRef>
+          <a:effectRef idx="0">
+            <a:schemeClr val="accent1"/>
+          </a:effectRef>
+          <a:fontRef idx="minor">
+            <a:schemeClr val="lt1"/>
+          </a:fontRef>
+        </p:style>
+        <p:txBody>
+          <a:bodyPr rtlCol="0" anchor="ctr"/>
+          <a:lstStyle/>
+          <a:p>
+            <a:pPr algn="ctr"/>
+            <a:r>
+              <a:rPr lang="en-US" altLang="zh-CN" dirty="0" smtClean="0"/>
+              <a:t>k == 4</a:t>
+            </a:r>
+            <a:endParaRPr lang="zh-CN" altLang="en-US" dirty="0"/>
+          </a:p>
+        </p:txBody>
+      </p:sp>
+      <p:sp>
+        <p:nvSpPr>
+          <p:cNvPr id="22" name="圆角矩形 21"/>
+          <p:cNvSpPr/>
+          <p:nvPr/>
+        </p:nvSpPr>
+        <p:spPr>
+          <a:xfrm>
+            <a:off x="683568" y="1023222"/>
+            <a:ext cx="2088232" cy="504056"/>
+          </a:xfrm>
+          <a:prstGeom prst="roundRect">
+            <a:avLst/>
+          </a:prstGeom>
+        </p:spPr>
+        <p:style>
+          <a:lnRef idx="2">
+            <a:schemeClr val="accent1">
+              <a:shade val="50000"/>
+            </a:schemeClr>
+          </a:lnRef>
+          <a:fillRef idx="1">
+            <a:schemeClr val="accent1"/>
+          </a:fillRef>
+          <a:effectRef idx="0">
+            <a:schemeClr val="accent1"/>
+          </a:effectRef>
+          <a:fontRef idx="minor">
+            <a:schemeClr val="lt1"/>
+          </a:fontRef>
+        </p:style>
+        <p:txBody>
+          <a:bodyPr rtlCol="0" anchor="ctr"/>
+          <a:lstStyle/>
+          <a:p>
+            <a:pPr algn="ctr"/>
+            <a:r>
+              <a:rPr lang="en-US" altLang="zh-CN" dirty="0" smtClean="0"/>
+              <a:t>6A: O(N </a:t>
+            </a:r>
+            <a:r>
+              <a:rPr lang="en-US" altLang="zh-CN" dirty="0" err="1" smtClean="0"/>
+              <a:t>logN</a:t>
+            </a:r>
+            <a:r>
+              <a:rPr lang="en-US" altLang="zh-CN" dirty="0" smtClean="0"/>
+              <a:t>)</a:t>
+            </a:r>
+          </a:p>
+        </p:txBody>
+      </p:sp>
+      <p:sp>
+        <p:nvSpPr>
+          <p:cNvPr id="5" name="下箭头 4"/>
+          <p:cNvSpPr/>
+          <p:nvPr/>
+        </p:nvSpPr>
+        <p:spPr>
+          <a:xfrm>
+            <a:off x="4269364" y="3120278"/>
+            <a:ext cx="432048" cy="432048"/>
+          </a:xfrm>
+          <a:prstGeom prst="downArrow">
+            <a:avLst/>
+          </a:prstGeom>
+        </p:spPr>
+        <p:style>
+          <a:lnRef idx="2">
+            <a:schemeClr val="accent1">
+              <a:shade val="50000"/>
+            </a:schemeClr>
+          </a:lnRef>
+          <a:fillRef idx="1">
+            <a:schemeClr val="accent1"/>
+          </a:fillRef>
+          <a:effectRef idx="0">
+            <a:schemeClr val="accent1"/>
+          </a:effectRef>
+          <a:fontRef idx="minor">
+            <a:schemeClr val="lt1"/>
+          </a:fontRef>
+        </p:style>
+        <p:txBody>
+          <a:bodyPr rtlCol="0" anchor="ctr"/>
+          <a:lstStyle/>
+          <a:p>
+            <a:pPr algn="ctr"/>
+            <a:endParaRPr lang="zh-CN" altLang="en-US"/>
+          </a:p>
+        </p:txBody>
+      </p:sp>
+      <p:sp>
+        <p:nvSpPr>
+          <p:cNvPr id="6" name="矩形 5"/>
+          <p:cNvSpPr/>
+          <p:nvPr/>
+        </p:nvSpPr>
+        <p:spPr>
+          <a:xfrm>
+            <a:off x="3347864" y="3789040"/>
+            <a:ext cx="2448272" cy="360040"/>
+          </a:xfrm>
+          <a:prstGeom prst="rect">
+            <a:avLst/>
+          </a:prstGeom>
+        </p:spPr>
+        <p:style>
+          <a:lnRef idx="2">
+            <a:schemeClr val="accent1">
+              <a:shade val="50000"/>
+            </a:schemeClr>
+          </a:lnRef>
+          <a:fillRef idx="1">
+            <a:schemeClr val="accent1"/>
+          </a:fillRef>
+          <a:effectRef idx="0">
+            <a:schemeClr val="accent1"/>
+          </a:effectRef>
+          <a:fontRef idx="minor">
+            <a:schemeClr val="lt1"/>
+          </a:fontRef>
+        </p:style>
+        <p:txBody>
+          <a:bodyPr rtlCol="0" anchor="ctr"/>
+          <a:lstStyle/>
+          <a:p>
+            <a:pPr algn="ctr"/>
+            <a:r>
+              <a:rPr lang="en-US" altLang="zh-CN" dirty="0" err="1" smtClean="0"/>
+              <a:t>buildHeap</a:t>
+            </a:r>
+            <a:r>
+              <a:rPr lang="en-US" altLang="zh-CN" dirty="0" smtClean="0"/>
+              <a:t>(array[]);</a:t>
+            </a:r>
+            <a:endParaRPr lang="zh-CN" altLang="en-US" dirty="0"/>
+          </a:p>
+        </p:txBody>
+      </p:sp>
+      <p:sp>
+        <p:nvSpPr>
+          <p:cNvPr id="23" name="下箭头 22"/>
+          <p:cNvSpPr/>
+          <p:nvPr/>
+        </p:nvSpPr>
+        <p:spPr>
+          <a:xfrm>
+            <a:off x="4283968" y="4365104"/>
+            <a:ext cx="432048" cy="432048"/>
+          </a:xfrm>
+          <a:prstGeom prst="downArrow">
+            <a:avLst/>
+          </a:prstGeom>
+        </p:spPr>
+        <p:style>
+          <a:lnRef idx="2">
+            <a:schemeClr val="accent1">
+              <a:shade val="50000"/>
+            </a:schemeClr>
+          </a:lnRef>
+          <a:fillRef idx="1">
+            <a:schemeClr val="accent1"/>
+          </a:fillRef>
+          <a:effectRef idx="0">
+            <a:schemeClr val="accent1"/>
+          </a:effectRef>
+          <a:fontRef idx="minor">
+            <a:schemeClr val="lt1"/>
+          </a:fontRef>
+        </p:style>
+        <p:txBody>
+          <a:bodyPr rtlCol="0" anchor="ctr"/>
+          <a:lstStyle/>
+          <a:p>
+            <a:pPr algn="ctr"/>
+            <a:endParaRPr lang="zh-CN" altLang="en-US"/>
+          </a:p>
+        </p:txBody>
+      </p:sp>
+      <p:sp>
+        <p:nvSpPr>
+          <p:cNvPr id="24" name="矩形 23"/>
+          <p:cNvSpPr/>
+          <p:nvPr/>
+        </p:nvSpPr>
+        <p:spPr>
+          <a:xfrm>
+            <a:off x="3347864" y="5013176"/>
+            <a:ext cx="2448272" cy="360040"/>
+          </a:xfrm>
+          <a:prstGeom prst="rect">
+            <a:avLst/>
+          </a:prstGeom>
+        </p:spPr>
+        <p:style>
+          <a:lnRef idx="2">
+            <a:schemeClr val="accent1">
+              <a:shade val="50000"/>
+            </a:schemeClr>
+          </a:lnRef>
+          <a:fillRef idx="1">
+            <a:schemeClr val="accent1"/>
+          </a:fillRef>
+          <a:effectRef idx="0">
+            <a:schemeClr val="accent1"/>
+          </a:effectRef>
+          <a:fontRef idx="minor">
+            <a:schemeClr val="lt1"/>
+          </a:fontRef>
+        </p:style>
+        <p:txBody>
+          <a:bodyPr rtlCol="0" anchor="ctr"/>
+          <a:lstStyle/>
+          <a:p>
+            <a:pPr algn="ctr"/>
+            <a:r>
+              <a:rPr lang="en-US" altLang="zh-CN" dirty="0" err="1" smtClean="0"/>
+              <a:t>deleteMin</a:t>
+            </a:r>
+            <a:r>
+              <a:rPr lang="en-US" altLang="zh-CN" dirty="0" smtClean="0"/>
+              <a:t> k times</a:t>
+            </a:r>
+            <a:endParaRPr lang="zh-CN" altLang="en-US" dirty="0"/>
+          </a:p>
+        </p:txBody>
+      </p:sp>
     </p:spTree>
     <p:extLst>
       <p:ext uri="{BB962C8B-B14F-4D97-AF65-F5344CB8AC3E}">
-        <p14:creationId xmlns:p14="http://schemas.microsoft.com/office/powerpoint/2010/main" val="2301525059"/>
+        <p14:creationId xmlns:p14="http://schemas.microsoft.com/office/powerpoint/2010/main" val="3692275521"/>
       </p:ext>
     </p:extLst>
   </p:cSld>
@@ -37117,10 +40093,759 @@
           <a:chExt cx="0" cy="0"/>
         </a:xfrm>
       </p:grpSpPr>
+      <p:sp>
+        <p:nvSpPr>
+          <p:cNvPr id="2" name="圆角矩形 1"/>
+          <p:cNvSpPr/>
+          <p:nvPr/>
+        </p:nvSpPr>
+        <p:spPr>
+          <a:xfrm>
+            <a:off x="251520" y="260648"/>
+            <a:ext cx="2736304" cy="504056"/>
+          </a:xfrm>
+          <a:prstGeom prst="roundRect">
+            <a:avLst/>
+          </a:prstGeom>
+        </p:spPr>
+        <p:style>
+          <a:lnRef idx="2">
+            <a:schemeClr val="accent1">
+              <a:shade val="50000"/>
+            </a:schemeClr>
+          </a:lnRef>
+          <a:fillRef idx="1">
+            <a:schemeClr val="accent1"/>
+          </a:fillRef>
+          <a:effectRef idx="0">
+            <a:schemeClr val="accent1"/>
+          </a:effectRef>
+          <a:fontRef idx="minor">
+            <a:schemeClr val="lt1"/>
+          </a:fontRef>
+        </p:style>
+        <p:txBody>
+          <a:bodyPr rtlCol="0" anchor="ctr"/>
+          <a:lstStyle/>
+          <a:p>
+            <a:pPr algn="ctr"/>
+            <a:r>
+              <a:rPr lang="zh-CN" altLang="en-US" dirty="0" smtClean="0"/>
+              <a:t>寻找第 </a:t>
+            </a:r>
+            <a:r>
+              <a:rPr lang="en-US" altLang="zh-CN" dirty="0" smtClean="0"/>
+              <a:t>k </a:t>
+            </a:r>
+            <a:r>
+              <a:rPr lang="zh-CN" altLang="en-US" dirty="0" smtClean="0"/>
+              <a:t>个最</a:t>
+            </a:r>
+            <a:r>
+              <a:rPr lang="zh-CN" altLang="en-US" dirty="0">
+                <a:solidFill>
+                  <a:schemeClr val="accent6"/>
+                </a:solidFill>
+              </a:rPr>
+              <a:t>大</a:t>
+            </a:r>
+            <a:r>
+              <a:rPr lang="zh-CN" altLang="en-US" dirty="0" smtClean="0"/>
+              <a:t>值</a:t>
+            </a:r>
+            <a:endParaRPr lang="zh-CN" altLang="en-US" dirty="0"/>
+          </a:p>
+        </p:txBody>
+      </p:sp>
+      <p:sp>
+        <p:nvSpPr>
+          <p:cNvPr id="3" name="矩形 2"/>
+          <p:cNvSpPr/>
+          <p:nvPr/>
+        </p:nvSpPr>
+        <p:spPr>
+          <a:xfrm>
+            <a:off x="2483768" y="1844824"/>
+            <a:ext cx="576064" cy="432048"/>
+          </a:xfrm>
+          <a:prstGeom prst="rect">
+            <a:avLst/>
+          </a:prstGeom>
+        </p:spPr>
+        <p:style>
+          <a:lnRef idx="2">
+            <a:schemeClr val="accent1">
+              <a:shade val="50000"/>
+            </a:schemeClr>
+          </a:lnRef>
+          <a:fillRef idx="1">
+            <a:schemeClr val="accent1"/>
+          </a:fillRef>
+          <a:effectRef idx="0">
+            <a:schemeClr val="accent1"/>
+          </a:effectRef>
+          <a:fontRef idx="minor">
+            <a:schemeClr val="lt1"/>
+          </a:fontRef>
+        </p:style>
+        <p:txBody>
+          <a:bodyPr rtlCol="0" anchor="ctr"/>
+          <a:lstStyle/>
+          <a:p>
+            <a:pPr algn="ctr"/>
+            <a:r>
+              <a:rPr lang="en-US" altLang="zh-CN" dirty="0" smtClean="0"/>
+              <a:t>10</a:t>
+            </a:r>
+            <a:endParaRPr lang="zh-CN" altLang="en-US" dirty="0"/>
+          </a:p>
+        </p:txBody>
+      </p:sp>
+      <p:sp>
+        <p:nvSpPr>
+          <p:cNvPr id="4" name="矩形 3"/>
+          <p:cNvSpPr/>
+          <p:nvPr/>
+        </p:nvSpPr>
+        <p:spPr>
+          <a:xfrm>
+            <a:off x="3059832" y="1844824"/>
+            <a:ext cx="576064" cy="432048"/>
+          </a:xfrm>
+          <a:prstGeom prst="rect">
+            <a:avLst/>
+          </a:prstGeom>
+        </p:spPr>
+        <p:style>
+          <a:lnRef idx="2">
+            <a:schemeClr val="accent1">
+              <a:shade val="50000"/>
+            </a:schemeClr>
+          </a:lnRef>
+          <a:fillRef idx="1">
+            <a:schemeClr val="accent1"/>
+          </a:fillRef>
+          <a:effectRef idx="0">
+            <a:schemeClr val="accent1"/>
+          </a:effectRef>
+          <a:fontRef idx="minor">
+            <a:schemeClr val="lt1"/>
+          </a:fontRef>
+        </p:style>
+        <p:txBody>
+          <a:bodyPr rtlCol="0" anchor="ctr"/>
+          <a:lstStyle/>
+          <a:p>
+            <a:pPr algn="ctr"/>
+            <a:r>
+              <a:rPr lang="en-US" altLang="zh-CN" dirty="0" smtClean="0"/>
+              <a:t>4</a:t>
+            </a:r>
+            <a:endParaRPr lang="zh-CN" altLang="en-US" dirty="0"/>
+          </a:p>
+        </p:txBody>
+      </p:sp>
+      <p:sp>
+        <p:nvSpPr>
+          <p:cNvPr id="7" name="矩形 6"/>
+          <p:cNvSpPr/>
+          <p:nvPr/>
+        </p:nvSpPr>
+        <p:spPr>
+          <a:xfrm>
+            <a:off x="3635896" y="1844824"/>
+            <a:ext cx="576064" cy="432048"/>
+          </a:xfrm>
+          <a:prstGeom prst="rect">
+            <a:avLst/>
+          </a:prstGeom>
+        </p:spPr>
+        <p:style>
+          <a:lnRef idx="2">
+            <a:schemeClr val="accent1">
+              <a:shade val="50000"/>
+            </a:schemeClr>
+          </a:lnRef>
+          <a:fillRef idx="1">
+            <a:schemeClr val="accent1"/>
+          </a:fillRef>
+          <a:effectRef idx="0">
+            <a:schemeClr val="accent1"/>
+          </a:effectRef>
+          <a:fontRef idx="minor">
+            <a:schemeClr val="lt1"/>
+          </a:fontRef>
+        </p:style>
+        <p:txBody>
+          <a:bodyPr rtlCol="0" anchor="ctr"/>
+          <a:lstStyle/>
+          <a:p>
+            <a:pPr algn="ctr"/>
+            <a:r>
+              <a:rPr lang="en-US" altLang="zh-CN" dirty="0" smtClean="0"/>
+              <a:t>5</a:t>
+            </a:r>
+            <a:endParaRPr lang="zh-CN" altLang="en-US" dirty="0"/>
+          </a:p>
+        </p:txBody>
+      </p:sp>
+      <p:sp>
+        <p:nvSpPr>
+          <p:cNvPr id="8" name="矩形 7"/>
+          <p:cNvSpPr/>
+          <p:nvPr/>
+        </p:nvSpPr>
+        <p:spPr>
+          <a:xfrm>
+            <a:off x="4211960" y="1844824"/>
+            <a:ext cx="576064" cy="432048"/>
+          </a:xfrm>
+          <a:prstGeom prst="rect">
+            <a:avLst/>
+          </a:prstGeom>
+        </p:spPr>
+        <p:style>
+          <a:lnRef idx="2">
+            <a:schemeClr val="accent1">
+              <a:shade val="50000"/>
+            </a:schemeClr>
+          </a:lnRef>
+          <a:fillRef idx="1">
+            <a:schemeClr val="accent1"/>
+          </a:fillRef>
+          <a:effectRef idx="0">
+            <a:schemeClr val="accent1"/>
+          </a:effectRef>
+          <a:fontRef idx="minor">
+            <a:schemeClr val="lt1"/>
+          </a:fontRef>
+        </p:style>
+        <p:txBody>
+          <a:bodyPr rtlCol="0" anchor="ctr"/>
+          <a:lstStyle/>
+          <a:p>
+            <a:pPr algn="ctr"/>
+            <a:r>
+              <a:rPr lang="en-US" altLang="zh-CN" dirty="0" smtClean="0"/>
+              <a:t>7</a:t>
+            </a:r>
+            <a:endParaRPr lang="zh-CN" altLang="en-US" dirty="0"/>
+          </a:p>
+        </p:txBody>
+      </p:sp>
+      <p:sp>
+        <p:nvSpPr>
+          <p:cNvPr id="9" name="矩形 8"/>
+          <p:cNvSpPr/>
+          <p:nvPr/>
+        </p:nvSpPr>
+        <p:spPr>
+          <a:xfrm>
+            <a:off x="4788024" y="1844824"/>
+            <a:ext cx="576064" cy="432048"/>
+          </a:xfrm>
+          <a:prstGeom prst="rect">
+            <a:avLst/>
+          </a:prstGeom>
+        </p:spPr>
+        <p:style>
+          <a:lnRef idx="2">
+            <a:schemeClr val="accent1">
+              <a:shade val="50000"/>
+            </a:schemeClr>
+          </a:lnRef>
+          <a:fillRef idx="1">
+            <a:schemeClr val="accent1"/>
+          </a:fillRef>
+          <a:effectRef idx="0">
+            <a:schemeClr val="accent1"/>
+          </a:effectRef>
+          <a:fontRef idx="minor">
+            <a:schemeClr val="lt1"/>
+          </a:fontRef>
+        </p:style>
+        <p:txBody>
+          <a:bodyPr rtlCol="0" anchor="ctr"/>
+          <a:lstStyle/>
+          <a:p>
+            <a:pPr algn="ctr"/>
+            <a:r>
+              <a:rPr lang="en-US" altLang="zh-CN" dirty="0" smtClean="0"/>
+              <a:t>3</a:t>
+            </a:r>
+            <a:endParaRPr lang="zh-CN" altLang="en-US" dirty="0"/>
+          </a:p>
+        </p:txBody>
+      </p:sp>
+      <p:sp>
+        <p:nvSpPr>
+          <p:cNvPr id="10" name="矩形 9"/>
+          <p:cNvSpPr/>
+          <p:nvPr/>
+        </p:nvSpPr>
+        <p:spPr>
+          <a:xfrm>
+            <a:off x="5364088" y="1844824"/>
+            <a:ext cx="576064" cy="432048"/>
+          </a:xfrm>
+          <a:prstGeom prst="rect">
+            <a:avLst/>
+          </a:prstGeom>
+        </p:spPr>
+        <p:style>
+          <a:lnRef idx="2">
+            <a:schemeClr val="accent1">
+              <a:shade val="50000"/>
+            </a:schemeClr>
+          </a:lnRef>
+          <a:fillRef idx="1">
+            <a:schemeClr val="accent1"/>
+          </a:fillRef>
+          <a:effectRef idx="0">
+            <a:schemeClr val="accent1"/>
+          </a:effectRef>
+          <a:fontRef idx="minor">
+            <a:schemeClr val="lt1"/>
+          </a:fontRef>
+        </p:style>
+        <p:txBody>
+          <a:bodyPr rtlCol="0" anchor="ctr"/>
+          <a:lstStyle/>
+          <a:p>
+            <a:pPr algn="ctr"/>
+            <a:r>
+              <a:rPr lang="en-US" altLang="zh-CN" dirty="0" smtClean="0"/>
+              <a:t>9</a:t>
+            </a:r>
+            <a:endParaRPr lang="zh-CN" altLang="en-US" dirty="0"/>
+          </a:p>
+        </p:txBody>
+      </p:sp>
+      <p:sp>
+        <p:nvSpPr>
+          <p:cNvPr id="11" name="矩形 10"/>
+          <p:cNvSpPr/>
+          <p:nvPr/>
+        </p:nvSpPr>
+        <p:spPr>
+          <a:xfrm>
+            <a:off x="5940152" y="1844824"/>
+            <a:ext cx="576064" cy="432048"/>
+          </a:xfrm>
+          <a:prstGeom prst="rect">
+            <a:avLst/>
+          </a:prstGeom>
+        </p:spPr>
+        <p:style>
+          <a:lnRef idx="2">
+            <a:schemeClr val="accent1">
+              <a:shade val="50000"/>
+            </a:schemeClr>
+          </a:lnRef>
+          <a:fillRef idx="1">
+            <a:schemeClr val="accent1"/>
+          </a:fillRef>
+          <a:effectRef idx="0">
+            <a:schemeClr val="accent1"/>
+          </a:effectRef>
+          <a:fontRef idx="minor">
+            <a:schemeClr val="lt1"/>
+          </a:fontRef>
+        </p:style>
+        <p:txBody>
+          <a:bodyPr rtlCol="0" anchor="ctr"/>
+          <a:lstStyle/>
+          <a:p>
+            <a:pPr algn="ctr"/>
+            <a:r>
+              <a:rPr lang="en-US" altLang="zh-CN" dirty="0" smtClean="0"/>
+              <a:t>8</a:t>
+            </a:r>
+            <a:endParaRPr lang="zh-CN" altLang="en-US" dirty="0"/>
+          </a:p>
+        </p:txBody>
+      </p:sp>
+      <p:sp>
+        <p:nvSpPr>
+          <p:cNvPr id="13" name="矩形 12"/>
+          <p:cNvSpPr/>
+          <p:nvPr/>
+        </p:nvSpPr>
+        <p:spPr>
+          <a:xfrm>
+            <a:off x="3635896" y="332656"/>
+            <a:ext cx="1152128" cy="432048"/>
+          </a:xfrm>
+          <a:prstGeom prst="rect">
+            <a:avLst/>
+          </a:prstGeom>
+        </p:spPr>
+        <p:style>
+          <a:lnRef idx="2">
+            <a:schemeClr val="accent1">
+              <a:shade val="50000"/>
+            </a:schemeClr>
+          </a:lnRef>
+          <a:fillRef idx="1">
+            <a:schemeClr val="accent1"/>
+          </a:fillRef>
+          <a:effectRef idx="0">
+            <a:schemeClr val="accent1"/>
+          </a:effectRef>
+          <a:fontRef idx="minor">
+            <a:schemeClr val="lt1"/>
+          </a:fontRef>
+        </p:style>
+        <p:txBody>
+          <a:bodyPr rtlCol="0" anchor="ctr"/>
+          <a:lstStyle/>
+          <a:p>
+            <a:pPr algn="ctr"/>
+            <a:r>
+              <a:rPr lang="en-US" altLang="zh-CN" dirty="0" smtClean="0"/>
+              <a:t>k == 4</a:t>
+            </a:r>
+            <a:endParaRPr lang="zh-CN" altLang="en-US" dirty="0"/>
+          </a:p>
+        </p:txBody>
+      </p:sp>
+      <p:sp>
+        <p:nvSpPr>
+          <p:cNvPr id="36" name="圆角矩形 35"/>
+          <p:cNvSpPr/>
+          <p:nvPr/>
+        </p:nvSpPr>
+        <p:spPr>
+          <a:xfrm>
+            <a:off x="683568" y="1023222"/>
+            <a:ext cx="2088232" cy="504056"/>
+          </a:xfrm>
+          <a:prstGeom prst="roundRect">
+            <a:avLst/>
+          </a:prstGeom>
+        </p:spPr>
+        <p:style>
+          <a:lnRef idx="2">
+            <a:schemeClr val="accent1">
+              <a:shade val="50000"/>
+            </a:schemeClr>
+          </a:lnRef>
+          <a:fillRef idx="1">
+            <a:schemeClr val="accent1"/>
+          </a:fillRef>
+          <a:effectRef idx="0">
+            <a:schemeClr val="accent1"/>
+          </a:effectRef>
+          <a:fontRef idx="minor">
+            <a:schemeClr val="lt1"/>
+          </a:fontRef>
+        </p:style>
+        <p:txBody>
+          <a:bodyPr rtlCol="0" anchor="ctr"/>
+          <a:lstStyle/>
+          <a:p>
+            <a:pPr algn="ctr"/>
+            <a:r>
+              <a:rPr lang="en-US" altLang="zh-CN" dirty="0" smtClean="0"/>
+              <a:t>6B: O(N </a:t>
+            </a:r>
+            <a:r>
+              <a:rPr lang="en-US" altLang="zh-CN" dirty="0" err="1" smtClean="0"/>
+              <a:t>logN</a:t>
+            </a:r>
+            <a:r>
+              <a:rPr lang="en-US" altLang="zh-CN" dirty="0" smtClean="0"/>
+              <a:t>)</a:t>
+            </a:r>
+          </a:p>
+        </p:txBody>
+      </p:sp>
+      <p:sp>
+        <p:nvSpPr>
+          <p:cNvPr id="5" name="椭圆 4"/>
+          <p:cNvSpPr/>
+          <p:nvPr/>
+        </p:nvSpPr>
+        <p:spPr>
+          <a:xfrm>
+            <a:off x="4256180" y="2852936"/>
+            <a:ext cx="432048" cy="432048"/>
+          </a:xfrm>
+          <a:prstGeom prst="ellipse">
+            <a:avLst/>
+          </a:prstGeom>
+        </p:spPr>
+        <p:style>
+          <a:lnRef idx="2">
+            <a:schemeClr val="accent1">
+              <a:shade val="50000"/>
+            </a:schemeClr>
+          </a:lnRef>
+          <a:fillRef idx="1">
+            <a:schemeClr val="accent1"/>
+          </a:fillRef>
+          <a:effectRef idx="0">
+            <a:schemeClr val="accent1"/>
+          </a:effectRef>
+          <a:fontRef idx="minor">
+            <a:schemeClr val="lt1"/>
+          </a:fontRef>
+        </p:style>
+        <p:txBody>
+          <a:bodyPr rtlCol="0" anchor="ctr"/>
+          <a:lstStyle/>
+          <a:p>
+            <a:pPr algn="ctr"/>
+            <a:r>
+              <a:rPr lang="en-US" altLang="zh-CN" dirty="0" smtClean="0"/>
+              <a:t>4</a:t>
+            </a:r>
+            <a:endParaRPr lang="zh-CN" altLang="en-US" dirty="0"/>
+          </a:p>
+        </p:txBody>
+      </p:sp>
+      <p:cxnSp>
+        <p:nvCxnSpPr>
+          <p:cNvPr id="16" name="直接箭头连接符 15"/>
+          <p:cNvCxnSpPr>
+            <a:stCxn id="5" idx="3"/>
+          </p:cNvCxnSpPr>
+          <p:nvPr/>
+        </p:nvCxnSpPr>
+        <p:spPr>
+          <a:xfrm flipH="1">
+            <a:off x="3968148" y="3221712"/>
+            <a:ext cx="351304" cy="495320"/>
+          </a:xfrm>
+          <a:prstGeom prst="straightConnector1">
+            <a:avLst/>
+          </a:prstGeom>
+          <a:ln>
+            <a:tailEnd type="arrow"/>
+          </a:ln>
+        </p:spPr>
+        <p:style>
+          <a:lnRef idx="1">
+            <a:schemeClr val="accent1"/>
+          </a:lnRef>
+          <a:fillRef idx="0">
+            <a:schemeClr val="accent1"/>
+          </a:fillRef>
+          <a:effectRef idx="0">
+            <a:schemeClr val="accent1"/>
+          </a:effectRef>
+          <a:fontRef idx="minor">
+            <a:schemeClr val="tx1"/>
+          </a:fontRef>
+        </p:style>
+      </p:cxnSp>
+      <p:cxnSp>
+        <p:nvCxnSpPr>
+          <p:cNvPr id="18" name="直接箭头连接符 17"/>
+          <p:cNvCxnSpPr>
+            <a:stCxn id="5" idx="5"/>
+          </p:cNvCxnSpPr>
+          <p:nvPr/>
+        </p:nvCxnSpPr>
+        <p:spPr>
+          <a:xfrm>
+            <a:off x="4624956" y="3221712"/>
+            <a:ext cx="351304" cy="495320"/>
+          </a:xfrm>
+          <a:prstGeom prst="straightConnector1">
+            <a:avLst/>
+          </a:prstGeom>
+          <a:ln>
+            <a:tailEnd type="arrow"/>
+          </a:ln>
+        </p:spPr>
+        <p:style>
+          <a:lnRef idx="1">
+            <a:schemeClr val="accent1"/>
+          </a:lnRef>
+          <a:fillRef idx="0">
+            <a:schemeClr val="accent1"/>
+          </a:fillRef>
+          <a:effectRef idx="0">
+            <a:schemeClr val="accent1"/>
+          </a:effectRef>
+          <a:fontRef idx="minor">
+            <a:schemeClr val="tx1"/>
+          </a:fontRef>
+        </p:style>
+      </p:cxnSp>
+      <p:sp>
+        <p:nvSpPr>
+          <p:cNvPr id="55" name="椭圆 54"/>
+          <p:cNvSpPr/>
+          <p:nvPr/>
+        </p:nvSpPr>
+        <p:spPr>
+          <a:xfrm>
+            <a:off x="3711752" y="3699602"/>
+            <a:ext cx="432048" cy="432048"/>
+          </a:xfrm>
+          <a:prstGeom prst="ellipse">
+            <a:avLst/>
+          </a:prstGeom>
+        </p:spPr>
+        <p:style>
+          <a:lnRef idx="2">
+            <a:schemeClr val="accent1">
+              <a:shade val="50000"/>
+            </a:schemeClr>
+          </a:lnRef>
+          <a:fillRef idx="1">
+            <a:schemeClr val="accent1"/>
+          </a:fillRef>
+          <a:effectRef idx="0">
+            <a:schemeClr val="accent1"/>
+          </a:effectRef>
+          <a:fontRef idx="minor">
+            <a:schemeClr val="lt1"/>
+          </a:fontRef>
+        </p:style>
+        <p:txBody>
+          <a:bodyPr rtlCol="0" anchor="ctr"/>
+          <a:lstStyle/>
+          <a:p>
+            <a:pPr algn="ctr"/>
+            <a:r>
+              <a:rPr lang="en-US" altLang="zh-CN" dirty="0"/>
+              <a:t>7</a:t>
+            </a:r>
+            <a:endParaRPr lang="zh-CN" altLang="en-US" dirty="0"/>
+          </a:p>
+        </p:txBody>
+      </p:sp>
+      <p:sp>
+        <p:nvSpPr>
+          <p:cNvPr id="56" name="椭圆 55"/>
+          <p:cNvSpPr/>
+          <p:nvPr/>
+        </p:nvSpPr>
+        <p:spPr>
+          <a:xfrm>
+            <a:off x="4796754" y="3717032"/>
+            <a:ext cx="432048" cy="432048"/>
+          </a:xfrm>
+          <a:prstGeom prst="ellipse">
+            <a:avLst/>
+          </a:prstGeom>
+        </p:spPr>
+        <p:style>
+          <a:lnRef idx="2">
+            <a:schemeClr val="accent1">
+              <a:shade val="50000"/>
+            </a:schemeClr>
+          </a:lnRef>
+          <a:fillRef idx="1">
+            <a:schemeClr val="accent1"/>
+          </a:fillRef>
+          <a:effectRef idx="0">
+            <a:schemeClr val="accent1"/>
+          </a:effectRef>
+          <a:fontRef idx="minor">
+            <a:schemeClr val="lt1"/>
+          </a:fontRef>
+        </p:style>
+        <p:txBody>
+          <a:bodyPr rtlCol="0" anchor="ctr"/>
+          <a:lstStyle/>
+          <a:p>
+            <a:pPr algn="ctr"/>
+            <a:r>
+              <a:rPr lang="en-US" altLang="zh-CN" dirty="0" smtClean="0"/>
+              <a:t>5</a:t>
+            </a:r>
+            <a:endParaRPr lang="zh-CN" altLang="en-US" dirty="0"/>
+          </a:p>
+        </p:txBody>
+      </p:sp>
+      <p:sp>
+        <p:nvSpPr>
+          <p:cNvPr id="63" name="椭圆 62"/>
+          <p:cNvSpPr/>
+          <p:nvPr/>
+        </p:nvSpPr>
+        <p:spPr>
+          <a:xfrm>
+            <a:off x="3203848" y="4653136"/>
+            <a:ext cx="648073" cy="432048"/>
+          </a:xfrm>
+          <a:prstGeom prst="ellipse">
+            <a:avLst/>
+          </a:prstGeom>
+        </p:spPr>
+        <p:style>
+          <a:lnRef idx="2">
+            <a:schemeClr val="accent1">
+              <a:shade val="50000"/>
+            </a:schemeClr>
+          </a:lnRef>
+          <a:fillRef idx="1">
+            <a:schemeClr val="accent1"/>
+          </a:fillRef>
+          <a:effectRef idx="0">
+            <a:schemeClr val="accent1"/>
+          </a:effectRef>
+          <a:fontRef idx="minor">
+            <a:schemeClr val="lt1"/>
+          </a:fontRef>
+        </p:style>
+        <p:txBody>
+          <a:bodyPr rtlCol="0" anchor="ctr"/>
+          <a:lstStyle/>
+          <a:p>
+            <a:pPr algn="ctr"/>
+            <a:r>
+              <a:rPr lang="en-US" altLang="zh-CN" dirty="0" smtClean="0"/>
+              <a:t>10</a:t>
+            </a:r>
+            <a:endParaRPr lang="zh-CN" altLang="en-US" dirty="0"/>
+          </a:p>
+        </p:txBody>
+      </p:sp>
+      <p:cxnSp>
+        <p:nvCxnSpPr>
+          <p:cNvPr id="21" name="直接箭头连接符 20"/>
+          <p:cNvCxnSpPr>
+            <a:stCxn id="55" idx="3"/>
+            <a:endCxn id="63" idx="0"/>
+          </p:cNvCxnSpPr>
+          <p:nvPr/>
+        </p:nvCxnSpPr>
+        <p:spPr>
+          <a:xfrm flipH="1">
+            <a:off x="3527885" y="4068378"/>
+            <a:ext cx="247139" cy="584758"/>
+          </a:xfrm>
+          <a:prstGeom prst="straightConnector1">
+            <a:avLst/>
+          </a:prstGeom>
+          <a:ln>
+            <a:tailEnd type="arrow"/>
+          </a:ln>
+        </p:spPr>
+        <p:style>
+          <a:lnRef idx="1">
+            <a:schemeClr val="accent1"/>
+          </a:lnRef>
+          <a:fillRef idx="0">
+            <a:schemeClr val="accent1"/>
+          </a:fillRef>
+          <a:effectRef idx="0">
+            <a:schemeClr val="accent1"/>
+          </a:effectRef>
+          <a:fontRef idx="minor">
+            <a:schemeClr val="tx1"/>
+          </a:fontRef>
+        </p:style>
+      </p:cxnSp>
     </p:spTree>
     <p:extLst>
       <p:ext uri="{BB962C8B-B14F-4D97-AF65-F5344CB8AC3E}">
-        <p14:creationId xmlns:p14="http://schemas.microsoft.com/office/powerpoint/2010/main" val="2301525059"/>
+        <p14:creationId xmlns:p14="http://schemas.microsoft.com/office/powerpoint/2010/main" val="2637588657"/>
       </p:ext>
     </p:extLst>
   </p:cSld>
@@ -37147,10 +40872,762 @@
           <a:chExt cx="0" cy="0"/>
         </a:xfrm>
       </p:grpSpPr>
+      <p:sp>
+        <p:nvSpPr>
+          <p:cNvPr id="2" name="圆角矩形 1"/>
+          <p:cNvSpPr/>
+          <p:nvPr/>
+        </p:nvSpPr>
+        <p:spPr>
+          <a:xfrm>
+            <a:off x="251520" y="260648"/>
+            <a:ext cx="2736304" cy="504056"/>
+          </a:xfrm>
+          <a:prstGeom prst="roundRect">
+            <a:avLst/>
+          </a:prstGeom>
+        </p:spPr>
+        <p:style>
+          <a:lnRef idx="2">
+            <a:schemeClr val="accent1">
+              <a:shade val="50000"/>
+            </a:schemeClr>
+          </a:lnRef>
+          <a:fillRef idx="1">
+            <a:schemeClr val="accent1"/>
+          </a:fillRef>
+          <a:effectRef idx="0">
+            <a:schemeClr val="accent1"/>
+          </a:effectRef>
+          <a:fontRef idx="minor">
+            <a:schemeClr val="lt1"/>
+          </a:fontRef>
+        </p:style>
+        <p:txBody>
+          <a:bodyPr rtlCol="0" anchor="ctr"/>
+          <a:lstStyle/>
+          <a:p>
+            <a:pPr algn="ctr"/>
+            <a:r>
+              <a:rPr lang="zh-CN" altLang="en-US" dirty="0" smtClean="0"/>
+              <a:t>寻找第 </a:t>
+            </a:r>
+            <a:r>
+              <a:rPr lang="en-US" altLang="zh-CN" dirty="0" smtClean="0"/>
+              <a:t>k </a:t>
+            </a:r>
+            <a:r>
+              <a:rPr lang="zh-CN" altLang="en-US" dirty="0" smtClean="0"/>
+              <a:t>个最</a:t>
+            </a:r>
+            <a:r>
+              <a:rPr lang="zh-CN" altLang="en-US" dirty="0">
+                <a:solidFill>
+                  <a:schemeClr val="accent6"/>
+                </a:solidFill>
+              </a:rPr>
+              <a:t>大</a:t>
+            </a:r>
+            <a:r>
+              <a:rPr lang="zh-CN" altLang="en-US" dirty="0" smtClean="0"/>
+              <a:t>值</a:t>
+            </a:r>
+            <a:endParaRPr lang="zh-CN" altLang="en-US" dirty="0"/>
+          </a:p>
+        </p:txBody>
+      </p:sp>
+      <p:sp>
+        <p:nvSpPr>
+          <p:cNvPr id="3" name="矩形 2"/>
+          <p:cNvSpPr/>
+          <p:nvPr/>
+        </p:nvSpPr>
+        <p:spPr>
+          <a:xfrm>
+            <a:off x="2483768" y="1844824"/>
+            <a:ext cx="576064" cy="432048"/>
+          </a:xfrm>
+          <a:prstGeom prst="rect">
+            <a:avLst/>
+          </a:prstGeom>
+        </p:spPr>
+        <p:style>
+          <a:lnRef idx="2">
+            <a:schemeClr val="accent1">
+              <a:shade val="50000"/>
+            </a:schemeClr>
+          </a:lnRef>
+          <a:fillRef idx="1">
+            <a:schemeClr val="accent1"/>
+          </a:fillRef>
+          <a:effectRef idx="0">
+            <a:schemeClr val="accent1"/>
+          </a:effectRef>
+          <a:fontRef idx="minor">
+            <a:schemeClr val="lt1"/>
+          </a:fontRef>
+        </p:style>
+        <p:txBody>
+          <a:bodyPr rtlCol="0" anchor="ctr"/>
+          <a:lstStyle/>
+          <a:p>
+            <a:pPr algn="ctr"/>
+            <a:r>
+              <a:rPr lang="en-US" altLang="zh-CN" dirty="0" smtClean="0"/>
+              <a:t>10</a:t>
+            </a:r>
+            <a:endParaRPr lang="zh-CN" altLang="en-US" dirty="0"/>
+          </a:p>
+        </p:txBody>
+      </p:sp>
+      <p:sp>
+        <p:nvSpPr>
+          <p:cNvPr id="4" name="矩形 3"/>
+          <p:cNvSpPr/>
+          <p:nvPr/>
+        </p:nvSpPr>
+        <p:spPr>
+          <a:xfrm>
+            <a:off x="3059832" y="1844824"/>
+            <a:ext cx="576064" cy="432048"/>
+          </a:xfrm>
+          <a:prstGeom prst="rect">
+            <a:avLst/>
+          </a:prstGeom>
+        </p:spPr>
+        <p:style>
+          <a:lnRef idx="2">
+            <a:schemeClr val="accent1">
+              <a:shade val="50000"/>
+            </a:schemeClr>
+          </a:lnRef>
+          <a:fillRef idx="1">
+            <a:schemeClr val="accent1"/>
+          </a:fillRef>
+          <a:effectRef idx="0">
+            <a:schemeClr val="accent1"/>
+          </a:effectRef>
+          <a:fontRef idx="minor">
+            <a:schemeClr val="lt1"/>
+          </a:fontRef>
+        </p:style>
+        <p:txBody>
+          <a:bodyPr rtlCol="0" anchor="ctr"/>
+          <a:lstStyle/>
+          <a:p>
+            <a:pPr algn="ctr"/>
+            <a:r>
+              <a:rPr lang="en-US" altLang="zh-CN" dirty="0" smtClean="0"/>
+              <a:t>4</a:t>
+            </a:r>
+            <a:endParaRPr lang="zh-CN" altLang="en-US" dirty="0"/>
+          </a:p>
+        </p:txBody>
+      </p:sp>
+      <p:sp>
+        <p:nvSpPr>
+          <p:cNvPr id="7" name="矩形 6"/>
+          <p:cNvSpPr/>
+          <p:nvPr/>
+        </p:nvSpPr>
+        <p:spPr>
+          <a:xfrm>
+            <a:off x="3635896" y="1844824"/>
+            <a:ext cx="576064" cy="432048"/>
+          </a:xfrm>
+          <a:prstGeom prst="rect">
+            <a:avLst/>
+          </a:prstGeom>
+        </p:spPr>
+        <p:style>
+          <a:lnRef idx="2">
+            <a:schemeClr val="accent1">
+              <a:shade val="50000"/>
+            </a:schemeClr>
+          </a:lnRef>
+          <a:fillRef idx="1">
+            <a:schemeClr val="accent1"/>
+          </a:fillRef>
+          <a:effectRef idx="0">
+            <a:schemeClr val="accent1"/>
+          </a:effectRef>
+          <a:fontRef idx="minor">
+            <a:schemeClr val="lt1"/>
+          </a:fontRef>
+        </p:style>
+        <p:txBody>
+          <a:bodyPr rtlCol="0" anchor="ctr"/>
+          <a:lstStyle/>
+          <a:p>
+            <a:pPr algn="ctr"/>
+            <a:r>
+              <a:rPr lang="en-US" altLang="zh-CN" dirty="0" smtClean="0"/>
+              <a:t>5</a:t>
+            </a:r>
+            <a:endParaRPr lang="zh-CN" altLang="en-US" dirty="0"/>
+          </a:p>
+        </p:txBody>
+      </p:sp>
+      <p:sp>
+        <p:nvSpPr>
+          <p:cNvPr id="8" name="矩形 7"/>
+          <p:cNvSpPr/>
+          <p:nvPr/>
+        </p:nvSpPr>
+        <p:spPr>
+          <a:xfrm>
+            <a:off x="4211960" y="1844824"/>
+            <a:ext cx="576064" cy="432048"/>
+          </a:xfrm>
+          <a:prstGeom prst="rect">
+            <a:avLst/>
+          </a:prstGeom>
+        </p:spPr>
+        <p:style>
+          <a:lnRef idx="2">
+            <a:schemeClr val="accent1">
+              <a:shade val="50000"/>
+            </a:schemeClr>
+          </a:lnRef>
+          <a:fillRef idx="1">
+            <a:schemeClr val="accent1"/>
+          </a:fillRef>
+          <a:effectRef idx="0">
+            <a:schemeClr val="accent1"/>
+          </a:effectRef>
+          <a:fontRef idx="minor">
+            <a:schemeClr val="lt1"/>
+          </a:fontRef>
+        </p:style>
+        <p:txBody>
+          <a:bodyPr rtlCol="0" anchor="ctr"/>
+          <a:lstStyle/>
+          <a:p>
+            <a:pPr algn="ctr"/>
+            <a:r>
+              <a:rPr lang="en-US" altLang="zh-CN" dirty="0" smtClean="0"/>
+              <a:t>7</a:t>
+            </a:r>
+            <a:endParaRPr lang="zh-CN" altLang="en-US" dirty="0"/>
+          </a:p>
+        </p:txBody>
+      </p:sp>
+      <p:sp>
+        <p:nvSpPr>
+          <p:cNvPr id="9" name="矩形 8"/>
+          <p:cNvSpPr/>
+          <p:nvPr/>
+        </p:nvSpPr>
+        <p:spPr>
+          <a:xfrm>
+            <a:off x="4788024" y="1844824"/>
+            <a:ext cx="576064" cy="432048"/>
+          </a:xfrm>
+          <a:prstGeom prst="rect">
+            <a:avLst/>
+          </a:prstGeom>
+          <a:solidFill>
+            <a:schemeClr val="accent6"/>
+          </a:solidFill>
+        </p:spPr>
+        <p:style>
+          <a:lnRef idx="2">
+            <a:schemeClr val="accent1">
+              <a:shade val="50000"/>
+            </a:schemeClr>
+          </a:lnRef>
+          <a:fillRef idx="1">
+            <a:schemeClr val="accent1"/>
+          </a:fillRef>
+          <a:effectRef idx="0">
+            <a:schemeClr val="accent1"/>
+          </a:effectRef>
+          <a:fontRef idx="minor">
+            <a:schemeClr val="lt1"/>
+          </a:fontRef>
+        </p:style>
+        <p:txBody>
+          <a:bodyPr rtlCol="0" anchor="ctr"/>
+          <a:lstStyle/>
+          <a:p>
+            <a:pPr algn="ctr"/>
+            <a:r>
+              <a:rPr lang="en-US" altLang="zh-CN" dirty="0" smtClean="0"/>
+              <a:t>3</a:t>
+            </a:r>
+            <a:endParaRPr lang="zh-CN" altLang="en-US" dirty="0"/>
+          </a:p>
+        </p:txBody>
+      </p:sp>
+      <p:sp>
+        <p:nvSpPr>
+          <p:cNvPr id="10" name="矩形 9"/>
+          <p:cNvSpPr/>
+          <p:nvPr/>
+        </p:nvSpPr>
+        <p:spPr>
+          <a:xfrm>
+            <a:off x="5364088" y="1844824"/>
+            <a:ext cx="576064" cy="432048"/>
+          </a:xfrm>
+          <a:prstGeom prst="rect">
+            <a:avLst/>
+          </a:prstGeom>
+        </p:spPr>
+        <p:style>
+          <a:lnRef idx="2">
+            <a:schemeClr val="accent1">
+              <a:shade val="50000"/>
+            </a:schemeClr>
+          </a:lnRef>
+          <a:fillRef idx="1">
+            <a:schemeClr val="accent1"/>
+          </a:fillRef>
+          <a:effectRef idx="0">
+            <a:schemeClr val="accent1"/>
+          </a:effectRef>
+          <a:fontRef idx="minor">
+            <a:schemeClr val="lt1"/>
+          </a:fontRef>
+        </p:style>
+        <p:txBody>
+          <a:bodyPr rtlCol="0" anchor="ctr"/>
+          <a:lstStyle/>
+          <a:p>
+            <a:pPr algn="ctr"/>
+            <a:r>
+              <a:rPr lang="en-US" altLang="zh-CN" dirty="0" smtClean="0"/>
+              <a:t>9</a:t>
+            </a:r>
+            <a:endParaRPr lang="zh-CN" altLang="en-US" dirty="0"/>
+          </a:p>
+        </p:txBody>
+      </p:sp>
+      <p:sp>
+        <p:nvSpPr>
+          <p:cNvPr id="11" name="矩形 10"/>
+          <p:cNvSpPr/>
+          <p:nvPr/>
+        </p:nvSpPr>
+        <p:spPr>
+          <a:xfrm>
+            <a:off x="5940152" y="1844824"/>
+            <a:ext cx="576064" cy="432048"/>
+          </a:xfrm>
+          <a:prstGeom prst="rect">
+            <a:avLst/>
+          </a:prstGeom>
+        </p:spPr>
+        <p:style>
+          <a:lnRef idx="2">
+            <a:schemeClr val="accent1">
+              <a:shade val="50000"/>
+            </a:schemeClr>
+          </a:lnRef>
+          <a:fillRef idx="1">
+            <a:schemeClr val="accent1"/>
+          </a:fillRef>
+          <a:effectRef idx="0">
+            <a:schemeClr val="accent1"/>
+          </a:effectRef>
+          <a:fontRef idx="minor">
+            <a:schemeClr val="lt1"/>
+          </a:fontRef>
+        </p:style>
+        <p:txBody>
+          <a:bodyPr rtlCol="0" anchor="ctr"/>
+          <a:lstStyle/>
+          <a:p>
+            <a:pPr algn="ctr"/>
+            <a:r>
+              <a:rPr lang="en-US" altLang="zh-CN" dirty="0" smtClean="0"/>
+              <a:t>8</a:t>
+            </a:r>
+            <a:endParaRPr lang="zh-CN" altLang="en-US" dirty="0"/>
+          </a:p>
+        </p:txBody>
+      </p:sp>
+      <p:sp>
+        <p:nvSpPr>
+          <p:cNvPr id="13" name="矩形 12"/>
+          <p:cNvSpPr/>
+          <p:nvPr/>
+        </p:nvSpPr>
+        <p:spPr>
+          <a:xfrm>
+            <a:off x="3635896" y="332656"/>
+            <a:ext cx="1152128" cy="432048"/>
+          </a:xfrm>
+          <a:prstGeom prst="rect">
+            <a:avLst/>
+          </a:prstGeom>
+        </p:spPr>
+        <p:style>
+          <a:lnRef idx="2">
+            <a:schemeClr val="accent1">
+              <a:shade val="50000"/>
+            </a:schemeClr>
+          </a:lnRef>
+          <a:fillRef idx="1">
+            <a:schemeClr val="accent1"/>
+          </a:fillRef>
+          <a:effectRef idx="0">
+            <a:schemeClr val="accent1"/>
+          </a:effectRef>
+          <a:fontRef idx="minor">
+            <a:schemeClr val="lt1"/>
+          </a:fontRef>
+        </p:style>
+        <p:txBody>
+          <a:bodyPr rtlCol="0" anchor="ctr"/>
+          <a:lstStyle/>
+          <a:p>
+            <a:pPr algn="ctr"/>
+            <a:r>
+              <a:rPr lang="en-US" altLang="zh-CN" dirty="0" smtClean="0"/>
+              <a:t>k == 4</a:t>
+            </a:r>
+            <a:endParaRPr lang="zh-CN" altLang="en-US" dirty="0"/>
+          </a:p>
+        </p:txBody>
+      </p:sp>
+      <p:sp>
+        <p:nvSpPr>
+          <p:cNvPr id="36" name="圆角矩形 35"/>
+          <p:cNvSpPr/>
+          <p:nvPr/>
+        </p:nvSpPr>
+        <p:spPr>
+          <a:xfrm>
+            <a:off x="683568" y="1023222"/>
+            <a:ext cx="2088232" cy="504056"/>
+          </a:xfrm>
+          <a:prstGeom prst="roundRect">
+            <a:avLst/>
+          </a:prstGeom>
+        </p:spPr>
+        <p:style>
+          <a:lnRef idx="2">
+            <a:schemeClr val="accent1">
+              <a:shade val="50000"/>
+            </a:schemeClr>
+          </a:lnRef>
+          <a:fillRef idx="1">
+            <a:schemeClr val="accent1"/>
+          </a:fillRef>
+          <a:effectRef idx="0">
+            <a:schemeClr val="accent1"/>
+          </a:effectRef>
+          <a:fontRef idx="minor">
+            <a:schemeClr val="lt1"/>
+          </a:fontRef>
+        </p:style>
+        <p:txBody>
+          <a:bodyPr rtlCol="0" anchor="ctr"/>
+          <a:lstStyle/>
+          <a:p>
+            <a:pPr algn="ctr"/>
+            <a:r>
+              <a:rPr lang="en-US" altLang="zh-CN" dirty="0" smtClean="0"/>
+              <a:t>6B: O(N </a:t>
+            </a:r>
+            <a:r>
+              <a:rPr lang="en-US" altLang="zh-CN" dirty="0" err="1" smtClean="0"/>
+              <a:t>logN</a:t>
+            </a:r>
+            <a:r>
+              <a:rPr lang="en-US" altLang="zh-CN" dirty="0" smtClean="0"/>
+              <a:t>)</a:t>
+            </a:r>
+          </a:p>
+        </p:txBody>
+      </p:sp>
+      <p:sp>
+        <p:nvSpPr>
+          <p:cNvPr id="27" name="椭圆 26"/>
+          <p:cNvSpPr/>
+          <p:nvPr/>
+        </p:nvSpPr>
+        <p:spPr>
+          <a:xfrm>
+            <a:off x="4256180" y="2852936"/>
+            <a:ext cx="432048" cy="432048"/>
+          </a:xfrm>
+          <a:prstGeom prst="ellipse">
+            <a:avLst/>
+          </a:prstGeom>
+        </p:spPr>
+        <p:style>
+          <a:lnRef idx="2">
+            <a:schemeClr val="accent1">
+              <a:shade val="50000"/>
+            </a:schemeClr>
+          </a:lnRef>
+          <a:fillRef idx="1">
+            <a:schemeClr val="accent1"/>
+          </a:fillRef>
+          <a:effectRef idx="0">
+            <a:schemeClr val="accent1"/>
+          </a:effectRef>
+          <a:fontRef idx="minor">
+            <a:schemeClr val="lt1"/>
+          </a:fontRef>
+        </p:style>
+        <p:txBody>
+          <a:bodyPr rtlCol="0" anchor="ctr"/>
+          <a:lstStyle/>
+          <a:p>
+            <a:pPr algn="ctr"/>
+            <a:r>
+              <a:rPr lang="en-US" altLang="zh-CN" dirty="0" smtClean="0"/>
+              <a:t>4</a:t>
+            </a:r>
+            <a:endParaRPr lang="zh-CN" altLang="en-US" dirty="0"/>
+          </a:p>
+        </p:txBody>
+      </p:sp>
+      <p:cxnSp>
+        <p:nvCxnSpPr>
+          <p:cNvPr id="28" name="直接箭头连接符 27"/>
+          <p:cNvCxnSpPr>
+            <a:stCxn id="27" idx="3"/>
+          </p:cNvCxnSpPr>
+          <p:nvPr/>
+        </p:nvCxnSpPr>
+        <p:spPr>
+          <a:xfrm flipH="1">
+            <a:off x="3968148" y="3221712"/>
+            <a:ext cx="351304" cy="495320"/>
+          </a:xfrm>
+          <a:prstGeom prst="straightConnector1">
+            <a:avLst/>
+          </a:prstGeom>
+          <a:ln>
+            <a:tailEnd type="arrow"/>
+          </a:ln>
+        </p:spPr>
+        <p:style>
+          <a:lnRef idx="1">
+            <a:schemeClr val="accent1"/>
+          </a:lnRef>
+          <a:fillRef idx="0">
+            <a:schemeClr val="accent1"/>
+          </a:fillRef>
+          <a:effectRef idx="0">
+            <a:schemeClr val="accent1"/>
+          </a:effectRef>
+          <a:fontRef idx="minor">
+            <a:schemeClr val="tx1"/>
+          </a:fontRef>
+        </p:style>
+      </p:cxnSp>
+      <p:cxnSp>
+        <p:nvCxnSpPr>
+          <p:cNvPr id="29" name="直接箭头连接符 28"/>
+          <p:cNvCxnSpPr>
+            <a:stCxn id="27" idx="5"/>
+          </p:cNvCxnSpPr>
+          <p:nvPr/>
+        </p:nvCxnSpPr>
+        <p:spPr>
+          <a:xfrm>
+            <a:off x="4624956" y="3221712"/>
+            <a:ext cx="351304" cy="495320"/>
+          </a:xfrm>
+          <a:prstGeom prst="straightConnector1">
+            <a:avLst/>
+          </a:prstGeom>
+          <a:ln>
+            <a:tailEnd type="arrow"/>
+          </a:ln>
+        </p:spPr>
+        <p:style>
+          <a:lnRef idx="1">
+            <a:schemeClr val="accent1"/>
+          </a:lnRef>
+          <a:fillRef idx="0">
+            <a:schemeClr val="accent1"/>
+          </a:fillRef>
+          <a:effectRef idx="0">
+            <a:schemeClr val="accent1"/>
+          </a:effectRef>
+          <a:fontRef idx="minor">
+            <a:schemeClr val="tx1"/>
+          </a:fontRef>
+        </p:style>
+      </p:cxnSp>
+      <p:sp>
+        <p:nvSpPr>
+          <p:cNvPr id="30" name="椭圆 29"/>
+          <p:cNvSpPr/>
+          <p:nvPr/>
+        </p:nvSpPr>
+        <p:spPr>
+          <a:xfrm>
+            <a:off x="3711752" y="3699602"/>
+            <a:ext cx="432048" cy="432048"/>
+          </a:xfrm>
+          <a:prstGeom prst="ellipse">
+            <a:avLst/>
+          </a:prstGeom>
+        </p:spPr>
+        <p:style>
+          <a:lnRef idx="2">
+            <a:schemeClr val="accent1">
+              <a:shade val="50000"/>
+            </a:schemeClr>
+          </a:lnRef>
+          <a:fillRef idx="1">
+            <a:schemeClr val="accent1"/>
+          </a:fillRef>
+          <a:effectRef idx="0">
+            <a:schemeClr val="accent1"/>
+          </a:effectRef>
+          <a:fontRef idx="minor">
+            <a:schemeClr val="lt1"/>
+          </a:fontRef>
+        </p:style>
+        <p:txBody>
+          <a:bodyPr rtlCol="0" anchor="ctr"/>
+          <a:lstStyle/>
+          <a:p>
+            <a:pPr algn="ctr"/>
+            <a:r>
+              <a:rPr lang="en-US" altLang="zh-CN" dirty="0"/>
+              <a:t>7</a:t>
+            </a:r>
+            <a:endParaRPr lang="zh-CN" altLang="en-US" dirty="0"/>
+          </a:p>
+        </p:txBody>
+      </p:sp>
+      <p:sp>
+        <p:nvSpPr>
+          <p:cNvPr id="31" name="椭圆 30"/>
+          <p:cNvSpPr/>
+          <p:nvPr/>
+        </p:nvSpPr>
+        <p:spPr>
+          <a:xfrm>
+            <a:off x="4796754" y="3717032"/>
+            <a:ext cx="432048" cy="432048"/>
+          </a:xfrm>
+          <a:prstGeom prst="ellipse">
+            <a:avLst/>
+          </a:prstGeom>
+        </p:spPr>
+        <p:style>
+          <a:lnRef idx="2">
+            <a:schemeClr val="accent1">
+              <a:shade val="50000"/>
+            </a:schemeClr>
+          </a:lnRef>
+          <a:fillRef idx="1">
+            <a:schemeClr val="accent1"/>
+          </a:fillRef>
+          <a:effectRef idx="0">
+            <a:schemeClr val="accent1"/>
+          </a:effectRef>
+          <a:fontRef idx="minor">
+            <a:schemeClr val="lt1"/>
+          </a:fontRef>
+        </p:style>
+        <p:txBody>
+          <a:bodyPr rtlCol="0" anchor="ctr"/>
+          <a:lstStyle/>
+          <a:p>
+            <a:pPr algn="ctr"/>
+            <a:r>
+              <a:rPr lang="en-US" altLang="zh-CN" dirty="0" smtClean="0"/>
+              <a:t>5</a:t>
+            </a:r>
+            <a:endParaRPr lang="zh-CN" altLang="en-US" dirty="0"/>
+          </a:p>
+        </p:txBody>
+      </p:sp>
+      <p:sp>
+        <p:nvSpPr>
+          <p:cNvPr id="32" name="椭圆 31"/>
+          <p:cNvSpPr/>
+          <p:nvPr/>
+        </p:nvSpPr>
+        <p:spPr>
+          <a:xfrm>
+            <a:off x="3203848" y="4653136"/>
+            <a:ext cx="648073" cy="432048"/>
+          </a:xfrm>
+          <a:prstGeom prst="ellipse">
+            <a:avLst/>
+          </a:prstGeom>
+        </p:spPr>
+        <p:style>
+          <a:lnRef idx="2">
+            <a:schemeClr val="accent1">
+              <a:shade val="50000"/>
+            </a:schemeClr>
+          </a:lnRef>
+          <a:fillRef idx="1">
+            <a:schemeClr val="accent1"/>
+          </a:fillRef>
+          <a:effectRef idx="0">
+            <a:schemeClr val="accent1"/>
+          </a:effectRef>
+          <a:fontRef idx="minor">
+            <a:schemeClr val="lt1"/>
+          </a:fontRef>
+        </p:style>
+        <p:txBody>
+          <a:bodyPr rtlCol="0" anchor="ctr"/>
+          <a:lstStyle/>
+          <a:p>
+            <a:pPr algn="ctr"/>
+            <a:r>
+              <a:rPr lang="en-US" altLang="zh-CN" dirty="0" smtClean="0"/>
+              <a:t>10</a:t>
+            </a:r>
+            <a:endParaRPr lang="zh-CN" altLang="en-US" dirty="0"/>
+          </a:p>
+        </p:txBody>
+      </p:sp>
+      <p:cxnSp>
+        <p:nvCxnSpPr>
+          <p:cNvPr id="33" name="直接箭头连接符 32"/>
+          <p:cNvCxnSpPr>
+            <a:stCxn id="30" idx="3"/>
+            <a:endCxn id="32" idx="0"/>
+          </p:cNvCxnSpPr>
+          <p:nvPr/>
+        </p:nvCxnSpPr>
+        <p:spPr>
+          <a:xfrm flipH="1">
+            <a:off x="3527885" y="4068378"/>
+            <a:ext cx="247139" cy="584758"/>
+          </a:xfrm>
+          <a:prstGeom prst="straightConnector1">
+            <a:avLst/>
+          </a:prstGeom>
+          <a:ln>
+            <a:tailEnd type="arrow"/>
+          </a:ln>
+        </p:spPr>
+        <p:style>
+          <a:lnRef idx="1">
+            <a:schemeClr val="accent1"/>
+          </a:lnRef>
+          <a:fillRef idx="0">
+            <a:schemeClr val="accent1"/>
+          </a:fillRef>
+          <a:effectRef idx="0">
+            <a:schemeClr val="accent1"/>
+          </a:effectRef>
+          <a:fontRef idx="minor">
+            <a:schemeClr val="tx1"/>
+          </a:fontRef>
+        </p:style>
+      </p:cxnSp>
     </p:spTree>
     <p:extLst>
       <p:ext uri="{BB962C8B-B14F-4D97-AF65-F5344CB8AC3E}">
-        <p14:creationId xmlns:p14="http://schemas.microsoft.com/office/powerpoint/2010/main" val="2301525059"/>
+        <p14:creationId xmlns:p14="http://schemas.microsoft.com/office/powerpoint/2010/main" val="2848900193"/>
       </p:ext>
     </p:extLst>
   </p:cSld>
@@ -37177,10 +41654,682 @@
           <a:chExt cx="0" cy="0"/>
         </a:xfrm>
       </p:grpSpPr>
+      <p:sp>
+        <p:nvSpPr>
+          <p:cNvPr id="2" name="圆角矩形 1"/>
+          <p:cNvSpPr/>
+          <p:nvPr/>
+        </p:nvSpPr>
+        <p:spPr>
+          <a:xfrm>
+            <a:off x="251520" y="260648"/>
+            <a:ext cx="2736304" cy="504056"/>
+          </a:xfrm>
+          <a:prstGeom prst="roundRect">
+            <a:avLst/>
+          </a:prstGeom>
+        </p:spPr>
+        <p:style>
+          <a:lnRef idx="2">
+            <a:schemeClr val="accent1">
+              <a:shade val="50000"/>
+            </a:schemeClr>
+          </a:lnRef>
+          <a:fillRef idx="1">
+            <a:schemeClr val="accent1"/>
+          </a:fillRef>
+          <a:effectRef idx="0">
+            <a:schemeClr val="accent1"/>
+          </a:effectRef>
+          <a:fontRef idx="minor">
+            <a:schemeClr val="lt1"/>
+          </a:fontRef>
+        </p:style>
+        <p:txBody>
+          <a:bodyPr rtlCol="0" anchor="ctr"/>
+          <a:lstStyle/>
+          <a:p>
+            <a:pPr algn="ctr"/>
+            <a:r>
+              <a:rPr lang="zh-CN" altLang="en-US" dirty="0" smtClean="0"/>
+              <a:t>寻找第 </a:t>
+            </a:r>
+            <a:r>
+              <a:rPr lang="en-US" altLang="zh-CN" dirty="0" smtClean="0"/>
+              <a:t>k </a:t>
+            </a:r>
+            <a:r>
+              <a:rPr lang="zh-CN" altLang="en-US" dirty="0" smtClean="0"/>
+              <a:t>个最</a:t>
+            </a:r>
+            <a:r>
+              <a:rPr lang="zh-CN" altLang="en-US" dirty="0">
+                <a:solidFill>
+                  <a:schemeClr val="accent6"/>
+                </a:solidFill>
+              </a:rPr>
+              <a:t>大</a:t>
+            </a:r>
+            <a:r>
+              <a:rPr lang="zh-CN" altLang="en-US" dirty="0" smtClean="0"/>
+              <a:t>值</a:t>
+            </a:r>
+            <a:endParaRPr lang="zh-CN" altLang="en-US" dirty="0"/>
+          </a:p>
+        </p:txBody>
+      </p:sp>
+      <p:sp>
+        <p:nvSpPr>
+          <p:cNvPr id="13" name="矩形 12"/>
+          <p:cNvSpPr/>
+          <p:nvPr/>
+        </p:nvSpPr>
+        <p:spPr>
+          <a:xfrm>
+            <a:off x="3635896" y="332656"/>
+            <a:ext cx="1152128" cy="432048"/>
+          </a:xfrm>
+          <a:prstGeom prst="rect">
+            <a:avLst/>
+          </a:prstGeom>
+        </p:spPr>
+        <p:style>
+          <a:lnRef idx="2">
+            <a:schemeClr val="accent1">
+              <a:shade val="50000"/>
+            </a:schemeClr>
+          </a:lnRef>
+          <a:fillRef idx="1">
+            <a:schemeClr val="accent1"/>
+          </a:fillRef>
+          <a:effectRef idx="0">
+            <a:schemeClr val="accent1"/>
+          </a:effectRef>
+          <a:fontRef idx="minor">
+            <a:schemeClr val="lt1"/>
+          </a:fontRef>
+        </p:style>
+        <p:txBody>
+          <a:bodyPr rtlCol="0" anchor="ctr"/>
+          <a:lstStyle/>
+          <a:p>
+            <a:pPr algn="ctr"/>
+            <a:r>
+              <a:rPr lang="en-US" altLang="zh-CN" dirty="0" smtClean="0"/>
+              <a:t>k == 4</a:t>
+            </a:r>
+            <a:endParaRPr lang="zh-CN" altLang="en-US" dirty="0"/>
+          </a:p>
+        </p:txBody>
+      </p:sp>
+      <p:sp>
+        <p:nvSpPr>
+          <p:cNvPr id="19" name="矩形 18"/>
+          <p:cNvSpPr/>
+          <p:nvPr/>
+        </p:nvSpPr>
+        <p:spPr>
+          <a:xfrm>
+            <a:off x="2483768" y="1844824"/>
+            <a:ext cx="576064" cy="432048"/>
+          </a:xfrm>
+          <a:prstGeom prst="rect">
+            <a:avLst/>
+          </a:prstGeom>
+        </p:spPr>
+        <p:style>
+          <a:lnRef idx="2">
+            <a:schemeClr val="accent1">
+              <a:shade val="50000"/>
+            </a:schemeClr>
+          </a:lnRef>
+          <a:fillRef idx="1">
+            <a:schemeClr val="accent1"/>
+          </a:fillRef>
+          <a:effectRef idx="0">
+            <a:schemeClr val="accent1"/>
+          </a:effectRef>
+          <a:fontRef idx="minor">
+            <a:schemeClr val="lt1"/>
+          </a:fontRef>
+        </p:style>
+        <p:txBody>
+          <a:bodyPr rtlCol="0" anchor="ctr"/>
+          <a:lstStyle/>
+          <a:p>
+            <a:pPr algn="ctr"/>
+            <a:r>
+              <a:rPr lang="en-US" altLang="zh-CN" dirty="0" smtClean="0"/>
+              <a:t>10</a:t>
+            </a:r>
+            <a:endParaRPr lang="zh-CN" altLang="en-US" dirty="0"/>
+          </a:p>
+        </p:txBody>
+      </p:sp>
+      <p:sp>
+        <p:nvSpPr>
+          <p:cNvPr id="20" name="矩形 19"/>
+          <p:cNvSpPr/>
+          <p:nvPr/>
+        </p:nvSpPr>
+        <p:spPr>
+          <a:xfrm>
+            <a:off x="3059832" y="1844824"/>
+            <a:ext cx="576064" cy="432048"/>
+          </a:xfrm>
+          <a:prstGeom prst="rect">
+            <a:avLst/>
+          </a:prstGeom>
+        </p:spPr>
+        <p:style>
+          <a:lnRef idx="2">
+            <a:schemeClr val="accent1">
+              <a:shade val="50000"/>
+            </a:schemeClr>
+          </a:lnRef>
+          <a:fillRef idx="1">
+            <a:schemeClr val="accent1"/>
+          </a:fillRef>
+          <a:effectRef idx="0">
+            <a:schemeClr val="accent1"/>
+          </a:effectRef>
+          <a:fontRef idx="minor">
+            <a:schemeClr val="lt1"/>
+          </a:fontRef>
+        </p:style>
+        <p:txBody>
+          <a:bodyPr rtlCol="0" anchor="ctr"/>
+          <a:lstStyle/>
+          <a:p>
+            <a:pPr algn="ctr"/>
+            <a:r>
+              <a:rPr lang="en-US" altLang="zh-CN" dirty="0" smtClean="0"/>
+              <a:t>4</a:t>
+            </a:r>
+            <a:endParaRPr lang="zh-CN" altLang="en-US" dirty="0"/>
+          </a:p>
+        </p:txBody>
+      </p:sp>
+      <p:sp>
+        <p:nvSpPr>
+          <p:cNvPr id="22" name="矩形 21"/>
+          <p:cNvSpPr/>
+          <p:nvPr/>
+        </p:nvSpPr>
+        <p:spPr>
+          <a:xfrm>
+            <a:off x="3635896" y="1844824"/>
+            <a:ext cx="576064" cy="432048"/>
+          </a:xfrm>
+          <a:prstGeom prst="rect">
+            <a:avLst/>
+          </a:prstGeom>
+        </p:spPr>
+        <p:style>
+          <a:lnRef idx="2">
+            <a:schemeClr val="accent1">
+              <a:shade val="50000"/>
+            </a:schemeClr>
+          </a:lnRef>
+          <a:fillRef idx="1">
+            <a:schemeClr val="accent1"/>
+          </a:fillRef>
+          <a:effectRef idx="0">
+            <a:schemeClr val="accent1"/>
+          </a:effectRef>
+          <a:fontRef idx="minor">
+            <a:schemeClr val="lt1"/>
+          </a:fontRef>
+        </p:style>
+        <p:txBody>
+          <a:bodyPr rtlCol="0" anchor="ctr"/>
+          <a:lstStyle/>
+          <a:p>
+            <a:pPr algn="ctr"/>
+            <a:r>
+              <a:rPr lang="en-US" altLang="zh-CN" dirty="0" smtClean="0"/>
+              <a:t>5</a:t>
+            </a:r>
+            <a:endParaRPr lang="zh-CN" altLang="en-US" dirty="0"/>
+          </a:p>
+        </p:txBody>
+      </p:sp>
+      <p:sp>
+        <p:nvSpPr>
+          <p:cNvPr id="23" name="矩形 22"/>
+          <p:cNvSpPr/>
+          <p:nvPr/>
+        </p:nvSpPr>
+        <p:spPr>
+          <a:xfrm>
+            <a:off x="4211960" y="1844824"/>
+            <a:ext cx="576064" cy="432048"/>
+          </a:xfrm>
+          <a:prstGeom prst="rect">
+            <a:avLst/>
+          </a:prstGeom>
+        </p:spPr>
+        <p:style>
+          <a:lnRef idx="2">
+            <a:schemeClr val="accent1">
+              <a:shade val="50000"/>
+            </a:schemeClr>
+          </a:lnRef>
+          <a:fillRef idx="1">
+            <a:schemeClr val="accent1"/>
+          </a:fillRef>
+          <a:effectRef idx="0">
+            <a:schemeClr val="accent1"/>
+          </a:effectRef>
+          <a:fontRef idx="minor">
+            <a:schemeClr val="lt1"/>
+          </a:fontRef>
+        </p:style>
+        <p:txBody>
+          <a:bodyPr rtlCol="0" anchor="ctr"/>
+          <a:lstStyle/>
+          <a:p>
+            <a:pPr algn="ctr"/>
+            <a:r>
+              <a:rPr lang="en-US" altLang="zh-CN" dirty="0" smtClean="0"/>
+              <a:t>7</a:t>
+            </a:r>
+            <a:endParaRPr lang="zh-CN" altLang="en-US" dirty="0"/>
+          </a:p>
+        </p:txBody>
+      </p:sp>
+      <p:sp>
+        <p:nvSpPr>
+          <p:cNvPr id="24" name="矩形 23"/>
+          <p:cNvSpPr/>
+          <p:nvPr/>
+        </p:nvSpPr>
+        <p:spPr>
+          <a:xfrm>
+            <a:off x="4788024" y="1844824"/>
+            <a:ext cx="576064" cy="432048"/>
+          </a:xfrm>
+          <a:prstGeom prst="rect">
+            <a:avLst/>
+          </a:prstGeom>
+        </p:spPr>
+        <p:style>
+          <a:lnRef idx="2">
+            <a:schemeClr val="accent1">
+              <a:shade val="50000"/>
+            </a:schemeClr>
+          </a:lnRef>
+          <a:fillRef idx="1">
+            <a:schemeClr val="accent1"/>
+          </a:fillRef>
+          <a:effectRef idx="0">
+            <a:schemeClr val="accent1"/>
+          </a:effectRef>
+          <a:fontRef idx="minor">
+            <a:schemeClr val="lt1"/>
+          </a:fontRef>
+        </p:style>
+        <p:txBody>
+          <a:bodyPr rtlCol="0" anchor="ctr"/>
+          <a:lstStyle/>
+          <a:p>
+            <a:pPr algn="ctr"/>
+            <a:r>
+              <a:rPr lang="en-US" altLang="zh-CN" dirty="0" smtClean="0"/>
+              <a:t>3</a:t>
+            </a:r>
+            <a:endParaRPr lang="zh-CN" altLang="en-US" dirty="0"/>
+          </a:p>
+        </p:txBody>
+      </p:sp>
+      <p:sp>
+        <p:nvSpPr>
+          <p:cNvPr id="25" name="矩形 24"/>
+          <p:cNvSpPr/>
+          <p:nvPr/>
+        </p:nvSpPr>
+        <p:spPr>
+          <a:xfrm>
+            <a:off x="5364088" y="1844824"/>
+            <a:ext cx="576064" cy="432048"/>
+          </a:xfrm>
+          <a:prstGeom prst="rect">
+            <a:avLst/>
+          </a:prstGeom>
+          <a:solidFill>
+            <a:schemeClr val="accent6"/>
+          </a:solidFill>
+        </p:spPr>
+        <p:style>
+          <a:lnRef idx="2">
+            <a:schemeClr val="accent1">
+              <a:shade val="50000"/>
+            </a:schemeClr>
+          </a:lnRef>
+          <a:fillRef idx="1">
+            <a:schemeClr val="accent1"/>
+          </a:fillRef>
+          <a:effectRef idx="0">
+            <a:schemeClr val="accent1"/>
+          </a:effectRef>
+          <a:fontRef idx="minor">
+            <a:schemeClr val="lt1"/>
+          </a:fontRef>
+        </p:style>
+        <p:txBody>
+          <a:bodyPr rtlCol="0" anchor="ctr"/>
+          <a:lstStyle/>
+          <a:p>
+            <a:pPr algn="ctr"/>
+            <a:r>
+              <a:rPr lang="en-US" altLang="zh-CN" dirty="0" smtClean="0"/>
+              <a:t>9</a:t>
+            </a:r>
+            <a:endParaRPr lang="zh-CN" altLang="en-US" dirty="0"/>
+          </a:p>
+        </p:txBody>
+      </p:sp>
+      <p:sp>
+        <p:nvSpPr>
+          <p:cNvPr id="26" name="矩形 25"/>
+          <p:cNvSpPr/>
+          <p:nvPr/>
+        </p:nvSpPr>
+        <p:spPr>
+          <a:xfrm>
+            <a:off x="5940152" y="1844824"/>
+            <a:ext cx="576064" cy="432048"/>
+          </a:xfrm>
+          <a:prstGeom prst="rect">
+            <a:avLst/>
+          </a:prstGeom>
+        </p:spPr>
+        <p:style>
+          <a:lnRef idx="2">
+            <a:schemeClr val="accent1">
+              <a:shade val="50000"/>
+            </a:schemeClr>
+          </a:lnRef>
+          <a:fillRef idx="1">
+            <a:schemeClr val="accent1"/>
+          </a:fillRef>
+          <a:effectRef idx="0">
+            <a:schemeClr val="accent1"/>
+          </a:effectRef>
+          <a:fontRef idx="minor">
+            <a:schemeClr val="lt1"/>
+          </a:fontRef>
+        </p:style>
+        <p:txBody>
+          <a:bodyPr rtlCol="0" anchor="ctr"/>
+          <a:lstStyle/>
+          <a:p>
+            <a:pPr algn="ctr"/>
+            <a:r>
+              <a:rPr lang="en-US" altLang="zh-CN" dirty="0" smtClean="0"/>
+              <a:t>8</a:t>
+            </a:r>
+            <a:endParaRPr lang="zh-CN" altLang="en-US" dirty="0"/>
+          </a:p>
+        </p:txBody>
+      </p:sp>
+      <p:sp>
+        <p:nvSpPr>
+          <p:cNvPr id="27" name="椭圆 26"/>
+          <p:cNvSpPr/>
+          <p:nvPr/>
+        </p:nvSpPr>
+        <p:spPr>
+          <a:xfrm>
+            <a:off x="4256180" y="2852936"/>
+            <a:ext cx="432048" cy="432048"/>
+          </a:xfrm>
+          <a:prstGeom prst="ellipse">
+            <a:avLst/>
+          </a:prstGeom>
+        </p:spPr>
+        <p:style>
+          <a:lnRef idx="2">
+            <a:schemeClr val="accent1">
+              <a:shade val="50000"/>
+            </a:schemeClr>
+          </a:lnRef>
+          <a:fillRef idx="1">
+            <a:schemeClr val="accent1"/>
+          </a:fillRef>
+          <a:effectRef idx="0">
+            <a:schemeClr val="accent1"/>
+          </a:effectRef>
+          <a:fontRef idx="minor">
+            <a:schemeClr val="lt1"/>
+          </a:fontRef>
+        </p:style>
+        <p:txBody>
+          <a:bodyPr rtlCol="0" anchor="ctr"/>
+          <a:lstStyle/>
+          <a:p>
+            <a:pPr algn="ctr"/>
+            <a:r>
+              <a:rPr lang="en-US" altLang="zh-CN" dirty="0"/>
+              <a:t>5</a:t>
+            </a:r>
+            <a:endParaRPr lang="zh-CN" altLang="en-US" dirty="0"/>
+          </a:p>
+        </p:txBody>
+      </p:sp>
+      <p:cxnSp>
+        <p:nvCxnSpPr>
+          <p:cNvPr id="28" name="直接箭头连接符 27"/>
+          <p:cNvCxnSpPr>
+            <a:stCxn id="27" idx="3"/>
+          </p:cNvCxnSpPr>
+          <p:nvPr/>
+        </p:nvCxnSpPr>
+        <p:spPr>
+          <a:xfrm flipH="1">
+            <a:off x="3968148" y="3221712"/>
+            <a:ext cx="351304" cy="495320"/>
+          </a:xfrm>
+          <a:prstGeom prst="straightConnector1">
+            <a:avLst/>
+          </a:prstGeom>
+          <a:ln>
+            <a:tailEnd type="arrow"/>
+          </a:ln>
+        </p:spPr>
+        <p:style>
+          <a:lnRef idx="1">
+            <a:schemeClr val="accent1"/>
+          </a:lnRef>
+          <a:fillRef idx="0">
+            <a:schemeClr val="accent1"/>
+          </a:fillRef>
+          <a:effectRef idx="0">
+            <a:schemeClr val="accent1"/>
+          </a:effectRef>
+          <a:fontRef idx="minor">
+            <a:schemeClr val="tx1"/>
+          </a:fontRef>
+        </p:style>
+      </p:cxnSp>
+      <p:cxnSp>
+        <p:nvCxnSpPr>
+          <p:cNvPr id="29" name="直接箭头连接符 28"/>
+          <p:cNvCxnSpPr>
+            <a:stCxn id="27" idx="5"/>
+          </p:cNvCxnSpPr>
+          <p:nvPr/>
+        </p:nvCxnSpPr>
+        <p:spPr>
+          <a:xfrm>
+            <a:off x="4624956" y="3221712"/>
+            <a:ext cx="351304" cy="495320"/>
+          </a:xfrm>
+          <a:prstGeom prst="straightConnector1">
+            <a:avLst/>
+          </a:prstGeom>
+          <a:ln>
+            <a:tailEnd type="arrow"/>
+          </a:ln>
+        </p:spPr>
+        <p:style>
+          <a:lnRef idx="1">
+            <a:schemeClr val="accent1"/>
+          </a:lnRef>
+          <a:fillRef idx="0">
+            <a:schemeClr val="accent1"/>
+          </a:fillRef>
+          <a:effectRef idx="0">
+            <a:schemeClr val="accent1"/>
+          </a:effectRef>
+          <a:fontRef idx="minor">
+            <a:schemeClr val="tx1"/>
+          </a:fontRef>
+        </p:style>
+      </p:cxnSp>
+      <p:sp>
+        <p:nvSpPr>
+          <p:cNvPr id="30" name="椭圆 29"/>
+          <p:cNvSpPr/>
+          <p:nvPr/>
+        </p:nvSpPr>
+        <p:spPr>
+          <a:xfrm>
+            <a:off x="3711752" y="3699602"/>
+            <a:ext cx="432048" cy="432048"/>
+          </a:xfrm>
+          <a:prstGeom prst="ellipse">
+            <a:avLst/>
+          </a:prstGeom>
+        </p:spPr>
+        <p:style>
+          <a:lnRef idx="2">
+            <a:schemeClr val="accent1">
+              <a:shade val="50000"/>
+            </a:schemeClr>
+          </a:lnRef>
+          <a:fillRef idx="1">
+            <a:schemeClr val="accent1"/>
+          </a:fillRef>
+          <a:effectRef idx="0">
+            <a:schemeClr val="accent1"/>
+          </a:effectRef>
+          <a:fontRef idx="minor">
+            <a:schemeClr val="lt1"/>
+          </a:fontRef>
+        </p:style>
+        <p:txBody>
+          <a:bodyPr rtlCol="0" anchor="ctr"/>
+          <a:lstStyle/>
+          <a:p>
+            <a:pPr algn="ctr"/>
+            <a:r>
+              <a:rPr lang="en-US" altLang="zh-CN" dirty="0"/>
+              <a:t>7</a:t>
+            </a:r>
+            <a:endParaRPr lang="zh-CN" altLang="en-US" dirty="0"/>
+          </a:p>
+        </p:txBody>
+      </p:sp>
+      <p:sp>
+        <p:nvSpPr>
+          <p:cNvPr id="32" name="椭圆 31"/>
+          <p:cNvSpPr/>
+          <p:nvPr/>
+        </p:nvSpPr>
+        <p:spPr>
+          <a:xfrm>
+            <a:off x="4688228" y="3717032"/>
+            <a:ext cx="648073" cy="432048"/>
+          </a:xfrm>
+          <a:prstGeom prst="ellipse">
+            <a:avLst/>
+          </a:prstGeom>
+        </p:spPr>
+        <p:style>
+          <a:lnRef idx="2">
+            <a:schemeClr val="accent1">
+              <a:shade val="50000"/>
+            </a:schemeClr>
+          </a:lnRef>
+          <a:fillRef idx="1">
+            <a:schemeClr val="accent1"/>
+          </a:fillRef>
+          <a:effectRef idx="0">
+            <a:schemeClr val="accent1"/>
+          </a:effectRef>
+          <a:fontRef idx="minor">
+            <a:schemeClr val="lt1"/>
+          </a:fontRef>
+        </p:style>
+        <p:txBody>
+          <a:bodyPr rtlCol="0" anchor="ctr"/>
+          <a:lstStyle/>
+          <a:p>
+            <a:pPr algn="ctr"/>
+            <a:r>
+              <a:rPr lang="en-US" altLang="zh-CN" dirty="0" smtClean="0"/>
+              <a:t>10</a:t>
+            </a:r>
+            <a:endParaRPr lang="zh-CN" altLang="en-US" dirty="0"/>
+          </a:p>
+        </p:txBody>
+      </p:sp>
+      <p:sp>
+        <p:nvSpPr>
+          <p:cNvPr id="38" name="圆角矩形 37"/>
+          <p:cNvSpPr/>
+          <p:nvPr/>
+        </p:nvSpPr>
+        <p:spPr>
+          <a:xfrm>
+            <a:off x="683568" y="1023222"/>
+            <a:ext cx="2088232" cy="504056"/>
+          </a:xfrm>
+          <a:prstGeom prst="roundRect">
+            <a:avLst/>
+          </a:prstGeom>
+        </p:spPr>
+        <p:style>
+          <a:lnRef idx="2">
+            <a:schemeClr val="accent1">
+              <a:shade val="50000"/>
+            </a:schemeClr>
+          </a:lnRef>
+          <a:fillRef idx="1">
+            <a:schemeClr val="accent1"/>
+          </a:fillRef>
+          <a:effectRef idx="0">
+            <a:schemeClr val="accent1"/>
+          </a:effectRef>
+          <a:fontRef idx="minor">
+            <a:schemeClr val="lt1"/>
+          </a:fontRef>
+        </p:style>
+        <p:txBody>
+          <a:bodyPr rtlCol="0" anchor="ctr"/>
+          <a:lstStyle/>
+          <a:p>
+            <a:pPr algn="ctr"/>
+            <a:r>
+              <a:rPr lang="en-US" altLang="zh-CN" dirty="0" smtClean="0"/>
+              <a:t>6B: O(N </a:t>
+            </a:r>
+            <a:r>
+              <a:rPr lang="en-US" altLang="zh-CN" dirty="0" err="1" smtClean="0"/>
+              <a:t>logN</a:t>
+            </a:r>
+            <a:r>
+              <a:rPr lang="en-US" altLang="zh-CN" dirty="0" smtClean="0"/>
+              <a:t>)</a:t>
+            </a:r>
+          </a:p>
+        </p:txBody>
+      </p:sp>
     </p:spTree>
     <p:extLst>
       <p:ext uri="{BB962C8B-B14F-4D97-AF65-F5344CB8AC3E}">
-        <p14:creationId xmlns:p14="http://schemas.microsoft.com/office/powerpoint/2010/main" val="2301525059"/>
+        <p14:creationId xmlns:p14="http://schemas.microsoft.com/office/powerpoint/2010/main" val="1256246544"/>
       </p:ext>
     </p:extLst>
   </p:cSld>
@@ -37207,10 +42356,761 @@
           <a:chExt cx="0" cy="0"/>
         </a:xfrm>
       </p:grpSpPr>
+      <p:sp>
+        <p:nvSpPr>
+          <p:cNvPr id="2" name="圆角矩形 1"/>
+          <p:cNvSpPr/>
+          <p:nvPr/>
+        </p:nvSpPr>
+        <p:spPr>
+          <a:xfrm>
+            <a:off x="251520" y="260648"/>
+            <a:ext cx="2736304" cy="504056"/>
+          </a:xfrm>
+          <a:prstGeom prst="roundRect">
+            <a:avLst/>
+          </a:prstGeom>
+        </p:spPr>
+        <p:style>
+          <a:lnRef idx="2">
+            <a:schemeClr val="accent1">
+              <a:shade val="50000"/>
+            </a:schemeClr>
+          </a:lnRef>
+          <a:fillRef idx="1">
+            <a:schemeClr val="accent1"/>
+          </a:fillRef>
+          <a:effectRef idx="0">
+            <a:schemeClr val="accent1"/>
+          </a:effectRef>
+          <a:fontRef idx="minor">
+            <a:schemeClr val="lt1"/>
+          </a:fontRef>
+        </p:style>
+        <p:txBody>
+          <a:bodyPr rtlCol="0" anchor="ctr"/>
+          <a:lstStyle/>
+          <a:p>
+            <a:pPr algn="ctr"/>
+            <a:r>
+              <a:rPr lang="zh-CN" altLang="en-US" dirty="0" smtClean="0"/>
+              <a:t>寻找第 </a:t>
+            </a:r>
+            <a:r>
+              <a:rPr lang="en-US" altLang="zh-CN" dirty="0" smtClean="0"/>
+              <a:t>k </a:t>
+            </a:r>
+            <a:r>
+              <a:rPr lang="zh-CN" altLang="en-US" dirty="0" smtClean="0"/>
+              <a:t>个最</a:t>
+            </a:r>
+            <a:r>
+              <a:rPr lang="zh-CN" altLang="en-US" dirty="0">
+                <a:solidFill>
+                  <a:schemeClr val="accent6"/>
+                </a:solidFill>
+              </a:rPr>
+              <a:t>大</a:t>
+            </a:r>
+            <a:r>
+              <a:rPr lang="zh-CN" altLang="en-US" dirty="0" smtClean="0"/>
+              <a:t>值</a:t>
+            </a:r>
+            <a:endParaRPr lang="zh-CN" altLang="en-US" dirty="0"/>
+          </a:p>
+        </p:txBody>
+      </p:sp>
+      <p:sp>
+        <p:nvSpPr>
+          <p:cNvPr id="13" name="矩形 12"/>
+          <p:cNvSpPr/>
+          <p:nvPr/>
+        </p:nvSpPr>
+        <p:spPr>
+          <a:xfrm>
+            <a:off x="3635896" y="332656"/>
+            <a:ext cx="1152128" cy="432048"/>
+          </a:xfrm>
+          <a:prstGeom prst="rect">
+            <a:avLst/>
+          </a:prstGeom>
+        </p:spPr>
+        <p:style>
+          <a:lnRef idx="2">
+            <a:schemeClr val="accent1">
+              <a:shade val="50000"/>
+            </a:schemeClr>
+          </a:lnRef>
+          <a:fillRef idx="1">
+            <a:schemeClr val="accent1"/>
+          </a:fillRef>
+          <a:effectRef idx="0">
+            <a:schemeClr val="accent1"/>
+          </a:effectRef>
+          <a:fontRef idx="minor">
+            <a:schemeClr val="lt1"/>
+          </a:fontRef>
+        </p:style>
+        <p:txBody>
+          <a:bodyPr rtlCol="0" anchor="ctr"/>
+          <a:lstStyle/>
+          <a:p>
+            <a:pPr algn="ctr"/>
+            <a:r>
+              <a:rPr lang="en-US" altLang="zh-CN" dirty="0" smtClean="0"/>
+              <a:t>k == 4</a:t>
+            </a:r>
+            <a:endParaRPr lang="zh-CN" altLang="en-US" dirty="0"/>
+          </a:p>
+        </p:txBody>
+      </p:sp>
+      <p:sp>
+        <p:nvSpPr>
+          <p:cNvPr id="5" name="椭圆 4"/>
+          <p:cNvSpPr/>
+          <p:nvPr/>
+        </p:nvSpPr>
+        <p:spPr>
+          <a:xfrm>
+            <a:off x="4256180" y="2852936"/>
+            <a:ext cx="432048" cy="432048"/>
+          </a:xfrm>
+          <a:prstGeom prst="ellipse">
+            <a:avLst/>
+          </a:prstGeom>
+        </p:spPr>
+        <p:style>
+          <a:lnRef idx="2">
+            <a:schemeClr val="accent1">
+              <a:shade val="50000"/>
+            </a:schemeClr>
+          </a:lnRef>
+          <a:fillRef idx="1">
+            <a:schemeClr val="accent1"/>
+          </a:fillRef>
+          <a:effectRef idx="0">
+            <a:schemeClr val="accent1"/>
+          </a:effectRef>
+          <a:fontRef idx="minor">
+            <a:schemeClr val="lt1"/>
+          </a:fontRef>
+        </p:style>
+        <p:txBody>
+          <a:bodyPr rtlCol="0" anchor="ctr"/>
+          <a:lstStyle/>
+          <a:p>
+            <a:pPr algn="ctr"/>
+            <a:r>
+              <a:rPr lang="en-US" altLang="zh-CN" dirty="0" smtClean="0"/>
+              <a:t>5</a:t>
+            </a:r>
+            <a:endParaRPr lang="zh-CN" altLang="en-US" dirty="0"/>
+          </a:p>
+        </p:txBody>
+      </p:sp>
+      <p:cxnSp>
+        <p:nvCxnSpPr>
+          <p:cNvPr id="16" name="直接箭头连接符 15"/>
+          <p:cNvCxnSpPr>
+            <a:stCxn id="5" idx="3"/>
+          </p:cNvCxnSpPr>
+          <p:nvPr/>
+        </p:nvCxnSpPr>
+        <p:spPr>
+          <a:xfrm flipH="1">
+            <a:off x="3968148" y="3221712"/>
+            <a:ext cx="351304" cy="495320"/>
+          </a:xfrm>
+          <a:prstGeom prst="straightConnector1">
+            <a:avLst/>
+          </a:prstGeom>
+          <a:ln>
+            <a:tailEnd type="arrow"/>
+          </a:ln>
+        </p:spPr>
+        <p:style>
+          <a:lnRef idx="1">
+            <a:schemeClr val="accent1"/>
+          </a:lnRef>
+          <a:fillRef idx="0">
+            <a:schemeClr val="accent1"/>
+          </a:fillRef>
+          <a:effectRef idx="0">
+            <a:schemeClr val="accent1"/>
+          </a:effectRef>
+          <a:fontRef idx="minor">
+            <a:schemeClr val="tx1"/>
+          </a:fontRef>
+        </p:style>
+      </p:cxnSp>
+      <p:cxnSp>
+        <p:nvCxnSpPr>
+          <p:cNvPr id="18" name="直接箭头连接符 17"/>
+          <p:cNvCxnSpPr>
+            <a:stCxn id="5" idx="5"/>
+          </p:cNvCxnSpPr>
+          <p:nvPr/>
+        </p:nvCxnSpPr>
+        <p:spPr>
+          <a:xfrm>
+            <a:off x="4624956" y="3221712"/>
+            <a:ext cx="351304" cy="495320"/>
+          </a:xfrm>
+          <a:prstGeom prst="straightConnector1">
+            <a:avLst/>
+          </a:prstGeom>
+          <a:ln>
+            <a:tailEnd type="arrow"/>
+          </a:ln>
+        </p:spPr>
+        <p:style>
+          <a:lnRef idx="1">
+            <a:schemeClr val="accent1"/>
+          </a:lnRef>
+          <a:fillRef idx="0">
+            <a:schemeClr val="accent1"/>
+          </a:fillRef>
+          <a:effectRef idx="0">
+            <a:schemeClr val="accent1"/>
+          </a:effectRef>
+          <a:fontRef idx="minor">
+            <a:schemeClr val="tx1"/>
+          </a:fontRef>
+        </p:style>
+      </p:cxnSp>
+      <p:sp>
+        <p:nvSpPr>
+          <p:cNvPr id="55" name="椭圆 54"/>
+          <p:cNvSpPr/>
+          <p:nvPr/>
+        </p:nvSpPr>
+        <p:spPr>
+          <a:xfrm>
+            <a:off x="3711752" y="3699602"/>
+            <a:ext cx="432048" cy="432048"/>
+          </a:xfrm>
+          <a:prstGeom prst="ellipse">
+            <a:avLst/>
+          </a:prstGeom>
+        </p:spPr>
+        <p:style>
+          <a:lnRef idx="2">
+            <a:schemeClr val="accent1">
+              <a:shade val="50000"/>
+            </a:schemeClr>
+          </a:lnRef>
+          <a:fillRef idx="1">
+            <a:schemeClr val="accent1"/>
+          </a:fillRef>
+          <a:effectRef idx="0">
+            <a:schemeClr val="accent1"/>
+          </a:effectRef>
+          <a:fontRef idx="minor">
+            <a:schemeClr val="lt1"/>
+          </a:fontRef>
+        </p:style>
+        <p:txBody>
+          <a:bodyPr rtlCol="0" anchor="ctr"/>
+          <a:lstStyle/>
+          <a:p>
+            <a:pPr algn="ctr"/>
+            <a:r>
+              <a:rPr lang="en-US" altLang="zh-CN" dirty="0" smtClean="0"/>
+              <a:t>7</a:t>
+            </a:r>
+            <a:endParaRPr lang="zh-CN" altLang="en-US" dirty="0"/>
+          </a:p>
+        </p:txBody>
+      </p:sp>
+      <p:cxnSp>
+        <p:nvCxnSpPr>
+          <p:cNvPr id="21" name="直接箭头连接符 20"/>
+          <p:cNvCxnSpPr>
+            <a:stCxn id="55" idx="3"/>
+          </p:cNvCxnSpPr>
+          <p:nvPr/>
+        </p:nvCxnSpPr>
+        <p:spPr>
+          <a:xfrm flipH="1">
+            <a:off x="3527885" y="4068378"/>
+            <a:ext cx="247139" cy="584758"/>
+          </a:xfrm>
+          <a:prstGeom prst="straightConnector1">
+            <a:avLst/>
+          </a:prstGeom>
+          <a:ln>
+            <a:tailEnd type="arrow"/>
+          </a:ln>
+        </p:spPr>
+        <p:style>
+          <a:lnRef idx="1">
+            <a:schemeClr val="accent1"/>
+          </a:lnRef>
+          <a:fillRef idx="0">
+            <a:schemeClr val="accent1"/>
+          </a:fillRef>
+          <a:effectRef idx="0">
+            <a:schemeClr val="accent1"/>
+          </a:effectRef>
+          <a:fontRef idx="minor">
+            <a:schemeClr val="tx1"/>
+          </a:fontRef>
+        </p:style>
+      </p:cxnSp>
+      <p:sp>
+        <p:nvSpPr>
+          <p:cNvPr id="19" name="矩形 18"/>
+          <p:cNvSpPr/>
+          <p:nvPr/>
+        </p:nvSpPr>
+        <p:spPr>
+          <a:xfrm>
+            <a:off x="2483768" y="1844824"/>
+            <a:ext cx="576064" cy="432048"/>
+          </a:xfrm>
+          <a:prstGeom prst="rect">
+            <a:avLst/>
+          </a:prstGeom>
+        </p:spPr>
+        <p:style>
+          <a:lnRef idx="2">
+            <a:schemeClr val="accent1">
+              <a:shade val="50000"/>
+            </a:schemeClr>
+          </a:lnRef>
+          <a:fillRef idx="1">
+            <a:schemeClr val="accent1"/>
+          </a:fillRef>
+          <a:effectRef idx="0">
+            <a:schemeClr val="accent1"/>
+          </a:effectRef>
+          <a:fontRef idx="minor">
+            <a:schemeClr val="lt1"/>
+          </a:fontRef>
+        </p:style>
+        <p:txBody>
+          <a:bodyPr rtlCol="0" anchor="ctr"/>
+          <a:lstStyle/>
+          <a:p>
+            <a:pPr algn="ctr"/>
+            <a:r>
+              <a:rPr lang="en-US" altLang="zh-CN" dirty="0" smtClean="0"/>
+              <a:t>10</a:t>
+            </a:r>
+            <a:endParaRPr lang="zh-CN" altLang="en-US" dirty="0"/>
+          </a:p>
+        </p:txBody>
+      </p:sp>
+      <p:sp>
+        <p:nvSpPr>
+          <p:cNvPr id="20" name="矩形 19"/>
+          <p:cNvSpPr/>
+          <p:nvPr/>
+        </p:nvSpPr>
+        <p:spPr>
+          <a:xfrm>
+            <a:off x="3059832" y="1844824"/>
+            <a:ext cx="576064" cy="432048"/>
+          </a:xfrm>
+          <a:prstGeom prst="rect">
+            <a:avLst/>
+          </a:prstGeom>
+        </p:spPr>
+        <p:style>
+          <a:lnRef idx="2">
+            <a:schemeClr val="accent1">
+              <a:shade val="50000"/>
+            </a:schemeClr>
+          </a:lnRef>
+          <a:fillRef idx="1">
+            <a:schemeClr val="accent1"/>
+          </a:fillRef>
+          <a:effectRef idx="0">
+            <a:schemeClr val="accent1"/>
+          </a:effectRef>
+          <a:fontRef idx="minor">
+            <a:schemeClr val="lt1"/>
+          </a:fontRef>
+        </p:style>
+        <p:txBody>
+          <a:bodyPr rtlCol="0" anchor="ctr"/>
+          <a:lstStyle/>
+          <a:p>
+            <a:pPr algn="ctr"/>
+            <a:r>
+              <a:rPr lang="en-US" altLang="zh-CN" dirty="0" smtClean="0"/>
+              <a:t>4</a:t>
+            </a:r>
+            <a:endParaRPr lang="zh-CN" altLang="en-US" dirty="0"/>
+          </a:p>
+        </p:txBody>
+      </p:sp>
+      <p:sp>
+        <p:nvSpPr>
+          <p:cNvPr id="22" name="矩形 21"/>
+          <p:cNvSpPr/>
+          <p:nvPr/>
+        </p:nvSpPr>
+        <p:spPr>
+          <a:xfrm>
+            <a:off x="3635896" y="1844824"/>
+            <a:ext cx="576064" cy="432048"/>
+          </a:xfrm>
+          <a:prstGeom prst="rect">
+            <a:avLst/>
+          </a:prstGeom>
+        </p:spPr>
+        <p:style>
+          <a:lnRef idx="2">
+            <a:schemeClr val="accent1">
+              <a:shade val="50000"/>
+            </a:schemeClr>
+          </a:lnRef>
+          <a:fillRef idx="1">
+            <a:schemeClr val="accent1"/>
+          </a:fillRef>
+          <a:effectRef idx="0">
+            <a:schemeClr val="accent1"/>
+          </a:effectRef>
+          <a:fontRef idx="minor">
+            <a:schemeClr val="lt1"/>
+          </a:fontRef>
+        </p:style>
+        <p:txBody>
+          <a:bodyPr rtlCol="0" anchor="ctr"/>
+          <a:lstStyle/>
+          <a:p>
+            <a:pPr algn="ctr"/>
+            <a:r>
+              <a:rPr lang="en-US" altLang="zh-CN" dirty="0" smtClean="0"/>
+              <a:t>5</a:t>
+            </a:r>
+            <a:endParaRPr lang="zh-CN" altLang="en-US" dirty="0"/>
+          </a:p>
+        </p:txBody>
+      </p:sp>
+      <p:sp>
+        <p:nvSpPr>
+          <p:cNvPr id="23" name="矩形 22"/>
+          <p:cNvSpPr/>
+          <p:nvPr/>
+        </p:nvSpPr>
+        <p:spPr>
+          <a:xfrm>
+            <a:off x="4211960" y="1844824"/>
+            <a:ext cx="576064" cy="432048"/>
+          </a:xfrm>
+          <a:prstGeom prst="rect">
+            <a:avLst/>
+          </a:prstGeom>
+        </p:spPr>
+        <p:style>
+          <a:lnRef idx="2">
+            <a:schemeClr val="accent1">
+              <a:shade val="50000"/>
+            </a:schemeClr>
+          </a:lnRef>
+          <a:fillRef idx="1">
+            <a:schemeClr val="accent1"/>
+          </a:fillRef>
+          <a:effectRef idx="0">
+            <a:schemeClr val="accent1"/>
+          </a:effectRef>
+          <a:fontRef idx="minor">
+            <a:schemeClr val="lt1"/>
+          </a:fontRef>
+        </p:style>
+        <p:txBody>
+          <a:bodyPr rtlCol="0" anchor="ctr"/>
+          <a:lstStyle/>
+          <a:p>
+            <a:pPr algn="ctr"/>
+            <a:r>
+              <a:rPr lang="en-US" altLang="zh-CN" dirty="0" smtClean="0"/>
+              <a:t>7</a:t>
+            </a:r>
+            <a:endParaRPr lang="zh-CN" altLang="en-US" dirty="0"/>
+          </a:p>
+        </p:txBody>
+      </p:sp>
+      <p:sp>
+        <p:nvSpPr>
+          <p:cNvPr id="24" name="矩形 23"/>
+          <p:cNvSpPr/>
+          <p:nvPr/>
+        </p:nvSpPr>
+        <p:spPr>
+          <a:xfrm>
+            <a:off x="4788024" y="1844824"/>
+            <a:ext cx="576064" cy="432048"/>
+          </a:xfrm>
+          <a:prstGeom prst="rect">
+            <a:avLst/>
+          </a:prstGeom>
+        </p:spPr>
+        <p:style>
+          <a:lnRef idx="2">
+            <a:schemeClr val="accent1">
+              <a:shade val="50000"/>
+            </a:schemeClr>
+          </a:lnRef>
+          <a:fillRef idx="1">
+            <a:schemeClr val="accent1"/>
+          </a:fillRef>
+          <a:effectRef idx="0">
+            <a:schemeClr val="accent1"/>
+          </a:effectRef>
+          <a:fontRef idx="minor">
+            <a:schemeClr val="lt1"/>
+          </a:fontRef>
+        </p:style>
+        <p:txBody>
+          <a:bodyPr rtlCol="0" anchor="ctr"/>
+          <a:lstStyle/>
+          <a:p>
+            <a:pPr algn="ctr"/>
+            <a:r>
+              <a:rPr lang="en-US" altLang="zh-CN" dirty="0" smtClean="0"/>
+              <a:t>3</a:t>
+            </a:r>
+            <a:endParaRPr lang="zh-CN" altLang="en-US" dirty="0"/>
+          </a:p>
+        </p:txBody>
+      </p:sp>
+      <p:sp>
+        <p:nvSpPr>
+          <p:cNvPr id="25" name="矩形 24"/>
+          <p:cNvSpPr/>
+          <p:nvPr/>
+        </p:nvSpPr>
+        <p:spPr>
+          <a:xfrm>
+            <a:off x="5364088" y="1844824"/>
+            <a:ext cx="576064" cy="432048"/>
+          </a:xfrm>
+          <a:prstGeom prst="rect">
+            <a:avLst/>
+          </a:prstGeom>
+          <a:solidFill>
+            <a:schemeClr val="accent6"/>
+          </a:solidFill>
+        </p:spPr>
+        <p:style>
+          <a:lnRef idx="2">
+            <a:schemeClr val="accent1">
+              <a:shade val="50000"/>
+            </a:schemeClr>
+          </a:lnRef>
+          <a:fillRef idx="1">
+            <a:schemeClr val="accent1"/>
+          </a:fillRef>
+          <a:effectRef idx="0">
+            <a:schemeClr val="accent1"/>
+          </a:effectRef>
+          <a:fontRef idx="minor">
+            <a:schemeClr val="lt1"/>
+          </a:fontRef>
+        </p:style>
+        <p:txBody>
+          <a:bodyPr rtlCol="0" anchor="ctr"/>
+          <a:lstStyle/>
+          <a:p>
+            <a:pPr algn="ctr"/>
+            <a:r>
+              <a:rPr lang="en-US" altLang="zh-CN" dirty="0" smtClean="0"/>
+              <a:t>9</a:t>
+            </a:r>
+            <a:endParaRPr lang="zh-CN" altLang="en-US" dirty="0"/>
+          </a:p>
+        </p:txBody>
+      </p:sp>
+      <p:sp>
+        <p:nvSpPr>
+          <p:cNvPr id="26" name="矩形 25"/>
+          <p:cNvSpPr/>
+          <p:nvPr/>
+        </p:nvSpPr>
+        <p:spPr>
+          <a:xfrm>
+            <a:off x="5940152" y="1844824"/>
+            <a:ext cx="576064" cy="432048"/>
+          </a:xfrm>
+          <a:prstGeom prst="rect">
+            <a:avLst/>
+          </a:prstGeom>
+        </p:spPr>
+        <p:style>
+          <a:lnRef idx="2">
+            <a:schemeClr val="accent1">
+              <a:shade val="50000"/>
+            </a:schemeClr>
+          </a:lnRef>
+          <a:fillRef idx="1">
+            <a:schemeClr val="accent1"/>
+          </a:fillRef>
+          <a:effectRef idx="0">
+            <a:schemeClr val="accent1"/>
+          </a:effectRef>
+          <a:fontRef idx="minor">
+            <a:schemeClr val="lt1"/>
+          </a:fontRef>
+        </p:style>
+        <p:txBody>
+          <a:bodyPr rtlCol="0" anchor="ctr"/>
+          <a:lstStyle/>
+          <a:p>
+            <a:pPr algn="ctr"/>
+            <a:r>
+              <a:rPr lang="en-US" altLang="zh-CN" dirty="0" smtClean="0"/>
+              <a:t>8</a:t>
+            </a:r>
+            <a:endParaRPr lang="zh-CN" altLang="en-US" dirty="0"/>
+          </a:p>
+        </p:txBody>
+      </p:sp>
+      <p:sp>
+        <p:nvSpPr>
+          <p:cNvPr id="27" name="椭圆 26"/>
+          <p:cNvSpPr/>
+          <p:nvPr/>
+        </p:nvSpPr>
+        <p:spPr>
+          <a:xfrm>
+            <a:off x="4688228" y="3717032"/>
+            <a:ext cx="648073" cy="432048"/>
+          </a:xfrm>
+          <a:prstGeom prst="ellipse">
+            <a:avLst/>
+          </a:prstGeom>
+        </p:spPr>
+        <p:style>
+          <a:lnRef idx="2">
+            <a:schemeClr val="accent1">
+              <a:shade val="50000"/>
+            </a:schemeClr>
+          </a:lnRef>
+          <a:fillRef idx="1">
+            <a:schemeClr val="accent1"/>
+          </a:fillRef>
+          <a:effectRef idx="0">
+            <a:schemeClr val="accent1"/>
+          </a:effectRef>
+          <a:fontRef idx="minor">
+            <a:schemeClr val="lt1"/>
+          </a:fontRef>
+        </p:style>
+        <p:txBody>
+          <a:bodyPr rtlCol="0" anchor="ctr"/>
+          <a:lstStyle/>
+          <a:p>
+            <a:pPr algn="ctr"/>
+            <a:r>
+              <a:rPr lang="en-US" altLang="zh-CN" dirty="0" smtClean="0"/>
+              <a:t>10</a:t>
+            </a:r>
+            <a:endParaRPr lang="zh-CN" altLang="en-US" dirty="0"/>
+          </a:p>
+        </p:txBody>
+      </p:sp>
+      <p:sp>
+        <p:nvSpPr>
+          <p:cNvPr id="28" name="椭圆 27"/>
+          <p:cNvSpPr/>
+          <p:nvPr/>
+        </p:nvSpPr>
+        <p:spPr>
+          <a:xfrm>
+            <a:off x="3311861" y="4653136"/>
+            <a:ext cx="432048" cy="432048"/>
+          </a:xfrm>
+          <a:prstGeom prst="ellipse">
+            <a:avLst/>
+          </a:prstGeom>
+        </p:spPr>
+        <p:style>
+          <a:lnRef idx="2">
+            <a:schemeClr val="accent1">
+              <a:shade val="50000"/>
+            </a:schemeClr>
+          </a:lnRef>
+          <a:fillRef idx="1">
+            <a:schemeClr val="accent1"/>
+          </a:fillRef>
+          <a:effectRef idx="0">
+            <a:schemeClr val="accent1"/>
+          </a:effectRef>
+          <a:fontRef idx="minor">
+            <a:schemeClr val="lt1"/>
+          </a:fontRef>
+        </p:style>
+        <p:txBody>
+          <a:bodyPr rtlCol="0" anchor="ctr"/>
+          <a:lstStyle/>
+          <a:p>
+            <a:pPr algn="ctr"/>
+            <a:r>
+              <a:rPr lang="en-US" altLang="zh-CN" dirty="0"/>
+              <a:t>9</a:t>
+            </a:r>
+            <a:endParaRPr lang="zh-CN" altLang="en-US" dirty="0"/>
+          </a:p>
+        </p:txBody>
+      </p:sp>
+      <p:sp>
+        <p:nvSpPr>
+          <p:cNvPr id="29" name="圆角矩形 28"/>
+          <p:cNvSpPr/>
+          <p:nvPr/>
+        </p:nvSpPr>
+        <p:spPr>
+          <a:xfrm>
+            <a:off x="683568" y="1023222"/>
+            <a:ext cx="2088232" cy="504056"/>
+          </a:xfrm>
+          <a:prstGeom prst="roundRect">
+            <a:avLst/>
+          </a:prstGeom>
+        </p:spPr>
+        <p:style>
+          <a:lnRef idx="2">
+            <a:schemeClr val="accent1">
+              <a:shade val="50000"/>
+            </a:schemeClr>
+          </a:lnRef>
+          <a:fillRef idx="1">
+            <a:schemeClr val="accent1"/>
+          </a:fillRef>
+          <a:effectRef idx="0">
+            <a:schemeClr val="accent1"/>
+          </a:effectRef>
+          <a:fontRef idx="minor">
+            <a:schemeClr val="lt1"/>
+          </a:fontRef>
+        </p:style>
+        <p:txBody>
+          <a:bodyPr rtlCol="0" anchor="ctr"/>
+          <a:lstStyle/>
+          <a:p>
+            <a:pPr algn="ctr"/>
+            <a:r>
+              <a:rPr lang="en-US" altLang="zh-CN" dirty="0" smtClean="0"/>
+              <a:t>6B: O(N </a:t>
+            </a:r>
+            <a:r>
+              <a:rPr lang="en-US" altLang="zh-CN" dirty="0" err="1" smtClean="0"/>
+              <a:t>logN</a:t>
+            </a:r>
+            <a:r>
+              <a:rPr lang="en-US" altLang="zh-CN" dirty="0" smtClean="0"/>
+              <a:t>)</a:t>
+            </a:r>
+          </a:p>
+        </p:txBody>
+      </p:sp>
     </p:spTree>
     <p:extLst>
       <p:ext uri="{BB962C8B-B14F-4D97-AF65-F5344CB8AC3E}">
-        <p14:creationId xmlns:p14="http://schemas.microsoft.com/office/powerpoint/2010/main" val="2301525059"/>
+        <p14:creationId xmlns:p14="http://schemas.microsoft.com/office/powerpoint/2010/main" val="3291489159"/>
       </p:ext>
     </p:extLst>
   </p:cSld>
@@ -37221,6 +43121,1496 @@
 </file>
 
 <file path=ppt/slides/slide37.xml><?xml version="1.0" encoding="utf-8"?>
+<p:sld xmlns:a="http://schemas.openxmlformats.org/drawingml/2006/main" xmlns:r="http://schemas.openxmlformats.org/officeDocument/2006/relationships" xmlns:p="http://schemas.openxmlformats.org/presentationml/2006/main">
+  <p:cSld>
+    <p:spTree>
+      <p:nvGrpSpPr>
+        <p:cNvPr id="1" name=""/>
+        <p:cNvGrpSpPr/>
+        <p:nvPr/>
+      </p:nvGrpSpPr>
+      <p:grpSpPr>
+        <a:xfrm>
+          <a:off x="0" y="0"/>
+          <a:ext cx="0" cy="0"/>
+          <a:chOff x="0" y="0"/>
+          <a:chExt cx="0" cy="0"/>
+        </a:xfrm>
+      </p:grpSpPr>
+      <p:sp>
+        <p:nvSpPr>
+          <p:cNvPr id="2" name="圆角矩形 1"/>
+          <p:cNvSpPr/>
+          <p:nvPr/>
+        </p:nvSpPr>
+        <p:spPr>
+          <a:xfrm>
+            <a:off x="251520" y="260648"/>
+            <a:ext cx="2736304" cy="504056"/>
+          </a:xfrm>
+          <a:prstGeom prst="roundRect">
+            <a:avLst/>
+          </a:prstGeom>
+        </p:spPr>
+        <p:style>
+          <a:lnRef idx="2">
+            <a:schemeClr val="accent1">
+              <a:shade val="50000"/>
+            </a:schemeClr>
+          </a:lnRef>
+          <a:fillRef idx="1">
+            <a:schemeClr val="accent1"/>
+          </a:fillRef>
+          <a:effectRef idx="0">
+            <a:schemeClr val="accent1"/>
+          </a:effectRef>
+          <a:fontRef idx="minor">
+            <a:schemeClr val="lt1"/>
+          </a:fontRef>
+        </p:style>
+        <p:txBody>
+          <a:bodyPr rtlCol="0" anchor="ctr"/>
+          <a:lstStyle/>
+          <a:p>
+            <a:pPr algn="ctr"/>
+            <a:r>
+              <a:rPr lang="zh-CN" altLang="en-US" dirty="0" smtClean="0"/>
+              <a:t>寻找第 </a:t>
+            </a:r>
+            <a:r>
+              <a:rPr lang="en-US" altLang="zh-CN" dirty="0" smtClean="0"/>
+              <a:t>k </a:t>
+            </a:r>
+            <a:r>
+              <a:rPr lang="zh-CN" altLang="en-US" dirty="0" smtClean="0"/>
+              <a:t>个最</a:t>
+            </a:r>
+            <a:r>
+              <a:rPr lang="zh-CN" altLang="en-US" dirty="0">
+                <a:solidFill>
+                  <a:schemeClr val="accent6"/>
+                </a:solidFill>
+              </a:rPr>
+              <a:t>大</a:t>
+            </a:r>
+            <a:r>
+              <a:rPr lang="zh-CN" altLang="en-US" dirty="0" smtClean="0"/>
+              <a:t>值</a:t>
+            </a:r>
+            <a:endParaRPr lang="zh-CN" altLang="en-US" dirty="0"/>
+          </a:p>
+        </p:txBody>
+      </p:sp>
+      <p:sp>
+        <p:nvSpPr>
+          <p:cNvPr id="13" name="矩形 12"/>
+          <p:cNvSpPr/>
+          <p:nvPr/>
+        </p:nvSpPr>
+        <p:spPr>
+          <a:xfrm>
+            <a:off x="3635896" y="332656"/>
+            <a:ext cx="1152128" cy="432048"/>
+          </a:xfrm>
+          <a:prstGeom prst="rect">
+            <a:avLst/>
+          </a:prstGeom>
+        </p:spPr>
+        <p:style>
+          <a:lnRef idx="2">
+            <a:schemeClr val="accent1">
+              <a:shade val="50000"/>
+            </a:schemeClr>
+          </a:lnRef>
+          <a:fillRef idx="1">
+            <a:schemeClr val="accent1"/>
+          </a:fillRef>
+          <a:effectRef idx="0">
+            <a:schemeClr val="accent1"/>
+          </a:effectRef>
+          <a:fontRef idx="minor">
+            <a:schemeClr val="lt1"/>
+          </a:fontRef>
+        </p:style>
+        <p:txBody>
+          <a:bodyPr rtlCol="0" anchor="ctr"/>
+          <a:lstStyle/>
+          <a:p>
+            <a:pPr algn="ctr"/>
+            <a:r>
+              <a:rPr lang="en-US" altLang="zh-CN" dirty="0" smtClean="0"/>
+              <a:t>k == 4</a:t>
+            </a:r>
+            <a:endParaRPr lang="zh-CN" altLang="en-US" dirty="0"/>
+          </a:p>
+        </p:txBody>
+      </p:sp>
+      <p:sp>
+        <p:nvSpPr>
+          <p:cNvPr id="19" name="矩形 18"/>
+          <p:cNvSpPr/>
+          <p:nvPr/>
+        </p:nvSpPr>
+        <p:spPr>
+          <a:xfrm>
+            <a:off x="2483768" y="1844824"/>
+            <a:ext cx="576064" cy="432048"/>
+          </a:xfrm>
+          <a:prstGeom prst="rect">
+            <a:avLst/>
+          </a:prstGeom>
+        </p:spPr>
+        <p:style>
+          <a:lnRef idx="2">
+            <a:schemeClr val="accent1">
+              <a:shade val="50000"/>
+            </a:schemeClr>
+          </a:lnRef>
+          <a:fillRef idx="1">
+            <a:schemeClr val="accent1"/>
+          </a:fillRef>
+          <a:effectRef idx="0">
+            <a:schemeClr val="accent1"/>
+          </a:effectRef>
+          <a:fontRef idx="minor">
+            <a:schemeClr val="lt1"/>
+          </a:fontRef>
+        </p:style>
+        <p:txBody>
+          <a:bodyPr rtlCol="0" anchor="ctr"/>
+          <a:lstStyle/>
+          <a:p>
+            <a:pPr algn="ctr"/>
+            <a:r>
+              <a:rPr lang="en-US" altLang="zh-CN" dirty="0" smtClean="0"/>
+              <a:t>10</a:t>
+            </a:r>
+            <a:endParaRPr lang="zh-CN" altLang="en-US" dirty="0"/>
+          </a:p>
+        </p:txBody>
+      </p:sp>
+      <p:sp>
+        <p:nvSpPr>
+          <p:cNvPr id="20" name="矩形 19"/>
+          <p:cNvSpPr/>
+          <p:nvPr/>
+        </p:nvSpPr>
+        <p:spPr>
+          <a:xfrm>
+            <a:off x="3059832" y="1844824"/>
+            <a:ext cx="576064" cy="432048"/>
+          </a:xfrm>
+          <a:prstGeom prst="rect">
+            <a:avLst/>
+          </a:prstGeom>
+        </p:spPr>
+        <p:style>
+          <a:lnRef idx="2">
+            <a:schemeClr val="accent1">
+              <a:shade val="50000"/>
+            </a:schemeClr>
+          </a:lnRef>
+          <a:fillRef idx="1">
+            <a:schemeClr val="accent1"/>
+          </a:fillRef>
+          <a:effectRef idx="0">
+            <a:schemeClr val="accent1"/>
+          </a:effectRef>
+          <a:fontRef idx="minor">
+            <a:schemeClr val="lt1"/>
+          </a:fontRef>
+        </p:style>
+        <p:txBody>
+          <a:bodyPr rtlCol="0" anchor="ctr"/>
+          <a:lstStyle/>
+          <a:p>
+            <a:pPr algn="ctr"/>
+            <a:r>
+              <a:rPr lang="en-US" altLang="zh-CN" dirty="0" smtClean="0"/>
+              <a:t>4</a:t>
+            </a:r>
+            <a:endParaRPr lang="zh-CN" altLang="en-US" dirty="0"/>
+          </a:p>
+        </p:txBody>
+      </p:sp>
+      <p:sp>
+        <p:nvSpPr>
+          <p:cNvPr id="22" name="矩形 21"/>
+          <p:cNvSpPr/>
+          <p:nvPr/>
+        </p:nvSpPr>
+        <p:spPr>
+          <a:xfrm>
+            <a:off x="3635896" y="1844824"/>
+            <a:ext cx="576064" cy="432048"/>
+          </a:xfrm>
+          <a:prstGeom prst="rect">
+            <a:avLst/>
+          </a:prstGeom>
+        </p:spPr>
+        <p:style>
+          <a:lnRef idx="2">
+            <a:schemeClr val="accent1">
+              <a:shade val="50000"/>
+            </a:schemeClr>
+          </a:lnRef>
+          <a:fillRef idx="1">
+            <a:schemeClr val="accent1"/>
+          </a:fillRef>
+          <a:effectRef idx="0">
+            <a:schemeClr val="accent1"/>
+          </a:effectRef>
+          <a:fontRef idx="minor">
+            <a:schemeClr val="lt1"/>
+          </a:fontRef>
+        </p:style>
+        <p:txBody>
+          <a:bodyPr rtlCol="0" anchor="ctr"/>
+          <a:lstStyle/>
+          <a:p>
+            <a:pPr algn="ctr"/>
+            <a:r>
+              <a:rPr lang="en-US" altLang="zh-CN" dirty="0" smtClean="0"/>
+              <a:t>5</a:t>
+            </a:r>
+            <a:endParaRPr lang="zh-CN" altLang="en-US" dirty="0"/>
+          </a:p>
+        </p:txBody>
+      </p:sp>
+      <p:sp>
+        <p:nvSpPr>
+          <p:cNvPr id="23" name="矩形 22"/>
+          <p:cNvSpPr/>
+          <p:nvPr/>
+        </p:nvSpPr>
+        <p:spPr>
+          <a:xfrm>
+            <a:off x="4211960" y="1844824"/>
+            <a:ext cx="576064" cy="432048"/>
+          </a:xfrm>
+          <a:prstGeom prst="rect">
+            <a:avLst/>
+          </a:prstGeom>
+        </p:spPr>
+        <p:style>
+          <a:lnRef idx="2">
+            <a:schemeClr val="accent1">
+              <a:shade val="50000"/>
+            </a:schemeClr>
+          </a:lnRef>
+          <a:fillRef idx="1">
+            <a:schemeClr val="accent1"/>
+          </a:fillRef>
+          <a:effectRef idx="0">
+            <a:schemeClr val="accent1"/>
+          </a:effectRef>
+          <a:fontRef idx="minor">
+            <a:schemeClr val="lt1"/>
+          </a:fontRef>
+        </p:style>
+        <p:txBody>
+          <a:bodyPr rtlCol="0" anchor="ctr"/>
+          <a:lstStyle/>
+          <a:p>
+            <a:pPr algn="ctr"/>
+            <a:r>
+              <a:rPr lang="en-US" altLang="zh-CN" dirty="0" smtClean="0"/>
+              <a:t>7</a:t>
+            </a:r>
+            <a:endParaRPr lang="zh-CN" altLang="en-US" dirty="0"/>
+          </a:p>
+        </p:txBody>
+      </p:sp>
+      <p:sp>
+        <p:nvSpPr>
+          <p:cNvPr id="24" name="矩形 23"/>
+          <p:cNvSpPr/>
+          <p:nvPr/>
+        </p:nvSpPr>
+        <p:spPr>
+          <a:xfrm>
+            <a:off x="4788024" y="1844824"/>
+            <a:ext cx="576064" cy="432048"/>
+          </a:xfrm>
+          <a:prstGeom prst="rect">
+            <a:avLst/>
+          </a:prstGeom>
+        </p:spPr>
+        <p:style>
+          <a:lnRef idx="2">
+            <a:schemeClr val="accent1">
+              <a:shade val="50000"/>
+            </a:schemeClr>
+          </a:lnRef>
+          <a:fillRef idx="1">
+            <a:schemeClr val="accent1"/>
+          </a:fillRef>
+          <a:effectRef idx="0">
+            <a:schemeClr val="accent1"/>
+          </a:effectRef>
+          <a:fontRef idx="minor">
+            <a:schemeClr val="lt1"/>
+          </a:fontRef>
+        </p:style>
+        <p:txBody>
+          <a:bodyPr rtlCol="0" anchor="ctr"/>
+          <a:lstStyle/>
+          <a:p>
+            <a:pPr algn="ctr"/>
+            <a:r>
+              <a:rPr lang="en-US" altLang="zh-CN" dirty="0" smtClean="0"/>
+              <a:t>3</a:t>
+            </a:r>
+            <a:endParaRPr lang="zh-CN" altLang="en-US" dirty="0"/>
+          </a:p>
+        </p:txBody>
+      </p:sp>
+      <p:sp>
+        <p:nvSpPr>
+          <p:cNvPr id="25" name="矩形 24"/>
+          <p:cNvSpPr/>
+          <p:nvPr/>
+        </p:nvSpPr>
+        <p:spPr>
+          <a:xfrm>
+            <a:off x="5364088" y="1844824"/>
+            <a:ext cx="576064" cy="432048"/>
+          </a:xfrm>
+          <a:prstGeom prst="rect">
+            <a:avLst/>
+          </a:prstGeom>
+          <a:solidFill>
+            <a:schemeClr val="accent1"/>
+          </a:solidFill>
+        </p:spPr>
+        <p:style>
+          <a:lnRef idx="2">
+            <a:schemeClr val="accent1">
+              <a:shade val="50000"/>
+            </a:schemeClr>
+          </a:lnRef>
+          <a:fillRef idx="1">
+            <a:schemeClr val="accent1"/>
+          </a:fillRef>
+          <a:effectRef idx="0">
+            <a:schemeClr val="accent1"/>
+          </a:effectRef>
+          <a:fontRef idx="minor">
+            <a:schemeClr val="lt1"/>
+          </a:fontRef>
+        </p:style>
+        <p:txBody>
+          <a:bodyPr rtlCol="0" anchor="ctr"/>
+          <a:lstStyle/>
+          <a:p>
+            <a:pPr algn="ctr"/>
+            <a:r>
+              <a:rPr lang="en-US" altLang="zh-CN" dirty="0" smtClean="0"/>
+              <a:t>9</a:t>
+            </a:r>
+            <a:endParaRPr lang="zh-CN" altLang="en-US" dirty="0"/>
+          </a:p>
+        </p:txBody>
+      </p:sp>
+      <p:sp>
+        <p:nvSpPr>
+          <p:cNvPr id="26" name="矩形 25"/>
+          <p:cNvSpPr/>
+          <p:nvPr/>
+        </p:nvSpPr>
+        <p:spPr>
+          <a:xfrm>
+            <a:off x="5940152" y="1844824"/>
+            <a:ext cx="576064" cy="432048"/>
+          </a:xfrm>
+          <a:prstGeom prst="rect">
+            <a:avLst/>
+          </a:prstGeom>
+          <a:solidFill>
+            <a:schemeClr val="accent6"/>
+          </a:solidFill>
+        </p:spPr>
+        <p:style>
+          <a:lnRef idx="2">
+            <a:schemeClr val="accent1">
+              <a:shade val="50000"/>
+            </a:schemeClr>
+          </a:lnRef>
+          <a:fillRef idx="1">
+            <a:schemeClr val="accent1"/>
+          </a:fillRef>
+          <a:effectRef idx="0">
+            <a:schemeClr val="accent1"/>
+          </a:effectRef>
+          <a:fontRef idx="minor">
+            <a:schemeClr val="lt1"/>
+          </a:fontRef>
+        </p:style>
+        <p:txBody>
+          <a:bodyPr rtlCol="0" anchor="ctr"/>
+          <a:lstStyle/>
+          <a:p>
+            <a:pPr algn="ctr"/>
+            <a:r>
+              <a:rPr lang="en-US" altLang="zh-CN" dirty="0" smtClean="0"/>
+              <a:t>8</a:t>
+            </a:r>
+            <a:endParaRPr lang="zh-CN" altLang="en-US" dirty="0"/>
+          </a:p>
+        </p:txBody>
+      </p:sp>
+      <p:sp>
+        <p:nvSpPr>
+          <p:cNvPr id="34" name="椭圆 33"/>
+          <p:cNvSpPr/>
+          <p:nvPr/>
+        </p:nvSpPr>
+        <p:spPr>
+          <a:xfrm>
+            <a:off x="4256180" y="2852936"/>
+            <a:ext cx="432048" cy="432048"/>
+          </a:xfrm>
+          <a:prstGeom prst="ellipse">
+            <a:avLst/>
+          </a:prstGeom>
+        </p:spPr>
+        <p:style>
+          <a:lnRef idx="2">
+            <a:schemeClr val="accent1">
+              <a:shade val="50000"/>
+            </a:schemeClr>
+          </a:lnRef>
+          <a:fillRef idx="1">
+            <a:schemeClr val="accent1"/>
+          </a:fillRef>
+          <a:effectRef idx="0">
+            <a:schemeClr val="accent1"/>
+          </a:effectRef>
+          <a:fontRef idx="minor">
+            <a:schemeClr val="lt1"/>
+          </a:fontRef>
+        </p:style>
+        <p:txBody>
+          <a:bodyPr rtlCol="0" anchor="ctr"/>
+          <a:lstStyle/>
+          <a:p>
+            <a:pPr algn="ctr"/>
+            <a:r>
+              <a:rPr lang="en-US" altLang="zh-CN" dirty="0" smtClean="0"/>
+              <a:t>7</a:t>
+            </a:r>
+            <a:endParaRPr lang="zh-CN" altLang="en-US" dirty="0"/>
+          </a:p>
+        </p:txBody>
+      </p:sp>
+      <p:cxnSp>
+        <p:nvCxnSpPr>
+          <p:cNvPr id="35" name="直接箭头连接符 34"/>
+          <p:cNvCxnSpPr>
+            <a:stCxn id="34" idx="3"/>
+          </p:cNvCxnSpPr>
+          <p:nvPr/>
+        </p:nvCxnSpPr>
+        <p:spPr>
+          <a:xfrm flipH="1">
+            <a:off x="3968148" y="3221712"/>
+            <a:ext cx="351304" cy="495320"/>
+          </a:xfrm>
+          <a:prstGeom prst="straightConnector1">
+            <a:avLst/>
+          </a:prstGeom>
+          <a:ln>
+            <a:tailEnd type="arrow"/>
+          </a:ln>
+        </p:spPr>
+        <p:style>
+          <a:lnRef idx="1">
+            <a:schemeClr val="accent1"/>
+          </a:lnRef>
+          <a:fillRef idx="0">
+            <a:schemeClr val="accent1"/>
+          </a:fillRef>
+          <a:effectRef idx="0">
+            <a:schemeClr val="accent1"/>
+          </a:effectRef>
+          <a:fontRef idx="minor">
+            <a:schemeClr val="tx1"/>
+          </a:fontRef>
+        </p:style>
+      </p:cxnSp>
+      <p:cxnSp>
+        <p:nvCxnSpPr>
+          <p:cNvPr id="37" name="直接箭头连接符 36"/>
+          <p:cNvCxnSpPr>
+            <a:stCxn id="34" idx="5"/>
+          </p:cNvCxnSpPr>
+          <p:nvPr/>
+        </p:nvCxnSpPr>
+        <p:spPr>
+          <a:xfrm>
+            <a:off x="4624956" y="3221712"/>
+            <a:ext cx="351304" cy="495320"/>
+          </a:xfrm>
+          <a:prstGeom prst="straightConnector1">
+            <a:avLst/>
+          </a:prstGeom>
+          <a:ln>
+            <a:tailEnd type="arrow"/>
+          </a:ln>
+        </p:spPr>
+        <p:style>
+          <a:lnRef idx="1">
+            <a:schemeClr val="accent1"/>
+          </a:lnRef>
+          <a:fillRef idx="0">
+            <a:schemeClr val="accent1"/>
+          </a:fillRef>
+          <a:effectRef idx="0">
+            <a:schemeClr val="accent1"/>
+          </a:effectRef>
+          <a:fontRef idx="minor">
+            <a:schemeClr val="tx1"/>
+          </a:fontRef>
+        </p:style>
+      </p:cxnSp>
+      <p:sp>
+        <p:nvSpPr>
+          <p:cNvPr id="38" name="椭圆 37"/>
+          <p:cNvSpPr/>
+          <p:nvPr/>
+        </p:nvSpPr>
+        <p:spPr>
+          <a:xfrm>
+            <a:off x="3711752" y="3699602"/>
+            <a:ext cx="432048" cy="432048"/>
+          </a:xfrm>
+          <a:prstGeom prst="ellipse">
+            <a:avLst/>
+          </a:prstGeom>
+        </p:spPr>
+        <p:style>
+          <a:lnRef idx="2">
+            <a:schemeClr val="accent1">
+              <a:shade val="50000"/>
+            </a:schemeClr>
+          </a:lnRef>
+          <a:fillRef idx="1">
+            <a:schemeClr val="accent1"/>
+          </a:fillRef>
+          <a:effectRef idx="0">
+            <a:schemeClr val="accent1"/>
+          </a:effectRef>
+          <a:fontRef idx="minor">
+            <a:schemeClr val="lt1"/>
+          </a:fontRef>
+        </p:style>
+        <p:txBody>
+          <a:bodyPr rtlCol="0" anchor="ctr"/>
+          <a:lstStyle/>
+          <a:p>
+            <a:pPr algn="ctr"/>
+            <a:r>
+              <a:rPr lang="en-US" altLang="zh-CN" dirty="0"/>
+              <a:t>9</a:t>
+            </a:r>
+            <a:endParaRPr lang="zh-CN" altLang="en-US" dirty="0"/>
+          </a:p>
+        </p:txBody>
+      </p:sp>
+      <p:sp>
+        <p:nvSpPr>
+          <p:cNvPr id="40" name="椭圆 39"/>
+          <p:cNvSpPr/>
+          <p:nvPr/>
+        </p:nvSpPr>
+        <p:spPr>
+          <a:xfrm>
+            <a:off x="4688228" y="3717032"/>
+            <a:ext cx="648073" cy="432048"/>
+          </a:xfrm>
+          <a:prstGeom prst="ellipse">
+            <a:avLst/>
+          </a:prstGeom>
+        </p:spPr>
+        <p:style>
+          <a:lnRef idx="2">
+            <a:schemeClr val="accent1">
+              <a:shade val="50000"/>
+            </a:schemeClr>
+          </a:lnRef>
+          <a:fillRef idx="1">
+            <a:schemeClr val="accent1"/>
+          </a:fillRef>
+          <a:effectRef idx="0">
+            <a:schemeClr val="accent1"/>
+          </a:effectRef>
+          <a:fontRef idx="minor">
+            <a:schemeClr val="lt1"/>
+          </a:fontRef>
+        </p:style>
+        <p:txBody>
+          <a:bodyPr rtlCol="0" anchor="ctr"/>
+          <a:lstStyle/>
+          <a:p>
+            <a:pPr algn="ctr"/>
+            <a:r>
+              <a:rPr lang="en-US" altLang="zh-CN" dirty="0" smtClean="0"/>
+              <a:t>10</a:t>
+            </a:r>
+            <a:endParaRPr lang="zh-CN" altLang="en-US" dirty="0"/>
+          </a:p>
+        </p:txBody>
+      </p:sp>
+      <p:sp>
+        <p:nvSpPr>
+          <p:cNvPr id="42" name="圆角矩形 41"/>
+          <p:cNvSpPr/>
+          <p:nvPr/>
+        </p:nvSpPr>
+        <p:spPr>
+          <a:xfrm>
+            <a:off x="683568" y="1023222"/>
+            <a:ext cx="2088232" cy="504056"/>
+          </a:xfrm>
+          <a:prstGeom prst="roundRect">
+            <a:avLst/>
+          </a:prstGeom>
+        </p:spPr>
+        <p:style>
+          <a:lnRef idx="2">
+            <a:schemeClr val="accent1">
+              <a:shade val="50000"/>
+            </a:schemeClr>
+          </a:lnRef>
+          <a:fillRef idx="1">
+            <a:schemeClr val="accent1"/>
+          </a:fillRef>
+          <a:effectRef idx="0">
+            <a:schemeClr val="accent1"/>
+          </a:effectRef>
+          <a:fontRef idx="minor">
+            <a:schemeClr val="lt1"/>
+          </a:fontRef>
+        </p:style>
+        <p:txBody>
+          <a:bodyPr rtlCol="0" anchor="ctr"/>
+          <a:lstStyle/>
+          <a:p>
+            <a:pPr algn="ctr"/>
+            <a:r>
+              <a:rPr lang="en-US" altLang="zh-CN" dirty="0" smtClean="0"/>
+              <a:t>6B: O(N </a:t>
+            </a:r>
+            <a:r>
+              <a:rPr lang="en-US" altLang="zh-CN" dirty="0" err="1" smtClean="0"/>
+              <a:t>logN</a:t>
+            </a:r>
+            <a:r>
+              <a:rPr lang="en-US" altLang="zh-CN" dirty="0" smtClean="0"/>
+              <a:t>)</a:t>
+            </a:r>
+          </a:p>
+        </p:txBody>
+      </p:sp>
+    </p:spTree>
+    <p:extLst>
+      <p:ext uri="{BB962C8B-B14F-4D97-AF65-F5344CB8AC3E}">
+        <p14:creationId xmlns:p14="http://schemas.microsoft.com/office/powerpoint/2010/main" val="935880632"/>
+      </p:ext>
+    </p:extLst>
+  </p:cSld>
+  <p:clrMapOvr>
+    <a:masterClrMapping/>
+  </p:clrMapOvr>
+</p:sld>
+</file>
+
+<file path=ppt/slides/slide38.xml><?xml version="1.0" encoding="utf-8"?>
+<p:sld xmlns:a="http://schemas.openxmlformats.org/drawingml/2006/main" xmlns:r="http://schemas.openxmlformats.org/officeDocument/2006/relationships" xmlns:p="http://schemas.openxmlformats.org/presentationml/2006/main">
+  <p:cSld>
+    <p:spTree>
+      <p:nvGrpSpPr>
+        <p:cNvPr id="1" name=""/>
+        <p:cNvGrpSpPr/>
+        <p:nvPr/>
+      </p:nvGrpSpPr>
+      <p:grpSpPr>
+        <a:xfrm>
+          <a:off x="0" y="0"/>
+          <a:ext cx="0" cy="0"/>
+          <a:chOff x="0" y="0"/>
+          <a:chExt cx="0" cy="0"/>
+        </a:xfrm>
+      </p:grpSpPr>
+      <p:sp>
+        <p:nvSpPr>
+          <p:cNvPr id="2" name="圆角矩形 1"/>
+          <p:cNvSpPr/>
+          <p:nvPr/>
+        </p:nvSpPr>
+        <p:spPr>
+          <a:xfrm>
+            <a:off x="251520" y="260648"/>
+            <a:ext cx="2736304" cy="504056"/>
+          </a:xfrm>
+          <a:prstGeom prst="roundRect">
+            <a:avLst/>
+          </a:prstGeom>
+        </p:spPr>
+        <p:style>
+          <a:lnRef idx="2">
+            <a:schemeClr val="accent1">
+              <a:shade val="50000"/>
+            </a:schemeClr>
+          </a:lnRef>
+          <a:fillRef idx="1">
+            <a:schemeClr val="accent1"/>
+          </a:fillRef>
+          <a:effectRef idx="0">
+            <a:schemeClr val="accent1"/>
+          </a:effectRef>
+          <a:fontRef idx="minor">
+            <a:schemeClr val="lt1"/>
+          </a:fontRef>
+        </p:style>
+        <p:txBody>
+          <a:bodyPr rtlCol="0" anchor="ctr"/>
+          <a:lstStyle/>
+          <a:p>
+            <a:pPr algn="ctr"/>
+            <a:r>
+              <a:rPr lang="zh-CN" altLang="en-US" dirty="0" smtClean="0"/>
+              <a:t>寻找第 </a:t>
+            </a:r>
+            <a:r>
+              <a:rPr lang="en-US" altLang="zh-CN" dirty="0" smtClean="0"/>
+              <a:t>k </a:t>
+            </a:r>
+            <a:r>
+              <a:rPr lang="zh-CN" altLang="en-US" dirty="0" smtClean="0"/>
+              <a:t>个最</a:t>
+            </a:r>
+            <a:r>
+              <a:rPr lang="zh-CN" altLang="en-US" dirty="0">
+                <a:solidFill>
+                  <a:schemeClr val="accent6"/>
+                </a:solidFill>
+              </a:rPr>
+              <a:t>大</a:t>
+            </a:r>
+            <a:r>
+              <a:rPr lang="zh-CN" altLang="en-US" dirty="0" smtClean="0"/>
+              <a:t>值</a:t>
+            </a:r>
+            <a:endParaRPr lang="zh-CN" altLang="en-US" dirty="0"/>
+          </a:p>
+        </p:txBody>
+      </p:sp>
+      <p:sp>
+        <p:nvSpPr>
+          <p:cNvPr id="13" name="矩形 12"/>
+          <p:cNvSpPr/>
+          <p:nvPr/>
+        </p:nvSpPr>
+        <p:spPr>
+          <a:xfrm>
+            <a:off x="3635896" y="332656"/>
+            <a:ext cx="1152128" cy="432048"/>
+          </a:xfrm>
+          <a:prstGeom prst="rect">
+            <a:avLst/>
+          </a:prstGeom>
+        </p:spPr>
+        <p:style>
+          <a:lnRef idx="2">
+            <a:schemeClr val="accent1">
+              <a:shade val="50000"/>
+            </a:schemeClr>
+          </a:lnRef>
+          <a:fillRef idx="1">
+            <a:schemeClr val="accent1"/>
+          </a:fillRef>
+          <a:effectRef idx="0">
+            <a:schemeClr val="accent1"/>
+          </a:effectRef>
+          <a:fontRef idx="minor">
+            <a:schemeClr val="lt1"/>
+          </a:fontRef>
+        </p:style>
+        <p:txBody>
+          <a:bodyPr rtlCol="0" anchor="ctr"/>
+          <a:lstStyle/>
+          <a:p>
+            <a:pPr algn="ctr"/>
+            <a:r>
+              <a:rPr lang="en-US" altLang="zh-CN" dirty="0" smtClean="0"/>
+              <a:t>k == 4</a:t>
+            </a:r>
+            <a:endParaRPr lang="zh-CN" altLang="en-US" dirty="0"/>
+          </a:p>
+        </p:txBody>
+      </p:sp>
+      <p:sp>
+        <p:nvSpPr>
+          <p:cNvPr id="19" name="矩形 18"/>
+          <p:cNvSpPr/>
+          <p:nvPr/>
+        </p:nvSpPr>
+        <p:spPr>
+          <a:xfrm>
+            <a:off x="2483768" y="1844824"/>
+            <a:ext cx="576064" cy="432048"/>
+          </a:xfrm>
+          <a:prstGeom prst="rect">
+            <a:avLst/>
+          </a:prstGeom>
+        </p:spPr>
+        <p:style>
+          <a:lnRef idx="2">
+            <a:schemeClr val="accent1">
+              <a:shade val="50000"/>
+            </a:schemeClr>
+          </a:lnRef>
+          <a:fillRef idx="1">
+            <a:schemeClr val="accent1"/>
+          </a:fillRef>
+          <a:effectRef idx="0">
+            <a:schemeClr val="accent1"/>
+          </a:effectRef>
+          <a:fontRef idx="minor">
+            <a:schemeClr val="lt1"/>
+          </a:fontRef>
+        </p:style>
+        <p:txBody>
+          <a:bodyPr rtlCol="0" anchor="ctr"/>
+          <a:lstStyle/>
+          <a:p>
+            <a:pPr algn="ctr"/>
+            <a:r>
+              <a:rPr lang="en-US" altLang="zh-CN" dirty="0" smtClean="0"/>
+              <a:t>10</a:t>
+            </a:r>
+            <a:endParaRPr lang="zh-CN" altLang="en-US" dirty="0"/>
+          </a:p>
+        </p:txBody>
+      </p:sp>
+      <p:sp>
+        <p:nvSpPr>
+          <p:cNvPr id="20" name="矩形 19"/>
+          <p:cNvSpPr/>
+          <p:nvPr/>
+        </p:nvSpPr>
+        <p:spPr>
+          <a:xfrm>
+            <a:off x="3059832" y="1844824"/>
+            <a:ext cx="576064" cy="432048"/>
+          </a:xfrm>
+          <a:prstGeom prst="rect">
+            <a:avLst/>
+          </a:prstGeom>
+        </p:spPr>
+        <p:style>
+          <a:lnRef idx="2">
+            <a:schemeClr val="accent1">
+              <a:shade val="50000"/>
+            </a:schemeClr>
+          </a:lnRef>
+          <a:fillRef idx="1">
+            <a:schemeClr val="accent1"/>
+          </a:fillRef>
+          <a:effectRef idx="0">
+            <a:schemeClr val="accent1"/>
+          </a:effectRef>
+          <a:fontRef idx="minor">
+            <a:schemeClr val="lt1"/>
+          </a:fontRef>
+        </p:style>
+        <p:txBody>
+          <a:bodyPr rtlCol="0" anchor="ctr"/>
+          <a:lstStyle/>
+          <a:p>
+            <a:pPr algn="ctr"/>
+            <a:r>
+              <a:rPr lang="en-US" altLang="zh-CN" dirty="0" smtClean="0"/>
+              <a:t>4</a:t>
+            </a:r>
+            <a:endParaRPr lang="zh-CN" altLang="en-US" dirty="0"/>
+          </a:p>
+        </p:txBody>
+      </p:sp>
+      <p:sp>
+        <p:nvSpPr>
+          <p:cNvPr id="22" name="矩形 21"/>
+          <p:cNvSpPr/>
+          <p:nvPr/>
+        </p:nvSpPr>
+        <p:spPr>
+          <a:xfrm>
+            <a:off x="3635896" y="1844824"/>
+            <a:ext cx="576064" cy="432048"/>
+          </a:xfrm>
+          <a:prstGeom prst="rect">
+            <a:avLst/>
+          </a:prstGeom>
+        </p:spPr>
+        <p:style>
+          <a:lnRef idx="2">
+            <a:schemeClr val="accent1">
+              <a:shade val="50000"/>
+            </a:schemeClr>
+          </a:lnRef>
+          <a:fillRef idx="1">
+            <a:schemeClr val="accent1"/>
+          </a:fillRef>
+          <a:effectRef idx="0">
+            <a:schemeClr val="accent1"/>
+          </a:effectRef>
+          <a:fontRef idx="minor">
+            <a:schemeClr val="lt1"/>
+          </a:fontRef>
+        </p:style>
+        <p:txBody>
+          <a:bodyPr rtlCol="0" anchor="ctr"/>
+          <a:lstStyle/>
+          <a:p>
+            <a:pPr algn="ctr"/>
+            <a:r>
+              <a:rPr lang="en-US" altLang="zh-CN" dirty="0" smtClean="0"/>
+              <a:t>5</a:t>
+            </a:r>
+            <a:endParaRPr lang="zh-CN" altLang="en-US" dirty="0"/>
+          </a:p>
+        </p:txBody>
+      </p:sp>
+      <p:sp>
+        <p:nvSpPr>
+          <p:cNvPr id="23" name="矩形 22"/>
+          <p:cNvSpPr/>
+          <p:nvPr/>
+        </p:nvSpPr>
+        <p:spPr>
+          <a:xfrm>
+            <a:off x="4211960" y="1844824"/>
+            <a:ext cx="576064" cy="432048"/>
+          </a:xfrm>
+          <a:prstGeom prst="rect">
+            <a:avLst/>
+          </a:prstGeom>
+        </p:spPr>
+        <p:style>
+          <a:lnRef idx="2">
+            <a:schemeClr val="accent1">
+              <a:shade val="50000"/>
+            </a:schemeClr>
+          </a:lnRef>
+          <a:fillRef idx="1">
+            <a:schemeClr val="accent1"/>
+          </a:fillRef>
+          <a:effectRef idx="0">
+            <a:schemeClr val="accent1"/>
+          </a:effectRef>
+          <a:fontRef idx="minor">
+            <a:schemeClr val="lt1"/>
+          </a:fontRef>
+        </p:style>
+        <p:txBody>
+          <a:bodyPr rtlCol="0" anchor="ctr"/>
+          <a:lstStyle/>
+          <a:p>
+            <a:pPr algn="ctr"/>
+            <a:r>
+              <a:rPr lang="en-US" altLang="zh-CN" dirty="0" smtClean="0"/>
+              <a:t>7</a:t>
+            </a:r>
+            <a:endParaRPr lang="zh-CN" altLang="en-US" dirty="0"/>
+          </a:p>
+        </p:txBody>
+      </p:sp>
+      <p:sp>
+        <p:nvSpPr>
+          <p:cNvPr id="24" name="矩形 23"/>
+          <p:cNvSpPr/>
+          <p:nvPr/>
+        </p:nvSpPr>
+        <p:spPr>
+          <a:xfrm>
+            <a:off x="4788024" y="1844824"/>
+            <a:ext cx="576064" cy="432048"/>
+          </a:xfrm>
+          <a:prstGeom prst="rect">
+            <a:avLst/>
+          </a:prstGeom>
+        </p:spPr>
+        <p:style>
+          <a:lnRef idx="2">
+            <a:schemeClr val="accent1">
+              <a:shade val="50000"/>
+            </a:schemeClr>
+          </a:lnRef>
+          <a:fillRef idx="1">
+            <a:schemeClr val="accent1"/>
+          </a:fillRef>
+          <a:effectRef idx="0">
+            <a:schemeClr val="accent1"/>
+          </a:effectRef>
+          <a:fontRef idx="minor">
+            <a:schemeClr val="lt1"/>
+          </a:fontRef>
+        </p:style>
+        <p:txBody>
+          <a:bodyPr rtlCol="0" anchor="ctr"/>
+          <a:lstStyle/>
+          <a:p>
+            <a:pPr algn="ctr"/>
+            <a:r>
+              <a:rPr lang="en-US" altLang="zh-CN" dirty="0" smtClean="0"/>
+              <a:t>3</a:t>
+            </a:r>
+            <a:endParaRPr lang="zh-CN" altLang="en-US" dirty="0"/>
+          </a:p>
+        </p:txBody>
+      </p:sp>
+      <p:sp>
+        <p:nvSpPr>
+          <p:cNvPr id="25" name="矩形 24"/>
+          <p:cNvSpPr/>
+          <p:nvPr/>
+        </p:nvSpPr>
+        <p:spPr>
+          <a:xfrm>
+            <a:off x="5364088" y="1844824"/>
+            <a:ext cx="576064" cy="432048"/>
+          </a:xfrm>
+          <a:prstGeom prst="rect">
+            <a:avLst/>
+          </a:prstGeom>
+          <a:solidFill>
+            <a:schemeClr val="accent1"/>
+          </a:solidFill>
+        </p:spPr>
+        <p:style>
+          <a:lnRef idx="2">
+            <a:schemeClr val="accent1">
+              <a:shade val="50000"/>
+            </a:schemeClr>
+          </a:lnRef>
+          <a:fillRef idx="1">
+            <a:schemeClr val="accent1"/>
+          </a:fillRef>
+          <a:effectRef idx="0">
+            <a:schemeClr val="accent1"/>
+          </a:effectRef>
+          <a:fontRef idx="minor">
+            <a:schemeClr val="lt1"/>
+          </a:fontRef>
+        </p:style>
+        <p:txBody>
+          <a:bodyPr rtlCol="0" anchor="ctr"/>
+          <a:lstStyle/>
+          <a:p>
+            <a:pPr algn="ctr"/>
+            <a:r>
+              <a:rPr lang="en-US" altLang="zh-CN" dirty="0" smtClean="0"/>
+              <a:t>9</a:t>
+            </a:r>
+            <a:endParaRPr lang="zh-CN" altLang="en-US" dirty="0"/>
+          </a:p>
+        </p:txBody>
+      </p:sp>
+      <p:sp>
+        <p:nvSpPr>
+          <p:cNvPr id="26" name="矩形 25"/>
+          <p:cNvSpPr/>
+          <p:nvPr/>
+        </p:nvSpPr>
+        <p:spPr>
+          <a:xfrm>
+            <a:off x="5940152" y="1844824"/>
+            <a:ext cx="576064" cy="432048"/>
+          </a:xfrm>
+          <a:prstGeom prst="rect">
+            <a:avLst/>
+          </a:prstGeom>
+          <a:solidFill>
+            <a:schemeClr val="accent6"/>
+          </a:solidFill>
+        </p:spPr>
+        <p:style>
+          <a:lnRef idx="2">
+            <a:schemeClr val="accent1">
+              <a:shade val="50000"/>
+            </a:schemeClr>
+          </a:lnRef>
+          <a:fillRef idx="1">
+            <a:schemeClr val="accent1"/>
+          </a:fillRef>
+          <a:effectRef idx="0">
+            <a:schemeClr val="accent1"/>
+          </a:effectRef>
+          <a:fontRef idx="minor">
+            <a:schemeClr val="lt1"/>
+          </a:fontRef>
+        </p:style>
+        <p:txBody>
+          <a:bodyPr rtlCol="0" anchor="ctr"/>
+          <a:lstStyle/>
+          <a:p>
+            <a:pPr algn="ctr"/>
+            <a:r>
+              <a:rPr lang="en-US" altLang="zh-CN" dirty="0" smtClean="0"/>
+              <a:t>8</a:t>
+            </a:r>
+            <a:endParaRPr lang="zh-CN" altLang="en-US" dirty="0"/>
+          </a:p>
+        </p:txBody>
+      </p:sp>
+      <p:sp>
+        <p:nvSpPr>
+          <p:cNvPr id="34" name="椭圆 33"/>
+          <p:cNvSpPr/>
+          <p:nvPr/>
+        </p:nvSpPr>
+        <p:spPr>
+          <a:xfrm>
+            <a:off x="4256180" y="2852936"/>
+            <a:ext cx="432048" cy="432048"/>
+          </a:xfrm>
+          <a:prstGeom prst="ellipse">
+            <a:avLst/>
+          </a:prstGeom>
+          <a:solidFill>
+            <a:srgbClr val="00B050"/>
+          </a:solidFill>
+        </p:spPr>
+        <p:style>
+          <a:lnRef idx="2">
+            <a:schemeClr val="accent1">
+              <a:shade val="50000"/>
+            </a:schemeClr>
+          </a:lnRef>
+          <a:fillRef idx="1">
+            <a:schemeClr val="accent1"/>
+          </a:fillRef>
+          <a:effectRef idx="0">
+            <a:schemeClr val="accent1"/>
+          </a:effectRef>
+          <a:fontRef idx="minor">
+            <a:schemeClr val="lt1"/>
+          </a:fontRef>
+        </p:style>
+        <p:txBody>
+          <a:bodyPr rtlCol="0" anchor="ctr"/>
+          <a:lstStyle/>
+          <a:p>
+            <a:pPr algn="ctr"/>
+            <a:r>
+              <a:rPr lang="en-US" altLang="zh-CN" dirty="0" smtClean="0"/>
+              <a:t>7</a:t>
+            </a:r>
+            <a:endParaRPr lang="zh-CN" altLang="en-US" dirty="0"/>
+          </a:p>
+        </p:txBody>
+      </p:sp>
+      <p:cxnSp>
+        <p:nvCxnSpPr>
+          <p:cNvPr id="35" name="直接箭头连接符 34"/>
+          <p:cNvCxnSpPr>
+            <a:stCxn id="34" idx="3"/>
+          </p:cNvCxnSpPr>
+          <p:nvPr/>
+        </p:nvCxnSpPr>
+        <p:spPr>
+          <a:xfrm flipH="1">
+            <a:off x="3968148" y="3221712"/>
+            <a:ext cx="351304" cy="495320"/>
+          </a:xfrm>
+          <a:prstGeom prst="straightConnector1">
+            <a:avLst/>
+          </a:prstGeom>
+          <a:ln>
+            <a:tailEnd type="arrow"/>
+          </a:ln>
+        </p:spPr>
+        <p:style>
+          <a:lnRef idx="1">
+            <a:schemeClr val="accent1"/>
+          </a:lnRef>
+          <a:fillRef idx="0">
+            <a:schemeClr val="accent1"/>
+          </a:fillRef>
+          <a:effectRef idx="0">
+            <a:schemeClr val="accent1"/>
+          </a:effectRef>
+          <a:fontRef idx="minor">
+            <a:schemeClr val="tx1"/>
+          </a:fontRef>
+        </p:style>
+      </p:cxnSp>
+      <p:cxnSp>
+        <p:nvCxnSpPr>
+          <p:cNvPr id="37" name="直接箭头连接符 36"/>
+          <p:cNvCxnSpPr>
+            <a:stCxn id="34" idx="5"/>
+          </p:cNvCxnSpPr>
+          <p:nvPr/>
+        </p:nvCxnSpPr>
+        <p:spPr>
+          <a:xfrm>
+            <a:off x="4624956" y="3221712"/>
+            <a:ext cx="351304" cy="495320"/>
+          </a:xfrm>
+          <a:prstGeom prst="straightConnector1">
+            <a:avLst/>
+          </a:prstGeom>
+          <a:ln>
+            <a:tailEnd type="arrow"/>
+          </a:ln>
+        </p:spPr>
+        <p:style>
+          <a:lnRef idx="1">
+            <a:schemeClr val="accent1"/>
+          </a:lnRef>
+          <a:fillRef idx="0">
+            <a:schemeClr val="accent1"/>
+          </a:fillRef>
+          <a:effectRef idx="0">
+            <a:schemeClr val="accent1"/>
+          </a:effectRef>
+          <a:fontRef idx="minor">
+            <a:schemeClr val="tx1"/>
+          </a:fontRef>
+        </p:style>
+      </p:cxnSp>
+      <p:sp>
+        <p:nvSpPr>
+          <p:cNvPr id="38" name="椭圆 37"/>
+          <p:cNvSpPr/>
+          <p:nvPr/>
+        </p:nvSpPr>
+        <p:spPr>
+          <a:xfrm>
+            <a:off x="3711752" y="3699602"/>
+            <a:ext cx="432048" cy="432048"/>
+          </a:xfrm>
+          <a:prstGeom prst="ellipse">
+            <a:avLst/>
+          </a:prstGeom>
+        </p:spPr>
+        <p:style>
+          <a:lnRef idx="2">
+            <a:schemeClr val="accent1">
+              <a:shade val="50000"/>
+            </a:schemeClr>
+          </a:lnRef>
+          <a:fillRef idx="1">
+            <a:schemeClr val="accent1"/>
+          </a:fillRef>
+          <a:effectRef idx="0">
+            <a:schemeClr val="accent1"/>
+          </a:effectRef>
+          <a:fontRef idx="minor">
+            <a:schemeClr val="lt1"/>
+          </a:fontRef>
+        </p:style>
+        <p:txBody>
+          <a:bodyPr rtlCol="0" anchor="ctr"/>
+          <a:lstStyle/>
+          <a:p>
+            <a:pPr algn="ctr"/>
+            <a:r>
+              <a:rPr lang="en-US" altLang="zh-CN" dirty="0" smtClean="0"/>
+              <a:t>8</a:t>
+            </a:r>
+            <a:endParaRPr lang="zh-CN" altLang="en-US" dirty="0"/>
+          </a:p>
+        </p:txBody>
+      </p:sp>
+      <p:sp>
+        <p:nvSpPr>
+          <p:cNvPr id="40" name="椭圆 39"/>
+          <p:cNvSpPr/>
+          <p:nvPr/>
+        </p:nvSpPr>
+        <p:spPr>
+          <a:xfrm>
+            <a:off x="4688228" y="3717032"/>
+            <a:ext cx="648073" cy="432048"/>
+          </a:xfrm>
+          <a:prstGeom prst="ellipse">
+            <a:avLst/>
+          </a:prstGeom>
+        </p:spPr>
+        <p:style>
+          <a:lnRef idx="2">
+            <a:schemeClr val="accent1">
+              <a:shade val="50000"/>
+            </a:schemeClr>
+          </a:lnRef>
+          <a:fillRef idx="1">
+            <a:schemeClr val="accent1"/>
+          </a:fillRef>
+          <a:effectRef idx="0">
+            <a:schemeClr val="accent1"/>
+          </a:effectRef>
+          <a:fontRef idx="minor">
+            <a:schemeClr val="lt1"/>
+          </a:fontRef>
+        </p:style>
+        <p:txBody>
+          <a:bodyPr rtlCol="0" anchor="ctr"/>
+          <a:lstStyle/>
+          <a:p>
+            <a:pPr algn="ctr"/>
+            <a:r>
+              <a:rPr lang="en-US" altLang="zh-CN" dirty="0" smtClean="0"/>
+              <a:t>10</a:t>
+            </a:r>
+            <a:endParaRPr lang="zh-CN" altLang="en-US" dirty="0"/>
+          </a:p>
+        </p:txBody>
+      </p:sp>
+      <p:cxnSp>
+        <p:nvCxnSpPr>
+          <p:cNvPr id="17" name="直接箭头连接符 16"/>
+          <p:cNvCxnSpPr/>
+          <p:nvPr/>
+        </p:nvCxnSpPr>
+        <p:spPr>
+          <a:xfrm flipH="1">
+            <a:off x="3527885" y="4068378"/>
+            <a:ext cx="247139" cy="584758"/>
+          </a:xfrm>
+          <a:prstGeom prst="straightConnector1">
+            <a:avLst/>
+          </a:prstGeom>
+          <a:ln>
+            <a:tailEnd type="arrow"/>
+          </a:ln>
+        </p:spPr>
+        <p:style>
+          <a:lnRef idx="1">
+            <a:schemeClr val="accent1"/>
+          </a:lnRef>
+          <a:fillRef idx="0">
+            <a:schemeClr val="accent1"/>
+          </a:fillRef>
+          <a:effectRef idx="0">
+            <a:schemeClr val="accent1"/>
+          </a:effectRef>
+          <a:fontRef idx="minor">
+            <a:schemeClr val="tx1"/>
+          </a:fontRef>
+        </p:style>
+      </p:cxnSp>
+      <p:sp>
+        <p:nvSpPr>
+          <p:cNvPr id="18" name="椭圆 17"/>
+          <p:cNvSpPr/>
+          <p:nvPr/>
+        </p:nvSpPr>
+        <p:spPr>
+          <a:xfrm>
+            <a:off x="3311861" y="4653136"/>
+            <a:ext cx="432048" cy="432048"/>
+          </a:xfrm>
+          <a:prstGeom prst="ellipse">
+            <a:avLst/>
+          </a:prstGeom>
+        </p:spPr>
+        <p:style>
+          <a:lnRef idx="2">
+            <a:schemeClr val="accent1">
+              <a:shade val="50000"/>
+            </a:schemeClr>
+          </a:lnRef>
+          <a:fillRef idx="1">
+            <a:schemeClr val="accent1"/>
+          </a:fillRef>
+          <a:effectRef idx="0">
+            <a:schemeClr val="accent1"/>
+          </a:effectRef>
+          <a:fontRef idx="minor">
+            <a:schemeClr val="lt1"/>
+          </a:fontRef>
+        </p:style>
+        <p:txBody>
+          <a:bodyPr rtlCol="0" anchor="ctr"/>
+          <a:lstStyle/>
+          <a:p>
+            <a:pPr algn="ctr"/>
+            <a:r>
+              <a:rPr lang="en-US" altLang="zh-CN" dirty="0"/>
+              <a:t>9</a:t>
+            </a:r>
+            <a:endParaRPr lang="zh-CN" altLang="en-US" dirty="0"/>
+          </a:p>
+        </p:txBody>
+      </p:sp>
+      <p:sp>
+        <p:nvSpPr>
+          <p:cNvPr id="21" name="圆角矩形 20"/>
+          <p:cNvSpPr/>
+          <p:nvPr/>
+        </p:nvSpPr>
+        <p:spPr>
+          <a:xfrm>
+            <a:off x="683568" y="1023222"/>
+            <a:ext cx="2088232" cy="504056"/>
+          </a:xfrm>
+          <a:prstGeom prst="roundRect">
+            <a:avLst/>
+          </a:prstGeom>
+        </p:spPr>
+        <p:style>
+          <a:lnRef idx="2">
+            <a:schemeClr val="accent1">
+              <a:shade val="50000"/>
+            </a:schemeClr>
+          </a:lnRef>
+          <a:fillRef idx="1">
+            <a:schemeClr val="accent1"/>
+          </a:fillRef>
+          <a:effectRef idx="0">
+            <a:schemeClr val="accent1"/>
+          </a:effectRef>
+          <a:fontRef idx="minor">
+            <a:schemeClr val="lt1"/>
+          </a:fontRef>
+        </p:style>
+        <p:txBody>
+          <a:bodyPr rtlCol="0" anchor="ctr"/>
+          <a:lstStyle/>
+          <a:p>
+            <a:pPr algn="ctr"/>
+            <a:r>
+              <a:rPr lang="en-US" altLang="zh-CN" dirty="0" smtClean="0"/>
+              <a:t>6B: O(N </a:t>
+            </a:r>
+            <a:r>
+              <a:rPr lang="en-US" altLang="zh-CN" dirty="0" err="1" smtClean="0"/>
+              <a:t>logN</a:t>
+            </a:r>
+            <a:r>
+              <a:rPr lang="en-US" altLang="zh-CN" dirty="0" smtClean="0"/>
+              <a:t>)</a:t>
+            </a:r>
+          </a:p>
+        </p:txBody>
+      </p:sp>
+    </p:spTree>
+    <p:extLst>
+      <p:ext uri="{BB962C8B-B14F-4D97-AF65-F5344CB8AC3E}">
+        <p14:creationId xmlns:p14="http://schemas.microsoft.com/office/powerpoint/2010/main" val="2565031661"/>
+      </p:ext>
+    </p:extLst>
+  </p:cSld>
+  <p:clrMapOvr>
+    <a:masterClrMapping/>
+  </p:clrMapOvr>
+</p:sld>
+</file>
+
+<file path=ppt/slides/slide39.xml><?xml version="1.0" encoding="utf-8"?>
 <p:sld xmlns:a="http://schemas.openxmlformats.org/drawingml/2006/main" xmlns:r="http://schemas.openxmlformats.org/officeDocument/2006/relationships" xmlns:p="http://schemas.openxmlformats.org/presentationml/2006/main">
   <p:cSld>
     <p:spTree>
@@ -38381,6 +45771,930 @@
     <p:extLst>
       <p:ext uri="{BB962C8B-B14F-4D97-AF65-F5344CB8AC3E}">
         <p14:creationId xmlns:p14="http://schemas.microsoft.com/office/powerpoint/2010/main" val="2829283248"/>
+      </p:ext>
+    </p:extLst>
+  </p:cSld>
+  <p:clrMapOvr>
+    <a:masterClrMapping/>
+  </p:clrMapOvr>
+</p:sld>
+</file>
+
+<file path=ppt/slides/slide40.xml><?xml version="1.0" encoding="utf-8"?>
+<p:sld xmlns:a="http://schemas.openxmlformats.org/drawingml/2006/main" xmlns:r="http://schemas.openxmlformats.org/officeDocument/2006/relationships" xmlns:p="http://schemas.openxmlformats.org/presentationml/2006/main">
+  <p:cSld>
+    <p:spTree>
+      <p:nvGrpSpPr>
+        <p:cNvPr id="1" name=""/>
+        <p:cNvGrpSpPr/>
+        <p:nvPr/>
+      </p:nvGrpSpPr>
+      <p:grpSpPr>
+        <a:xfrm>
+          <a:off x="0" y="0"/>
+          <a:ext cx="0" cy="0"/>
+          <a:chOff x="0" y="0"/>
+          <a:chExt cx="0" cy="0"/>
+        </a:xfrm>
+      </p:grpSpPr>
+      <p:sp>
+        <p:nvSpPr>
+          <p:cNvPr id="2" name="圆角矩形 1"/>
+          <p:cNvSpPr/>
+          <p:nvPr/>
+        </p:nvSpPr>
+        <p:spPr>
+          <a:xfrm>
+            <a:off x="323528" y="332656"/>
+            <a:ext cx="2880320" cy="432048"/>
+          </a:xfrm>
+          <a:prstGeom prst="roundRect">
+            <a:avLst/>
+          </a:prstGeom>
+        </p:spPr>
+        <p:style>
+          <a:lnRef idx="2">
+            <a:schemeClr val="accent1">
+              <a:shade val="50000"/>
+            </a:schemeClr>
+          </a:lnRef>
+          <a:fillRef idx="1">
+            <a:schemeClr val="accent1"/>
+          </a:fillRef>
+          <a:effectRef idx="0">
+            <a:schemeClr val="accent1"/>
+          </a:effectRef>
+          <a:fontRef idx="minor">
+            <a:schemeClr val="lt1"/>
+          </a:fontRef>
+        </p:style>
+        <p:txBody>
+          <a:bodyPr rtlCol="0" anchor="ctr"/>
+          <a:lstStyle/>
+          <a:p>
+            <a:pPr algn="ctr"/>
+            <a:r>
+              <a:rPr lang="en-US" altLang="zh-CN" dirty="0" err="1" smtClean="0"/>
+              <a:t>LeftistHeap</a:t>
+            </a:r>
+            <a:endParaRPr lang="zh-CN" altLang="en-US" dirty="0"/>
+          </a:p>
+        </p:txBody>
+      </p:sp>
+      <p:sp>
+        <p:nvSpPr>
+          <p:cNvPr id="3" name="椭圆 2"/>
+          <p:cNvSpPr/>
+          <p:nvPr/>
+        </p:nvSpPr>
+        <p:spPr>
+          <a:xfrm>
+            <a:off x="4340989" y="1772816"/>
+            <a:ext cx="432048" cy="432048"/>
+          </a:xfrm>
+          <a:prstGeom prst="ellipse">
+            <a:avLst/>
+          </a:prstGeom>
+        </p:spPr>
+        <p:style>
+          <a:lnRef idx="2">
+            <a:schemeClr val="accent1">
+              <a:shade val="50000"/>
+            </a:schemeClr>
+          </a:lnRef>
+          <a:fillRef idx="1">
+            <a:schemeClr val="accent1"/>
+          </a:fillRef>
+          <a:effectRef idx="0">
+            <a:schemeClr val="accent1"/>
+          </a:effectRef>
+          <a:fontRef idx="minor">
+            <a:schemeClr val="lt1"/>
+          </a:fontRef>
+        </p:style>
+        <p:txBody>
+          <a:bodyPr rtlCol="0" anchor="ctr"/>
+          <a:lstStyle/>
+          <a:p>
+            <a:pPr algn="ctr"/>
+            <a:r>
+              <a:rPr lang="en-US" altLang="zh-CN" dirty="0" smtClean="0"/>
+              <a:t>2</a:t>
+            </a:r>
+            <a:endParaRPr lang="zh-CN" altLang="en-US" dirty="0"/>
+          </a:p>
+        </p:txBody>
+      </p:sp>
+      <p:sp>
+        <p:nvSpPr>
+          <p:cNvPr id="4" name="椭圆 3"/>
+          <p:cNvSpPr/>
+          <p:nvPr/>
+        </p:nvSpPr>
+        <p:spPr>
+          <a:xfrm>
+            <a:off x="3560069" y="2664715"/>
+            <a:ext cx="432048" cy="432048"/>
+          </a:xfrm>
+          <a:prstGeom prst="ellipse">
+            <a:avLst/>
+          </a:prstGeom>
+        </p:spPr>
+        <p:style>
+          <a:lnRef idx="2">
+            <a:schemeClr val="accent1">
+              <a:shade val="50000"/>
+            </a:schemeClr>
+          </a:lnRef>
+          <a:fillRef idx="1">
+            <a:schemeClr val="accent1"/>
+          </a:fillRef>
+          <a:effectRef idx="0">
+            <a:schemeClr val="accent1"/>
+          </a:effectRef>
+          <a:fontRef idx="minor">
+            <a:schemeClr val="lt1"/>
+          </a:fontRef>
+        </p:style>
+        <p:txBody>
+          <a:bodyPr rtlCol="0" anchor="ctr"/>
+          <a:lstStyle/>
+          <a:p>
+            <a:pPr algn="ctr"/>
+            <a:r>
+              <a:rPr lang="en-US" altLang="zh-CN" dirty="0" smtClean="0"/>
+              <a:t>1</a:t>
+            </a:r>
+            <a:endParaRPr lang="zh-CN" altLang="en-US" dirty="0"/>
+          </a:p>
+        </p:txBody>
+      </p:sp>
+      <p:sp>
+        <p:nvSpPr>
+          <p:cNvPr id="5" name="椭圆 4"/>
+          <p:cNvSpPr/>
+          <p:nvPr/>
+        </p:nvSpPr>
+        <p:spPr>
+          <a:xfrm>
+            <a:off x="4640366" y="3700805"/>
+            <a:ext cx="432048" cy="432048"/>
+          </a:xfrm>
+          <a:prstGeom prst="ellipse">
+            <a:avLst/>
+          </a:prstGeom>
+        </p:spPr>
+        <p:style>
+          <a:lnRef idx="2">
+            <a:schemeClr val="accent1">
+              <a:shade val="50000"/>
+            </a:schemeClr>
+          </a:lnRef>
+          <a:fillRef idx="1">
+            <a:schemeClr val="accent1"/>
+          </a:fillRef>
+          <a:effectRef idx="0">
+            <a:schemeClr val="accent1"/>
+          </a:effectRef>
+          <a:fontRef idx="minor">
+            <a:schemeClr val="lt1"/>
+          </a:fontRef>
+        </p:style>
+        <p:txBody>
+          <a:bodyPr rtlCol="0" anchor="ctr"/>
+          <a:lstStyle/>
+          <a:p>
+            <a:pPr algn="ctr"/>
+            <a:r>
+              <a:rPr lang="en-US" altLang="zh-CN" dirty="0" smtClean="0"/>
+              <a:t>0</a:t>
+            </a:r>
+            <a:endParaRPr lang="zh-CN" altLang="en-US" dirty="0"/>
+          </a:p>
+        </p:txBody>
+      </p:sp>
+      <p:sp>
+        <p:nvSpPr>
+          <p:cNvPr id="6" name="椭圆 5"/>
+          <p:cNvSpPr/>
+          <p:nvPr/>
+        </p:nvSpPr>
+        <p:spPr>
+          <a:xfrm>
+            <a:off x="5069195" y="2727987"/>
+            <a:ext cx="432048" cy="432048"/>
+          </a:xfrm>
+          <a:prstGeom prst="ellipse">
+            <a:avLst/>
+          </a:prstGeom>
+        </p:spPr>
+        <p:style>
+          <a:lnRef idx="2">
+            <a:schemeClr val="accent1">
+              <a:shade val="50000"/>
+            </a:schemeClr>
+          </a:lnRef>
+          <a:fillRef idx="1">
+            <a:schemeClr val="accent1"/>
+          </a:fillRef>
+          <a:effectRef idx="0">
+            <a:schemeClr val="accent1"/>
+          </a:effectRef>
+          <a:fontRef idx="minor">
+            <a:schemeClr val="lt1"/>
+          </a:fontRef>
+        </p:style>
+        <p:txBody>
+          <a:bodyPr rtlCol="0" anchor="ctr"/>
+          <a:lstStyle/>
+          <a:p>
+            <a:pPr algn="ctr"/>
+            <a:r>
+              <a:rPr lang="en-US" altLang="zh-CN" dirty="0" smtClean="0"/>
+              <a:t>1</a:t>
+            </a:r>
+            <a:endParaRPr lang="zh-CN" altLang="en-US" dirty="0"/>
+          </a:p>
+        </p:txBody>
+      </p:sp>
+      <p:cxnSp>
+        <p:nvCxnSpPr>
+          <p:cNvPr id="8" name="直接箭头连接符 7"/>
+          <p:cNvCxnSpPr>
+            <a:stCxn id="3" idx="3"/>
+            <a:endCxn id="4" idx="0"/>
+          </p:cNvCxnSpPr>
+          <p:nvPr/>
+        </p:nvCxnSpPr>
+        <p:spPr>
+          <a:xfrm flipH="1">
+            <a:off x="3776093" y="2141592"/>
+            <a:ext cx="628168" cy="523123"/>
+          </a:xfrm>
+          <a:prstGeom prst="straightConnector1">
+            <a:avLst/>
+          </a:prstGeom>
+          <a:ln>
+            <a:tailEnd type="arrow"/>
+          </a:ln>
+        </p:spPr>
+        <p:style>
+          <a:lnRef idx="1">
+            <a:schemeClr val="accent1"/>
+          </a:lnRef>
+          <a:fillRef idx="0">
+            <a:schemeClr val="accent1"/>
+          </a:fillRef>
+          <a:effectRef idx="0">
+            <a:schemeClr val="accent1"/>
+          </a:effectRef>
+          <a:fontRef idx="minor">
+            <a:schemeClr val="tx1"/>
+          </a:fontRef>
+        </p:style>
+      </p:cxnSp>
+      <p:cxnSp>
+        <p:nvCxnSpPr>
+          <p:cNvPr id="10" name="直接箭头连接符 9"/>
+          <p:cNvCxnSpPr>
+            <a:stCxn id="3" idx="5"/>
+            <a:endCxn id="6" idx="0"/>
+          </p:cNvCxnSpPr>
+          <p:nvPr/>
+        </p:nvCxnSpPr>
+        <p:spPr>
+          <a:xfrm>
+            <a:off x="4709765" y="2141592"/>
+            <a:ext cx="575454" cy="586395"/>
+          </a:xfrm>
+          <a:prstGeom prst="straightConnector1">
+            <a:avLst/>
+          </a:prstGeom>
+          <a:ln>
+            <a:tailEnd type="arrow"/>
+          </a:ln>
+        </p:spPr>
+        <p:style>
+          <a:lnRef idx="1">
+            <a:schemeClr val="accent1"/>
+          </a:lnRef>
+          <a:fillRef idx="0">
+            <a:schemeClr val="accent1"/>
+          </a:fillRef>
+          <a:effectRef idx="0">
+            <a:schemeClr val="accent1"/>
+          </a:effectRef>
+          <a:fontRef idx="minor">
+            <a:schemeClr val="tx1"/>
+          </a:fontRef>
+        </p:style>
+      </p:cxnSp>
+      <p:cxnSp>
+        <p:nvCxnSpPr>
+          <p:cNvPr id="12" name="直接箭头连接符 11"/>
+          <p:cNvCxnSpPr>
+            <a:stCxn id="6" idx="3"/>
+            <a:endCxn id="5" idx="0"/>
+          </p:cNvCxnSpPr>
+          <p:nvPr/>
+        </p:nvCxnSpPr>
+        <p:spPr>
+          <a:xfrm flipH="1">
+            <a:off x="4856390" y="3096763"/>
+            <a:ext cx="276077" cy="604042"/>
+          </a:xfrm>
+          <a:prstGeom prst="straightConnector1">
+            <a:avLst/>
+          </a:prstGeom>
+          <a:ln>
+            <a:tailEnd type="arrow"/>
+          </a:ln>
+        </p:spPr>
+        <p:style>
+          <a:lnRef idx="1">
+            <a:schemeClr val="accent1"/>
+          </a:lnRef>
+          <a:fillRef idx="0">
+            <a:schemeClr val="accent1"/>
+          </a:fillRef>
+          <a:effectRef idx="0">
+            <a:schemeClr val="accent1"/>
+          </a:effectRef>
+          <a:fontRef idx="minor">
+            <a:schemeClr val="tx1"/>
+          </a:fontRef>
+        </p:style>
+      </p:cxnSp>
+      <p:sp>
+        <p:nvSpPr>
+          <p:cNvPr id="13" name="椭圆 12"/>
+          <p:cNvSpPr/>
+          <p:nvPr/>
+        </p:nvSpPr>
+        <p:spPr>
+          <a:xfrm>
+            <a:off x="2889252" y="3673827"/>
+            <a:ext cx="432048" cy="432048"/>
+          </a:xfrm>
+          <a:prstGeom prst="ellipse">
+            <a:avLst/>
+          </a:prstGeom>
+        </p:spPr>
+        <p:style>
+          <a:lnRef idx="2">
+            <a:schemeClr val="accent1">
+              <a:shade val="50000"/>
+            </a:schemeClr>
+          </a:lnRef>
+          <a:fillRef idx="1">
+            <a:schemeClr val="accent1"/>
+          </a:fillRef>
+          <a:effectRef idx="0">
+            <a:schemeClr val="accent1"/>
+          </a:effectRef>
+          <a:fontRef idx="minor">
+            <a:schemeClr val="lt1"/>
+          </a:fontRef>
+        </p:style>
+        <p:txBody>
+          <a:bodyPr rtlCol="0" anchor="ctr"/>
+          <a:lstStyle/>
+          <a:p>
+            <a:pPr algn="ctr"/>
+            <a:r>
+              <a:rPr lang="en-US" altLang="zh-CN" dirty="0" smtClean="0"/>
+              <a:t>0</a:t>
+            </a:r>
+            <a:endParaRPr lang="zh-CN" altLang="en-US" dirty="0"/>
+          </a:p>
+        </p:txBody>
+      </p:sp>
+      <p:cxnSp>
+        <p:nvCxnSpPr>
+          <p:cNvPr id="14" name="直接箭头连接符 13"/>
+          <p:cNvCxnSpPr>
+            <a:stCxn id="4" idx="3"/>
+            <a:endCxn id="13" idx="0"/>
+          </p:cNvCxnSpPr>
+          <p:nvPr/>
+        </p:nvCxnSpPr>
+        <p:spPr>
+          <a:xfrm flipH="1">
+            <a:off x="3105276" y="3033491"/>
+            <a:ext cx="518065" cy="640336"/>
+          </a:xfrm>
+          <a:prstGeom prst="straightConnector1">
+            <a:avLst/>
+          </a:prstGeom>
+          <a:ln>
+            <a:tailEnd type="arrow"/>
+          </a:ln>
+        </p:spPr>
+        <p:style>
+          <a:lnRef idx="1">
+            <a:schemeClr val="accent1"/>
+          </a:lnRef>
+          <a:fillRef idx="0">
+            <a:schemeClr val="accent1"/>
+          </a:fillRef>
+          <a:effectRef idx="0">
+            <a:schemeClr val="accent1"/>
+          </a:effectRef>
+          <a:fontRef idx="minor">
+            <a:schemeClr val="tx1"/>
+          </a:fontRef>
+        </p:style>
+      </p:cxnSp>
+      <p:cxnSp>
+        <p:nvCxnSpPr>
+          <p:cNvPr id="16" name="直接箭头连接符 15"/>
+          <p:cNvCxnSpPr>
+            <a:stCxn id="6" idx="5"/>
+            <a:endCxn id="27" idx="0"/>
+          </p:cNvCxnSpPr>
+          <p:nvPr/>
+        </p:nvCxnSpPr>
+        <p:spPr>
+          <a:xfrm>
+            <a:off x="5437971" y="3096763"/>
+            <a:ext cx="430173" cy="604042"/>
+          </a:xfrm>
+          <a:prstGeom prst="straightConnector1">
+            <a:avLst/>
+          </a:prstGeom>
+          <a:ln>
+            <a:tailEnd type="arrow"/>
+          </a:ln>
+        </p:spPr>
+        <p:style>
+          <a:lnRef idx="1">
+            <a:schemeClr val="accent1"/>
+          </a:lnRef>
+          <a:fillRef idx="0">
+            <a:schemeClr val="accent1"/>
+          </a:fillRef>
+          <a:effectRef idx="0">
+            <a:schemeClr val="accent1"/>
+          </a:effectRef>
+          <a:fontRef idx="minor">
+            <a:schemeClr val="tx1"/>
+          </a:fontRef>
+        </p:style>
+      </p:cxnSp>
+      <p:sp>
+        <p:nvSpPr>
+          <p:cNvPr id="27" name="椭圆 26"/>
+          <p:cNvSpPr/>
+          <p:nvPr/>
+        </p:nvSpPr>
+        <p:spPr>
+          <a:xfrm>
+            <a:off x="5652120" y="3700805"/>
+            <a:ext cx="432048" cy="432048"/>
+          </a:xfrm>
+          <a:prstGeom prst="ellipse">
+            <a:avLst/>
+          </a:prstGeom>
+        </p:spPr>
+        <p:style>
+          <a:lnRef idx="2">
+            <a:schemeClr val="accent1">
+              <a:shade val="50000"/>
+            </a:schemeClr>
+          </a:lnRef>
+          <a:fillRef idx="1">
+            <a:schemeClr val="accent1"/>
+          </a:fillRef>
+          <a:effectRef idx="0">
+            <a:schemeClr val="accent1"/>
+          </a:effectRef>
+          <a:fontRef idx="minor">
+            <a:schemeClr val="lt1"/>
+          </a:fontRef>
+        </p:style>
+        <p:txBody>
+          <a:bodyPr rtlCol="0" anchor="ctr"/>
+          <a:lstStyle/>
+          <a:p>
+            <a:pPr algn="ctr"/>
+            <a:r>
+              <a:rPr lang="en-US" altLang="zh-CN" dirty="0" smtClean="0"/>
+              <a:t>0</a:t>
+            </a:r>
+            <a:endParaRPr lang="zh-CN" altLang="en-US" dirty="0"/>
+          </a:p>
+        </p:txBody>
+      </p:sp>
+      <p:cxnSp>
+        <p:nvCxnSpPr>
+          <p:cNvPr id="35" name="直接箭头连接符 34"/>
+          <p:cNvCxnSpPr>
+            <a:stCxn id="4" idx="5"/>
+            <a:endCxn id="36" idx="0"/>
+          </p:cNvCxnSpPr>
+          <p:nvPr/>
+        </p:nvCxnSpPr>
+        <p:spPr>
+          <a:xfrm>
+            <a:off x="3928845" y="3033491"/>
+            <a:ext cx="279296" cy="667314"/>
+          </a:xfrm>
+          <a:prstGeom prst="straightConnector1">
+            <a:avLst/>
+          </a:prstGeom>
+          <a:ln>
+            <a:tailEnd type="arrow"/>
+          </a:ln>
+        </p:spPr>
+        <p:style>
+          <a:lnRef idx="1">
+            <a:schemeClr val="accent1"/>
+          </a:lnRef>
+          <a:fillRef idx="0">
+            <a:schemeClr val="accent1"/>
+          </a:fillRef>
+          <a:effectRef idx="0">
+            <a:schemeClr val="accent1"/>
+          </a:effectRef>
+          <a:fontRef idx="minor">
+            <a:schemeClr val="tx1"/>
+          </a:fontRef>
+        </p:style>
+      </p:cxnSp>
+      <p:sp>
+        <p:nvSpPr>
+          <p:cNvPr id="36" name="椭圆 35"/>
+          <p:cNvSpPr/>
+          <p:nvPr/>
+        </p:nvSpPr>
+        <p:spPr>
+          <a:xfrm>
+            <a:off x="3992117" y="3700805"/>
+            <a:ext cx="432048" cy="432048"/>
+          </a:xfrm>
+          <a:prstGeom prst="ellipse">
+            <a:avLst/>
+          </a:prstGeom>
+        </p:spPr>
+        <p:style>
+          <a:lnRef idx="2">
+            <a:schemeClr val="accent1">
+              <a:shade val="50000"/>
+            </a:schemeClr>
+          </a:lnRef>
+          <a:fillRef idx="1">
+            <a:schemeClr val="accent1"/>
+          </a:fillRef>
+          <a:effectRef idx="0">
+            <a:schemeClr val="accent1"/>
+          </a:effectRef>
+          <a:fontRef idx="minor">
+            <a:schemeClr val="lt1"/>
+          </a:fontRef>
+        </p:style>
+        <p:txBody>
+          <a:bodyPr rtlCol="0" anchor="ctr"/>
+          <a:lstStyle/>
+          <a:p>
+            <a:pPr algn="ctr"/>
+            <a:r>
+              <a:rPr lang="en-US" altLang="zh-CN" dirty="0" smtClean="0"/>
+              <a:t>0</a:t>
+            </a:r>
+            <a:endParaRPr lang="zh-CN" altLang="en-US" dirty="0"/>
+          </a:p>
+        </p:txBody>
+      </p:sp>
+      <p:sp>
+        <p:nvSpPr>
+          <p:cNvPr id="39" name="椭圆 38"/>
+          <p:cNvSpPr/>
+          <p:nvPr/>
+        </p:nvSpPr>
+        <p:spPr>
+          <a:xfrm>
+            <a:off x="3496797" y="4742386"/>
+            <a:ext cx="432048" cy="432048"/>
+          </a:xfrm>
+          <a:prstGeom prst="ellipse">
+            <a:avLst/>
+          </a:prstGeom>
+        </p:spPr>
+        <p:style>
+          <a:lnRef idx="2">
+            <a:schemeClr val="accent1">
+              <a:shade val="50000"/>
+            </a:schemeClr>
+          </a:lnRef>
+          <a:fillRef idx="1">
+            <a:schemeClr val="accent1"/>
+          </a:fillRef>
+          <a:effectRef idx="0">
+            <a:schemeClr val="accent1"/>
+          </a:effectRef>
+          <a:fontRef idx="minor">
+            <a:schemeClr val="lt1"/>
+          </a:fontRef>
+        </p:style>
+        <p:txBody>
+          <a:bodyPr rtlCol="0" anchor="ctr"/>
+          <a:lstStyle/>
+          <a:p>
+            <a:pPr algn="ctr"/>
+            <a:r>
+              <a:rPr lang="en-US" altLang="zh-CN" dirty="0" smtClean="0"/>
+              <a:t>0</a:t>
+            </a:r>
+            <a:endParaRPr lang="zh-CN" altLang="en-US" dirty="0"/>
+          </a:p>
+        </p:txBody>
+      </p:sp>
+      <p:cxnSp>
+        <p:nvCxnSpPr>
+          <p:cNvPr id="41" name="直接箭头连接符 40"/>
+          <p:cNvCxnSpPr>
+            <a:stCxn id="36" idx="3"/>
+            <a:endCxn id="39" idx="0"/>
+          </p:cNvCxnSpPr>
+          <p:nvPr/>
+        </p:nvCxnSpPr>
+        <p:spPr>
+          <a:xfrm flipH="1">
+            <a:off x="3712821" y="4069581"/>
+            <a:ext cx="342568" cy="672805"/>
+          </a:xfrm>
+          <a:prstGeom prst="straightConnector1">
+            <a:avLst/>
+          </a:prstGeom>
+          <a:ln>
+            <a:tailEnd type="arrow"/>
+          </a:ln>
+        </p:spPr>
+        <p:style>
+          <a:lnRef idx="1">
+            <a:schemeClr val="accent1"/>
+          </a:lnRef>
+          <a:fillRef idx="0">
+            <a:schemeClr val="accent1"/>
+          </a:fillRef>
+          <a:effectRef idx="0">
+            <a:schemeClr val="accent1"/>
+          </a:effectRef>
+          <a:fontRef idx="minor">
+            <a:schemeClr val="tx1"/>
+          </a:fontRef>
+        </p:style>
+      </p:cxnSp>
+      <p:sp>
+        <p:nvSpPr>
+          <p:cNvPr id="42" name="矩形 41"/>
+          <p:cNvSpPr/>
+          <p:nvPr/>
+        </p:nvSpPr>
+        <p:spPr>
+          <a:xfrm>
+            <a:off x="467544" y="1412776"/>
+            <a:ext cx="2520280" cy="504056"/>
+          </a:xfrm>
+          <a:prstGeom prst="rect">
+            <a:avLst/>
+          </a:prstGeom>
+        </p:spPr>
+        <p:style>
+          <a:lnRef idx="2">
+            <a:schemeClr val="accent1">
+              <a:shade val="50000"/>
+            </a:schemeClr>
+          </a:lnRef>
+          <a:fillRef idx="1">
+            <a:schemeClr val="accent1"/>
+          </a:fillRef>
+          <a:effectRef idx="0">
+            <a:schemeClr val="accent1"/>
+          </a:effectRef>
+          <a:fontRef idx="minor">
+            <a:schemeClr val="lt1"/>
+          </a:fontRef>
+        </p:style>
+        <p:txBody>
+          <a:bodyPr rtlCol="0" anchor="ctr"/>
+          <a:lstStyle/>
+          <a:p>
+            <a:pPr algn="ctr"/>
+            <a:r>
+              <a:rPr lang="en-US" altLang="zh-CN" dirty="0" smtClean="0"/>
+              <a:t>Null path length: </a:t>
+            </a:r>
+            <a:r>
+              <a:rPr lang="en-US" altLang="zh-CN" dirty="0" err="1" smtClean="0"/>
+              <a:t>npl</a:t>
+            </a:r>
+            <a:endParaRPr lang="zh-CN" altLang="en-US" dirty="0"/>
+          </a:p>
+        </p:txBody>
+      </p:sp>
+      <p:sp>
+        <p:nvSpPr>
+          <p:cNvPr id="43" name="矩形 42"/>
+          <p:cNvSpPr/>
+          <p:nvPr/>
+        </p:nvSpPr>
+        <p:spPr>
+          <a:xfrm>
+            <a:off x="467544" y="2141592"/>
+            <a:ext cx="2520280" cy="523123"/>
+          </a:xfrm>
+          <a:prstGeom prst="rect">
+            <a:avLst/>
+          </a:prstGeom>
+        </p:spPr>
+        <p:style>
+          <a:lnRef idx="2">
+            <a:schemeClr val="accent1">
+              <a:shade val="50000"/>
+            </a:schemeClr>
+          </a:lnRef>
+          <a:fillRef idx="1">
+            <a:schemeClr val="accent1"/>
+          </a:fillRef>
+          <a:effectRef idx="0">
+            <a:schemeClr val="accent1"/>
+          </a:effectRef>
+          <a:fontRef idx="minor">
+            <a:schemeClr val="lt1"/>
+          </a:fontRef>
+        </p:style>
+        <p:txBody>
+          <a:bodyPr rtlCol="0" anchor="ctr"/>
+          <a:lstStyle/>
+          <a:p>
+            <a:pPr algn="ctr"/>
+            <a:r>
+              <a:rPr lang="en-US" altLang="zh-CN" dirty="0" err="1" smtClean="0"/>
+              <a:t>npl</a:t>
+            </a:r>
+            <a:r>
+              <a:rPr lang="en-US" altLang="zh-CN" dirty="0" smtClean="0"/>
+              <a:t>(null) == -1;</a:t>
+            </a:r>
+            <a:endParaRPr lang="zh-CN" altLang="en-US" dirty="0"/>
+          </a:p>
+        </p:txBody>
+      </p:sp>
+    </p:spTree>
+    <p:extLst>
+      <p:ext uri="{BB962C8B-B14F-4D97-AF65-F5344CB8AC3E}">
+        <p14:creationId xmlns:p14="http://schemas.microsoft.com/office/powerpoint/2010/main" val="2301525059"/>
+      </p:ext>
+    </p:extLst>
+  </p:cSld>
+  <p:clrMapOvr>
+    <a:masterClrMapping/>
+  </p:clrMapOvr>
+</p:sld>
+</file>
+
+<file path=ppt/slides/slide41.xml><?xml version="1.0" encoding="utf-8"?>
+<p:sld xmlns:a="http://schemas.openxmlformats.org/drawingml/2006/main" xmlns:r="http://schemas.openxmlformats.org/officeDocument/2006/relationships" xmlns:p="http://schemas.openxmlformats.org/presentationml/2006/main">
+  <p:cSld>
+    <p:spTree>
+      <p:nvGrpSpPr>
+        <p:cNvPr id="1" name=""/>
+        <p:cNvGrpSpPr/>
+        <p:nvPr/>
+      </p:nvGrpSpPr>
+      <p:grpSpPr>
+        <a:xfrm>
+          <a:off x="0" y="0"/>
+          <a:ext cx="0" cy="0"/>
+          <a:chOff x="0" y="0"/>
+          <a:chExt cx="0" cy="0"/>
+        </a:xfrm>
+      </p:grpSpPr>
+    </p:spTree>
+    <p:extLst>
+      <p:ext uri="{BB962C8B-B14F-4D97-AF65-F5344CB8AC3E}">
+        <p14:creationId xmlns:p14="http://schemas.microsoft.com/office/powerpoint/2010/main" val="2301525059"/>
+      </p:ext>
+    </p:extLst>
+  </p:cSld>
+  <p:clrMapOvr>
+    <a:masterClrMapping/>
+  </p:clrMapOvr>
+</p:sld>
+</file>
+
+<file path=ppt/slides/slide42.xml><?xml version="1.0" encoding="utf-8"?>
+<p:sld xmlns:a="http://schemas.openxmlformats.org/drawingml/2006/main" xmlns:r="http://schemas.openxmlformats.org/officeDocument/2006/relationships" xmlns:p="http://schemas.openxmlformats.org/presentationml/2006/main">
+  <p:cSld>
+    <p:spTree>
+      <p:nvGrpSpPr>
+        <p:cNvPr id="1" name=""/>
+        <p:cNvGrpSpPr/>
+        <p:nvPr/>
+      </p:nvGrpSpPr>
+      <p:grpSpPr>
+        <a:xfrm>
+          <a:off x="0" y="0"/>
+          <a:ext cx="0" cy="0"/>
+          <a:chOff x="0" y="0"/>
+          <a:chExt cx="0" cy="0"/>
+        </a:xfrm>
+      </p:grpSpPr>
+    </p:spTree>
+    <p:extLst>
+      <p:ext uri="{BB962C8B-B14F-4D97-AF65-F5344CB8AC3E}">
+        <p14:creationId xmlns:p14="http://schemas.microsoft.com/office/powerpoint/2010/main" val="2301525059"/>
+      </p:ext>
+    </p:extLst>
+  </p:cSld>
+  <p:clrMapOvr>
+    <a:masterClrMapping/>
+  </p:clrMapOvr>
+</p:sld>
+</file>
+
+<file path=ppt/slides/slide43.xml><?xml version="1.0" encoding="utf-8"?>
+<p:sld xmlns:a="http://schemas.openxmlformats.org/drawingml/2006/main" xmlns:r="http://schemas.openxmlformats.org/officeDocument/2006/relationships" xmlns:p="http://schemas.openxmlformats.org/presentationml/2006/main">
+  <p:cSld>
+    <p:spTree>
+      <p:nvGrpSpPr>
+        <p:cNvPr id="1" name=""/>
+        <p:cNvGrpSpPr/>
+        <p:nvPr/>
+      </p:nvGrpSpPr>
+      <p:grpSpPr>
+        <a:xfrm>
+          <a:off x="0" y="0"/>
+          <a:ext cx="0" cy="0"/>
+          <a:chOff x="0" y="0"/>
+          <a:chExt cx="0" cy="0"/>
+        </a:xfrm>
+      </p:grpSpPr>
+    </p:spTree>
+    <p:extLst>
+      <p:ext uri="{BB962C8B-B14F-4D97-AF65-F5344CB8AC3E}">
+        <p14:creationId xmlns:p14="http://schemas.microsoft.com/office/powerpoint/2010/main" val="2301525059"/>
+      </p:ext>
+    </p:extLst>
+  </p:cSld>
+  <p:clrMapOvr>
+    <a:masterClrMapping/>
+  </p:clrMapOvr>
+</p:sld>
+</file>
+
+<file path=ppt/slides/slide44.xml><?xml version="1.0" encoding="utf-8"?>
+<p:sld xmlns:a="http://schemas.openxmlformats.org/drawingml/2006/main" xmlns:r="http://schemas.openxmlformats.org/officeDocument/2006/relationships" xmlns:p="http://schemas.openxmlformats.org/presentationml/2006/main">
+  <p:cSld>
+    <p:spTree>
+      <p:nvGrpSpPr>
+        <p:cNvPr id="1" name=""/>
+        <p:cNvGrpSpPr/>
+        <p:nvPr/>
+      </p:nvGrpSpPr>
+      <p:grpSpPr>
+        <a:xfrm>
+          <a:off x="0" y="0"/>
+          <a:ext cx="0" cy="0"/>
+          <a:chOff x="0" y="0"/>
+          <a:chExt cx="0" cy="0"/>
+        </a:xfrm>
+      </p:grpSpPr>
+    </p:spTree>
+    <p:extLst>
+      <p:ext uri="{BB962C8B-B14F-4D97-AF65-F5344CB8AC3E}">
+        <p14:creationId xmlns:p14="http://schemas.microsoft.com/office/powerpoint/2010/main" val="2301525059"/>
+      </p:ext>
+    </p:extLst>
+  </p:cSld>
+  <p:clrMapOvr>
+    <a:masterClrMapping/>
+  </p:clrMapOvr>
+</p:sld>
+</file>
+
+<file path=ppt/slides/slide45.xml><?xml version="1.0" encoding="utf-8"?>
+<p:sld xmlns:a="http://schemas.openxmlformats.org/drawingml/2006/main" xmlns:r="http://schemas.openxmlformats.org/officeDocument/2006/relationships" xmlns:p="http://schemas.openxmlformats.org/presentationml/2006/main">
+  <p:cSld>
+    <p:spTree>
+      <p:nvGrpSpPr>
+        <p:cNvPr id="1" name=""/>
+        <p:cNvGrpSpPr/>
+        <p:nvPr/>
+      </p:nvGrpSpPr>
+      <p:grpSpPr>
+        <a:xfrm>
+          <a:off x="0" y="0"/>
+          <a:ext cx="0" cy="0"/>
+          <a:chOff x="0" y="0"/>
+          <a:chExt cx="0" cy="0"/>
+        </a:xfrm>
+      </p:grpSpPr>
+    </p:spTree>
+    <p:extLst>
+      <p:ext uri="{BB962C8B-B14F-4D97-AF65-F5344CB8AC3E}">
+        <p14:creationId xmlns:p14="http://schemas.microsoft.com/office/powerpoint/2010/main" val="2301525059"/>
       </p:ext>
     </p:extLst>
   </p:cSld>
